--- a/회로 구성/CCU (STM32).pptx
+++ b/회로 구성/CCU (STM32).pptx
@@ -1,11 +1,13 @@
 
 <file path=ppt/presentation.xml><?xml version="1.0" encoding="utf-8"?>
-<p:presentation xmlns:a="http://schemas.openxmlformats.org/drawingml/2006/main" xmlns:r="http://schemas.openxmlformats.org/officeDocument/2006/relationships" xmlns:p="http://schemas.openxmlformats.org/presentationml/2006/main" saveSubsetFonts="1">
+<p:presentation xmlns:a="http://schemas.openxmlformats.org/drawingml/2006/main" xmlns:r="http://schemas.openxmlformats.org/officeDocument/2006/relationships" xmlns:p="http://schemas.openxmlformats.org/presentationml/2006/main" xmlns:p14="http://schemas.microsoft.com/office/powerpoint/2010/main" saveSubsetFonts="1">
   <p:sldMasterIdLst>
-    <p:sldMasterId id="2147483648" r:id="rId1"/>
+    <p:sldMasterId id="2147483661" r:id="rId13"/>
   </p:sldMasterIdLst>
   <p:sldIdLst>
-    <p:sldId id="256" r:id="rId2"/>
+    <p:sldId id="256" r:id="rId15"/>
+    <p:sldId id="257" r:id="rId16"/>
+    <p:sldId id="258" r:id="rId17"/>
   </p:sldIdLst>
   <p:sldSz cx="12192000" cy="6858000"/>
   <p:notesSz cx="6858000" cy="9144000"/>
@@ -3305,7 +3307,7 @@
 </file>
 
 <file path=ppt/slides/slide1.xml><?xml version="1.0" encoding="utf-8"?>
-<p:sld xmlns:a="http://schemas.openxmlformats.org/drawingml/2006/main" xmlns:r="http://schemas.openxmlformats.org/officeDocument/2006/relationships" xmlns:p="http://schemas.openxmlformats.org/presentationml/2006/main">
+<p:sld xmlns:a="http://schemas.openxmlformats.org/drawingml/2006/main" xmlns:r="http://schemas.openxmlformats.org/officeDocument/2006/relationships" xmlns:p="http://schemas.openxmlformats.org/presentationml/2006/main" xmlns:p14="http://schemas.microsoft.com/office/powerpoint/2010/main">
   <p:cSld>
     <p:spTree>
       <p:nvGrpSpPr>
@@ -4457,6 +4459,8887 @@
   <p:clrMapOvr>
     <a:masterClrMapping/>
   </p:clrMapOvr>
+  <mc:AlternateContent xmlns:mc="http://schemas.openxmlformats.org/markup-compatibility/2006">
+    <mc:Choice xmlns:p14="http://schemas.microsoft.com/office/powerpoint/2010/main" Requires="p14">
+      <p:transition spd="slow" p14:dur="2000"/>
+    </mc:Choice>
+    <mc:Fallback>
+      <p:transition spd="slow"/>
+    </mc:Fallback>
+  </mc:AlternateContent>
+  <p:timing>
+    <p:tnLst>
+      <p:par>
+        <p:cTn id="1" dur="indefinite" restart="never" nodeType="tmRoot"/>
+      </p:par>
+    </p:tnLst>
+  </p:timing>
+</p:sld>
+</file>
+
+<file path=ppt/slides/slide2.xml><?xml version="1.0" encoding="utf-8"?>
+<p:sld xmlns:a="http://schemas.openxmlformats.org/drawingml/2006/main" xmlns:r="http://schemas.openxmlformats.org/officeDocument/2006/relationships" xmlns:p="http://schemas.openxmlformats.org/presentationml/2006/main">
+  <p:cSld>
+    <p:spTree>
+      <p:nvGrpSpPr>
+        <p:cNvPr id="1" name=""/>
+        <p:cNvGrpSpPr/>
+        <p:nvPr/>
+      </p:nvGrpSpPr>
+      <p:grpSpPr>
+        <a:xfrm>
+          <a:off x="0" y="0"/>
+          <a:ext cx="0" cy="0"/>
+          <a:chOff x="0" y="0"/>
+          <a:chExt cx="0" cy="0"/>
+        </a:xfrm>
+      </p:grpSpPr>
+      <p:graphicFrame>
+        <p:nvGraphicFramePr>
+          <p:cNvPr id="2" name="표 4"/>
+          <p:cNvGraphicFramePr>
+            <a:graphicFrameLocks noGrp="1"/>
+          </p:cNvGraphicFramePr>
+          <p:nvPr/>
+        </p:nvGraphicFramePr>
+        <p:xfrm>
+          <a:off x="842010" y="1384935"/>
+          <a:ext cx="4428490" cy="3412490"/>
+        </p:xfrm>
+        <a:graphic>
+          <a:graphicData uri="http://schemas.openxmlformats.org/drawingml/2006/table">
+            <a:tbl>
+              <a:tblPr>
+                <a:tableStyleId>{00000000-0000-0000-0000-000000000000}</a:tableStyleId>
+              </a:tblPr>
+              <a:tblGrid>
+                <a:gridCol w="918845"/>
+                <a:gridCol w="1123315"/>
+                <a:gridCol w="1122680"/>
+                <a:gridCol w="1263650"/>
+              </a:tblGrid>
+              <a:tr h="276860">
+                <a:tc>
+                  <a:txBody>
+                    <a:bodyPr/>
+                    <a:lstStyle/>
+                    <a:p>
+                      <a:pPr marL="0" indent="0"/>
+                      <a:endParaRPr lang="ko-KR" altLang="en-US" sz="1800" kern="1200">
+                        <a:latin typeface="맑은 고딕" charset="0"/>
+                        <a:ea typeface="맑은 고딕" charset="0"/>
+                      </a:endParaRPr>
+                    </a:p>
+                  </a:txBody>
+                  <a:tcPr marL="0" marR="0" marT="0" marB="0" anchor="ctr">
+                    <a:lnL w="0" cap="flat" cmpd="sng" algn="ctr">
+                      <a:noFill/>
+                      <a:prstDash/>
+                      <a:round/>
+                      <a:headEnd type="none" w="med" len="med"/>
+                      <a:tailEnd type="none" w="med" len="med"/>
+                    </a:lnL>
+                    <a:lnR w="0" cap="flat" cmpd="sng" algn="ctr">
+                      <a:noFill/>
+                      <a:prstDash/>
+                      <a:round/>
+                      <a:headEnd type="none" w="med" len="med"/>
+                      <a:tailEnd type="none" w="med" len="med"/>
+                    </a:lnR>
+                    <a:lnT w="0" cap="flat" cmpd="sng" algn="ctr">
+                      <a:noFill/>
+                      <a:prstDash/>
+                      <a:round/>
+                      <a:headEnd type="none" w="med" len="med"/>
+                      <a:tailEnd type="none" w="med" len="med"/>
+                    </a:lnT>
+                    <a:lnB w="0" cap="flat" cmpd="sng" algn="ctr">
+                      <a:noFill/>
+                      <a:prstDash/>
+                      <a:round/>
+                      <a:headEnd type="none" w="med" len="med"/>
+                      <a:tailEnd type="none" w="med" len="med"/>
+                    </a:lnB>
+                  </a:tcPr>
+                </a:tc>
+                <a:tc>
+                  <a:txBody>
+                    <a:bodyPr/>
+                    <a:lstStyle/>
+                    <a:p>
+                      <a:pPr marL="0" indent="0"/>
+                      <a:endParaRPr lang="ko-KR" altLang="en-US" sz="1800" kern="1200">
+                        <a:latin typeface="맑은 고딕" charset="0"/>
+                        <a:ea typeface="맑은 고딕" charset="0"/>
+                      </a:endParaRPr>
+                    </a:p>
+                  </a:txBody>
+                  <a:tcPr marL="0" marR="0" marT="0" marB="0" anchor="ctr">
+                    <a:lnL w="0" cap="flat" cmpd="sng" algn="ctr">
+                      <a:noFill/>
+                      <a:prstDash/>
+                      <a:round/>
+                      <a:headEnd type="none" w="med" len="med"/>
+                      <a:tailEnd type="none" w="med" len="med"/>
+                    </a:lnL>
+                    <a:lnR w="0" cap="flat" cmpd="sng" algn="ctr">
+                      <a:noFill/>
+                      <a:prstDash/>
+                      <a:round/>
+                      <a:headEnd type="none" w="med" len="med"/>
+                      <a:tailEnd type="none" w="med" len="med"/>
+                    </a:lnR>
+                    <a:lnT w="0" cap="flat" cmpd="sng" algn="ctr">
+                      <a:noFill/>
+                      <a:prstDash/>
+                      <a:round/>
+                      <a:headEnd type="none" w="med" len="med"/>
+                      <a:tailEnd type="none" w="med" len="med"/>
+                    </a:lnT>
+                    <a:lnB w="0" cap="flat" cmpd="sng" algn="ctr">
+                      <a:noFill/>
+                      <a:prstDash/>
+                      <a:round/>
+                      <a:headEnd type="none" w="med" len="med"/>
+                      <a:tailEnd type="none" w="med" len="med"/>
+                    </a:lnB>
+                  </a:tcPr>
+                </a:tc>
+                <a:tc>
+                  <a:txBody>
+                    <a:bodyPr/>
+                    <a:lstStyle/>
+                    <a:p>
+                      <a:pPr marL="0" indent="0"/>
+                      <a:endParaRPr lang="ko-KR" altLang="en-US" sz="1800" kern="1200">
+                        <a:latin typeface="맑은 고딕" charset="0"/>
+                        <a:ea typeface="맑은 고딕" charset="0"/>
+                      </a:endParaRPr>
+                    </a:p>
+                  </a:txBody>
+                  <a:tcPr marL="0" marR="0" marT="0" marB="0" anchor="ctr">
+                    <a:lnL w="0" cap="flat" cmpd="sng" algn="ctr">
+                      <a:noFill/>
+                      <a:prstDash/>
+                      <a:round/>
+                      <a:headEnd type="none" w="med" len="med"/>
+                      <a:tailEnd type="none" w="med" len="med"/>
+                    </a:lnL>
+                    <a:lnR w="0" cap="flat" cmpd="sng" algn="ctr">
+                      <a:noFill/>
+                      <a:prstDash/>
+                      <a:round/>
+                      <a:headEnd type="none" w="med" len="med"/>
+                      <a:tailEnd type="none" w="med" len="med"/>
+                    </a:lnR>
+                    <a:lnT w="0" cap="flat" cmpd="sng" algn="ctr">
+                      <a:noFill/>
+                      <a:prstDash/>
+                      <a:round/>
+                      <a:headEnd type="none" w="med" len="med"/>
+                      <a:tailEnd type="none" w="med" len="med"/>
+                    </a:lnT>
+                    <a:lnB w="0" cap="flat" cmpd="sng" algn="ctr">
+                      <a:noFill/>
+                      <a:prstDash/>
+                      <a:round/>
+                      <a:headEnd type="none" w="med" len="med"/>
+                      <a:tailEnd type="none" w="med" len="med"/>
+                    </a:lnB>
+                  </a:tcPr>
+                </a:tc>
+                <a:tc>
+                  <a:txBody>
+                    <a:bodyPr/>
+                    <a:lstStyle/>
+                    <a:p>
+                      <a:pPr marL="0" indent="0"/>
+                      <a:endParaRPr lang="ko-KR" altLang="en-US" sz="1800" kern="1200">
+                        <a:latin typeface="맑은 고딕" charset="0"/>
+                        <a:ea typeface="맑은 고딕" charset="0"/>
+                      </a:endParaRPr>
+                    </a:p>
+                  </a:txBody>
+                  <a:tcPr marL="0" marR="0" marT="0" marB="0" anchor="ctr">
+                    <a:lnL w="0" cap="flat" cmpd="sng" algn="ctr">
+                      <a:noFill/>
+                      <a:prstDash/>
+                      <a:round/>
+                      <a:headEnd type="none" w="med" len="med"/>
+                      <a:tailEnd type="none" w="med" len="med"/>
+                    </a:lnL>
+                    <a:lnR w="0" cap="flat" cmpd="sng" algn="ctr">
+                      <a:noFill/>
+                      <a:prstDash/>
+                      <a:round/>
+                      <a:headEnd type="none" w="med" len="med"/>
+                      <a:tailEnd type="none" w="med" len="med"/>
+                    </a:lnR>
+                    <a:lnT w="0" cap="flat" cmpd="sng" algn="ctr">
+                      <a:noFill/>
+                      <a:prstDash/>
+                      <a:round/>
+                      <a:headEnd type="none" w="med" len="med"/>
+                      <a:tailEnd type="none" w="med" len="med"/>
+                    </a:lnT>
+                    <a:lnB w="0" cap="flat" cmpd="sng" algn="ctr">
+                      <a:noFill/>
+                      <a:prstDash/>
+                      <a:round/>
+                      <a:headEnd type="none" w="med" len="med"/>
+                      <a:tailEnd type="none" w="med" len="med"/>
+                    </a:lnB>
+                  </a:tcPr>
+                </a:tc>
+              </a:tr>
+              <a:tr h="276860">
+                <a:tc>
+                  <a:txBody>
+                    <a:bodyPr/>
+                    <a:lstStyle/>
+                    <a:p>
+                      <a:pPr marL="0" indent="0"/>
+                      <a:r>
+                        <a:rPr sz="1100" kern="1200">
+                          <a:solidFill>
+                            <a:srgbClr val="000000"/>
+                          </a:solidFill>
+                        </a:rPr>
+                        <a:t>STM32</a:t>
+                      </a:r>
+                      <a:endParaRPr lang="ko-KR" altLang="en-US" sz="1100" kern="1200">
+                        <a:solidFill>
+                          <a:srgbClr val="000000"/>
+                        </a:solidFill>
+                      </a:endParaRPr>
+                    </a:p>
+                  </a:txBody>
+                  <a:tcPr marL="0" marR="0" marT="0" marB="0" anchor="ctr">
+                    <a:lnL w="0" cap="flat" cmpd="sng" algn="ctr">
+                      <a:noFill/>
+                      <a:prstDash/>
+                      <a:round/>
+                      <a:headEnd type="none" w="med" len="med"/>
+                      <a:tailEnd type="none" w="med" len="med"/>
+                    </a:lnL>
+                    <a:lnR w="0" cap="flat" cmpd="sng" algn="ctr">
+                      <a:noFill/>
+                      <a:prstDash/>
+                      <a:round/>
+                      <a:headEnd type="none" w="med" len="med"/>
+                      <a:tailEnd type="none" w="med" len="med"/>
+                    </a:lnR>
+                    <a:lnT w="0" cap="flat" cmpd="sng" algn="ctr">
+                      <a:noFill/>
+                      <a:prstDash/>
+                      <a:round/>
+                      <a:headEnd type="none" w="med" len="med"/>
+                      <a:tailEnd type="none" w="med" len="med"/>
+                    </a:lnT>
+                    <a:lnB w="0" cap="flat" cmpd="sng" algn="ctr">
+                      <a:noFill/>
+                      <a:prstDash/>
+                      <a:round/>
+                      <a:headEnd type="none" w="med" len="med"/>
+                      <a:tailEnd type="none" w="med" len="med"/>
+                    </a:lnB>
+                  </a:tcPr>
+                </a:tc>
+                <a:tc>
+                  <a:txBody>
+                    <a:bodyPr/>
+                    <a:lstStyle/>
+                    <a:p>
+                      <a:pPr marL="0" indent="0"/>
+                      <a:endParaRPr lang="ko-KR" altLang="en-US" sz="1800" kern="1200">
+                        <a:latin typeface="맑은 고딕" charset="0"/>
+                        <a:ea typeface="맑은 고딕" charset="0"/>
+                      </a:endParaRPr>
+                    </a:p>
+                  </a:txBody>
+                  <a:tcPr marL="0" marR="0" marT="0" marB="0" anchor="ctr">
+                    <a:lnL w="0" cap="flat" cmpd="sng" algn="ctr">
+                      <a:noFill/>
+                      <a:prstDash/>
+                      <a:round/>
+                      <a:headEnd type="none" w="med" len="med"/>
+                      <a:tailEnd type="none" w="med" len="med"/>
+                    </a:lnL>
+                    <a:lnR w="0" cap="flat" cmpd="sng" algn="ctr">
+                      <a:noFill/>
+                      <a:prstDash/>
+                      <a:round/>
+                      <a:headEnd type="none" w="med" len="med"/>
+                      <a:tailEnd type="none" w="med" len="med"/>
+                    </a:lnR>
+                    <a:lnT w="0" cap="flat" cmpd="sng" algn="ctr">
+                      <a:noFill/>
+                      <a:prstDash/>
+                      <a:round/>
+                      <a:headEnd type="none" w="med" len="med"/>
+                      <a:tailEnd type="none" w="med" len="med"/>
+                    </a:lnT>
+                    <a:lnB w="0" cap="flat" cmpd="sng" algn="ctr">
+                      <a:noFill/>
+                      <a:prstDash/>
+                      <a:round/>
+                      <a:headEnd type="none" w="med" len="med"/>
+                      <a:tailEnd type="none" w="med" len="med"/>
+                    </a:lnB>
+                  </a:tcPr>
+                </a:tc>
+                <a:tc>
+                  <a:txBody>
+                    <a:bodyPr/>
+                    <a:lstStyle/>
+                    <a:p>
+                      <a:pPr marL="0" indent="0"/>
+                      <a:endParaRPr lang="ko-KR" altLang="en-US" sz="1800" kern="1200">
+                        <a:latin typeface="맑은 고딕" charset="0"/>
+                        <a:ea typeface="맑은 고딕" charset="0"/>
+                      </a:endParaRPr>
+                    </a:p>
+                  </a:txBody>
+                  <a:tcPr marL="0" marR="0" marT="0" marB="0" anchor="ctr">
+                    <a:lnL w="0" cap="flat" cmpd="sng" algn="ctr">
+                      <a:noFill/>
+                      <a:prstDash/>
+                      <a:round/>
+                      <a:headEnd type="none" w="med" len="med"/>
+                      <a:tailEnd type="none" w="med" len="med"/>
+                    </a:lnL>
+                    <a:lnR w="0" cap="flat" cmpd="sng" algn="ctr">
+                      <a:noFill/>
+                      <a:prstDash/>
+                      <a:round/>
+                      <a:headEnd type="none" w="med" len="med"/>
+                      <a:tailEnd type="none" w="med" len="med"/>
+                    </a:lnR>
+                    <a:lnT w="0" cap="flat" cmpd="sng" algn="ctr">
+                      <a:noFill/>
+                      <a:prstDash/>
+                      <a:round/>
+                      <a:headEnd type="none" w="med" len="med"/>
+                      <a:tailEnd type="none" w="med" len="med"/>
+                    </a:lnT>
+                    <a:lnB w="0" cap="flat" cmpd="sng" algn="ctr">
+                      <a:noFill/>
+                      <a:prstDash/>
+                      <a:round/>
+                      <a:headEnd type="none" w="med" len="med"/>
+                      <a:tailEnd type="none" w="med" len="med"/>
+                    </a:lnB>
+                  </a:tcPr>
+                </a:tc>
+                <a:tc>
+                  <a:txBody>
+                    <a:bodyPr/>
+                    <a:lstStyle/>
+                    <a:p>
+                      <a:pPr marL="0" indent="0"/>
+                      <a:endParaRPr lang="ko-KR" altLang="en-US" sz="1800" kern="1200">
+                        <a:latin typeface="맑은 고딕" charset="0"/>
+                        <a:ea typeface="맑은 고딕" charset="0"/>
+                      </a:endParaRPr>
+                    </a:p>
+                  </a:txBody>
+                  <a:tcPr marL="0" marR="0" marT="0" marB="0" anchor="ctr">
+                    <a:lnL w="0" cap="flat" cmpd="sng" algn="ctr">
+                      <a:noFill/>
+                      <a:prstDash/>
+                      <a:round/>
+                      <a:headEnd type="none" w="med" len="med"/>
+                      <a:tailEnd type="none" w="med" len="med"/>
+                    </a:lnL>
+                    <a:lnR w="0" cap="flat" cmpd="sng" algn="ctr">
+                      <a:noFill/>
+                      <a:prstDash/>
+                      <a:round/>
+                      <a:headEnd type="none" w="med" len="med"/>
+                      <a:tailEnd type="none" w="med" len="med"/>
+                    </a:lnR>
+                    <a:lnT w="0" cap="flat" cmpd="sng" algn="ctr">
+                      <a:noFill/>
+                      <a:prstDash/>
+                      <a:round/>
+                      <a:headEnd type="none" w="med" len="med"/>
+                      <a:tailEnd type="none" w="med" len="med"/>
+                    </a:lnT>
+                    <a:lnB w="0" cap="flat" cmpd="sng" algn="ctr">
+                      <a:noFill/>
+                      <a:prstDash/>
+                      <a:round/>
+                      <a:headEnd type="none" w="med" len="med"/>
+                      <a:tailEnd type="none" w="med" len="med"/>
+                    </a:lnB>
+                  </a:tcPr>
+                </a:tc>
+              </a:tr>
+              <a:tr h="209550">
+                <a:tc>
+                  <a:txBody>
+                    <a:bodyPr/>
+                    <a:lstStyle/>
+                    <a:p>
+                      <a:pPr marL="0" indent="0"/>
+                      <a:r>
+                        <a:rPr sz="1100" kern="1200">
+                          <a:solidFill>
+                            <a:srgbClr val="000000"/>
+                          </a:solidFill>
+                        </a:rPr>
+                        <a:t>인터페이스</a:t>
+                      </a:r>
+                      <a:endParaRPr lang="ko-KR" altLang="en-US" sz="1100" kern="1200">
+                        <a:solidFill>
+                          <a:srgbClr val="000000"/>
+                        </a:solidFill>
+                      </a:endParaRPr>
+                    </a:p>
+                  </a:txBody>
+                  <a:tcPr marL="0" marR="0" marT="0" marB="0" anchor="ctr">
+                    <a:lnL w="0" cap="flat" cmpd="sng" algn="ctr">
+                      <a:noFill/>
+                      <a:prstDash/>
+                      <a:round/>
+                      <a:headEnd type="none" w="med" len="med"/>
+                      <a:tailEnd type="none" w="med" len="med"/>
+                    </a:lnL>
+                    <a:lnR w="0" cap="flat" cmpd="sng" algn="ctr">
+                      <a:noFill/>
+                      <a:prstDash/>
+                      <a:round/>
+                      <a:headEnd type="none" w="med" len="med"/>
+                      <a:tailEnd type="none" w="med" len="med"/>
+                    </a:lnR>
+                    <a:lnT w="0" cap="flat" cmpd="sng" algn="ctr">
+                      <a:noFill/>
+                      <a:prstDash/>
+                      <a:round/>
+                      <a:headEnd type="none" w="med" len="med"/>
+                      <a:tailEnd type="none" w="med" len="med"/>
+                    </a:lnT>
+                    <a:lnB w="0" cap="flat" cmpd="sng" algn="ctr">
+                      <a:noFill/>
+                      <a:prstDash/>
+                      <a:round/>
+                      <a:headEnd type="none" w="med" len="med"/>
+                      <a:tailEnd type="none" w="med" len="med"/>
+                    </a:lnB>
+                  </a:tcPr>
+                </a:tc>
+                <a:tc>
+                  <a:txBody>
+                    <a:bodyPr/>
+                    <a:lstStyle/>
+                    <a:p>
+                      <a:pPr marL="0" indent="0"/>
+                      <a:r>
+                        <a:rPr sz="1100" kern="1200">
+                          <a:solidFill>
+                            <a:srgbClr val="000000"/>
+                          </a:solidFill>
+                        </a:rPr>
+                        <a:t>핀번호/포트명</a:t>
+                      </a:r>
+                      <a:endParaRPr lang="ko-KR" altLang="en-US" sz="1100" kern="1200">
+                        <a:solidFill>
+                          <a:srgbClr val="000000"/>
+                        </a:solidFill>
+                      </a:endParaRPr>
+                    </a:p>
+                  </a:txBody>
+                  <a:tcPr marL="0" marR="0" marT="0" marB="0" anchor="ctr">
+                    <a:lnL w="0" cap="flat" cmpd="sng" algn="ctr">
+                      <a:noFill/>
+                      <a:prstDash/>
+                      <a:round/>
+                      <a:headEnd type="none" w="med" len="med"/>
+                      <a:tailEnd type="none" w="med" len="med"/>
+                    </a:lnL>
+                    <a:lnR w="0" cap="flat" cmpd="sng" algn="ctr">
+                      <a:noFill/>
+                      <a:prstDash/>
+                      <a:round/>
+                      <a:headEnd type="none" w="med" len="med"/>
+                      <a:tailEnd type="none" w="med" len="med"/>
+                    </a:lnR>
+                    <a:lnT w="0" cap="flat" cmpd="sng" algn="ctr">
+                      <a:noFill/>
+                      <a:prstDash/>
+                      <a:round/>
+                      <a:headEnd type="none" w="med" len="med"/>
+                      <a:tailEnd type="none" w="med" len="med"/>
+                    </a:lnT>
+                    <a:lnB w="0" cap="flat" cmpd="sng" algn="ctr">
+                      <a:noFill/>
+                      <a:prstDash/>
+                      <a:round/>
+                      <a:headEnd type="none" w="med" len="med"/>
+                      <a:tailEnd type="none" w="med" len="med"/>
+                    </a:lnB>
+                  </a:tcPr>
+                </a:tc>
+                <a:tc>
+                  <a:txBody>
+                    <a:bodyPr/>
+                    <a:lstStyle/>
+                    <a:p>
+                      <a:pPr marL="0" indent="0"/>
+                      <a:r>
+                        <a:rPr sz="1100" kern="1200">
+                          <a:solidFill>
+                            <a:srgbClr val="000000"/>
+                          </a:solidFill>
+                        </a:rPr>
+                        <a:t>방향</a:t>
+                      </a:r>
+                      <a:endParaRPr lang="ko-KR" altLang="en-US" sz="1100" kern="1200">
+                        <a:solidFill>
+                          <a:srgbClr val="000000"/>
+                        </a:solidFill>
+                      </a:endParaRPr>
+                    </a:p>
+                  </a:txBody>
+                  <a:tcPr marL="0" marR="0" marT="0" marB="0" anchor="ctr">
+                    <a:lnL w="0" cap="flat" cmpd="sng" algn="ctr">
+                      <a:noFill/>
+                      <a:prstDash/>
+                      <a:round/>
+                      <a:headEnd type="none" w="med" len="med"/>
+                      <a:tailEnd type="none" w="med" len="med"/>
+                    </a:lnL>
+                    <a:lnR w="0" cap="flat" cmpd="sng" algn="ctr">
+                      <a:noFill/>
+                      <a:prstDash/>
+                      <a:round/>
+                      <a:headEnd type="none" w="med" len="med"/>
+                      <a:tailEnd type="none" w="med" len="med"/>
+                    </a:lnR>
+                    <a:lnT w="0" cap="flat" cmpd="sng" algn="ctr">
+                      <a:noFill/>
+                      <a:prstDash/>
+                      <a:round/>
+                      <a:headEnd type="none" w="med" len="med"/>
+                      <a:tailEnd type="none" w="med" len="med"/>
+                    </a:lnT>
+                    <a:lnB w="0" cap="flat" cmpd="sng" algn="ctr">
+                      <a:noFill/>
+                      <a:prstDash/>
+                      <a:round/>
+                      <a:headEnd type="none" w="med" len="med"/>
+                      <a:tailEnd type="none" w="med" len="med"/>
+                    </a:lnB>
+                  </a:tcPr>
+                </a:tc>
+                <a:tc>
+                  <a:txBody>
+                    <a:bodyPr/>
+                    <a:lstStyle/>
+                    <a:p>
+                      <a:pPr marL="0" indent="0"/>
+                      <a:r>
+                        <a:rPr sz="1100" kern="1200">
+                          <a:solidFill>
+                            <a:srgbClr val="000000"/>
+                          </a:solidFill>
+                        </a:rPr>
+                        <a:t>기능</a:t>
+                      </a:r>
+                      <a:endParaRPr lang="ko-KR" altLang="en-US" sz="1100" kern="1200">
+                        <a:solidFill>
+                          <a:srgbClr val="000000"/>
+                        </a:solidFill>
+                      </a:endParaRPr>
+                    </a:p>
+                  </a:txBody>
+                  <a:tcPr marL="0" marR="0" marT="0" marB="0" anchor="ctr">
+                    <a:lnL w="0" cap="flat" cmpd="sng" algn="ctr">
+                      <a:noFill/>
+                      <a:prstDash/>
+                      <a:round/>
+                      <a:headEnd type="none" w="med" len="med"/>
+                      <a:tailEnd type="none" w="med" len="med"/>
+                    </a:lnL>
+                    <a:lnR w="0" cap="flat" cmpd="sng" algn="ctr">
+                      <a:noFill/>
+                      <a:prstDash/>
+                      <a:round/>
+                      <a:headEnd type="none" w="med" len="med"/>
+                      <a:tailEnd type="none" w="med" len="med"/>
+                    </a:lnR>
+                    <a:lnT w="0" cap="flat" cmpd="sng" algn="ctr">
+                      <a:noFill/>
+                      <a:prstDash/>
+                      <a:round/>
+                      <a:headEnd type="none" w="med" len="med"/>
+                      <a:tailEnd type="none" w="med" len="med"/>
+                    </a:lnT>
+                    <a:lnB w="0" cap="flat" cmpd="sng" algn="ctr">
+                      <a:noFill/>
+                      <a:prstDash/>
+                      <a:round/>
+                      <a:headEnd type="none" w="med" len="med"/>
+                      <a:tailEnd type="none" w="med" len="med"/>
+                    </a:lnB>
+                  </a:tcPr>
+                </a:tc>
+              </a:tr>
+              <a:tr h="209550">
+                <a:tc>
+                  <a:txBody>
+                    <a:bodyPr/>
+                    <a:lstStyle/>
+                    <a:p>
+                      <a:pPr marL="0" indent="0"/>
+                      <a:r>
+                        <a:rPr sz="1100" kern="1200">
+                          <a:solidFill>
+                            <a:srgbClr val="000000"/>
+                          </a:solidFill>
+                        </a:rPr>
+                        <a:t>DHT11</a:t>
+                      </a:r>
+                      <a:endParaRPr lang="ko-KR" altLang="en-US" sz="1100" kern="1200">
+                        <a:solidFill>
+                          <a:srgbClr val="000000"/>
+                        </a:solidFill>
+                      </a:endParaRPr>
+                    </a:p>
+                  </a:txBody>
+                  <a:tcPr marL="0" marR="0" marT="0" marB="0" anchor="ctr">
+                    <a:lnL w="0" cap="flat" cmpd="sng" algn="ctr">
+                      <a:noFill/>
+                      <a:prstDash/>
+                      <a:round/>
+                      <a:headEnd type="none" w="med" len="med"/>
+                      <a:tailEnd type="none" w="med" len="med"/>
+                    </a:lnL>
+                    <a:lnR w="0" cap="flat" cmpd="sng" algn="ctr">
+                      <a:noFill/>
+                      <a:prstDash/>
+                      <a:round/>
+                      <a:headEnd type="none" w="med" len="med"/>
+                      <a:tailEnd type="none" w="med" len="med"/>
+                    </a:lnR>
+                    <a:lnT w="0" cap="flat" cmpd="sng" algn="ctr">
+                      <a:noFill/>
+                      <a:prstDash/>
+                      <a:round/>
+                      <a:headEnd type="none" w="med" len="med"/>
+                      <a:tailEnd type="none" w="med" len="med"/>
+                    </a:lnT>
+                    <a:lnB w="0" cap="flat" cmpd="sng" algn="ctr">
+                      <a:noFill/>
+                      <a:prstDash/>
+                      <a:round/>
+                      <a:headEnd type="none" w="med" len="med"/>
+                      <a:tailEnd type="none" w="med" len="med"/>
+                    </a:lnB>
+                  </a:tcPr>
+                </a:tc>
+                <a:tc>
+                  <a:txBody>
+                    <a:bodyPr/>
+                    <a:lstStyle/>
+                    <a:p>
+                      <a:pPr marL="0" indent="0"/>
+                      <a:r>
+                        <a:rPr sz="1100" kern="1200">
+                          <a:solidFill>
+                            <a:srgbClr val="000000"/>
+                          </a:solidFill>
+                        </a:rPr>
+                        <a:t>PC10</a:t>
+                      </a:r>
+                      <a:endParaRPr lang="ko-KR" altLang="en-US" sz="1100" kern="1200">
+                        <a:solidFill>
+                          <a:srgbClr val="000000"/>
+                        </a:solidFill>
+                      </a:endParaRPr>
+                    </a:p>
+                  </a:txBody>
+                  <a:tcPr marL="0" marR="0" marT="0" marB="0" anchor="ctr">
+                    <a:lnL w="0" cap="flat" cmpd="sng" algn="ctr">
+                      <a:noFill/>
+                      <a:prstDash/>
+                      <a:round/>
+                      <a:headEnd type="none" w="med" len="med"/>
+                      <a:tailEnd type="none" w="med" len="med"/>
+                    </a:lnL>
+                    <a:lnR w="0" cap="flat" cmpd="sng" algn="ctr">
+                      <a:noFill/>
+                      <a:prstDash/>
+                      <a:round/>
+                      <a:headEnd type="none" w="med" len="med"/>
+                      <a:tailEnd type="none" w="med" len="med"/>
+                    </a:lnR>
+                    <a:lnT w="0" cap="flat" cmpd="sng" algn="ctr">
+                      <a:noFill/>
+                      <a:prstDash/>
+                      <a:round/>
+                      <a:headEnd type="none" w="med" len="med"/>
+                      <a:tailEnd type="none" w="med" len="med"/>
+                    </a:lnT>
+                    <a:lnB w="0" cap="flat" cmpd="sng" algn="ctr">
+                      <a:noFill/>
+                      <a:prstDash/>
+                      <a:round/>
+                      <a:headEnd type="none" w="med" len="med"/>
+                      <a:tailEnd type="none" w="med" len="med"/>
+                    </a:lnB>
+                  </a:tcPr>
+                </a:tc>
+                <a:tc>
+                  <a:txBody>
+                    <a:bodyPr/>
+                    <a:lstStyle/>
+                    <a:p>
+                      <a:pPr marL="0" indent="0"/>
+                      <a:r>
+                        <a:rPr sz="1100" kern="1200">
+                          <a:solidFill>
+                            <a:srgbClr val="000000"/>
+                          </a:solidFill>
+                        </a:rPr>
+                        <a:t>Output</a:t>
+                      </a:r>
+                      <a:endParaRPr lang="ko-KR" altLang="en-US" sz="1100" kern="1200">
+                        <a:solidFill>
+                          <a:srgbClr val="000000"/>
+                        </a:solidFill>
+                      </a:endParaRPr>
+                    </a:p>
+                  </a:txBody>
+                  <a:tcPr marL="0" marR="0" marT="0" marB="0" anchor="ctr">
+                    <a:lnL w="0" cap="flat" cmpd="sng" algn="ctr">
+                      <a:noFill/>
+                      <a:prstDash/>
+                      <a:round/>
+                      <a:headEnd type="none" w="med" len="med"/>
+                      <a:tailEnd type="none" w="med" len="med"/>
+                    </a:lnL>
+                    <a:lnR w="0" cap="flat" cmpd="sng" algn="ctr">
+                      <a:noFill/>
+                      <a:prstDash/>
+                      <a:round/>
+                      <a:headEnd type="none" w="med" len="med"/>
+                      <a:tailEnd type="none" w="med" len="med"/>
+                    </a:lnR>
+                    <a:lnT w="0" cap="flat" cmpd="sng" algn="ctr">
+                      <a:noFill/>
+                      <a:prstDash/>
+                      <a:round/>
+                      <a:headEnd type="none" w="med" len="med"/>
+                      <a:tailEnd type="none" w="med" len="med"/>
+                    </a:lnT>
+                    <a:lnB w="0" cap="flat" cmpd="sng" algn="ctr">
+                      <a:noFill/>
+                      <a:prstDash/>
+                      <a:round/>
+                      <a:headEnd type="none" w="med" len="med"/>
+                      <a:tailEnd type="none" w="med" len="med"/>
+                    </a:lnB>
+                  </a:tcPr>
+                </a:tc>
+                <a:tc>
+                  <a:txBody>
+                    <a:bodyPr/>
+                    <a:lstStyle/>
+                    <a:p>
+                      <a:pPr marL="0" indent="0"/>
+                      <a:r>
+                        <a:rPr sz="1100" kern="1200">
+                          <a:solidFill>
+                            <a:srgbClr val="000000"/>
+                          </a:solidFill>
+                        </a:rPr>
+                        <a:t>온도, 습도 측정</a:t>
+                      </a:r>
+                      <a:endParaRPr lang="ko-KR" altLang="en-US" sz="1100" kern="1200">
+                        <a:solidFill>
+                          <a:srgbClr val="000000"/>
+                        </a:solidFill>
+                      </a:endParaRPr>
+                    </a:p>
+                  </a:txBody>
+                  <a:tcPr marL="0" marR="0" marT="0" marB="0" anchor="ctr">
+                    <a:lnL w="0" cap="flat" cmpd="sng" algn="ctr">
+                      <a:noFill/>
+                      <a:prstDash/>
+                      <a:round/>
+                      <a:headEnd type="none" w="med" len="med"/>
+                      <a:tailEnd type="none" w="med" len="med"/>
+                    </a:lnL>
+                    <a:lnR w="0" cap="flat" cmpd="sng" algn="ctr">
+                      <a:noFill/>
+                      <a:prstDash/>
+                      <a:round/>
+                      <a:headEnd type="none" w="med" len="med"/>
+                      <a:tailEnd type="none" w="med" len="med"/>
+                    </a:lnR>
+                    <a:lnT w="0" cap="flat" cmpd="sng" algn="ctr">
+                      <a:noFill/>
+                      <a:prstDash/>
+                      <a:round/>
+                      <a:headEnd type="none" w="med" len="med"/>
+                      <a:tailEnd type="none" w="med" len="med"/>
+                    </a:lnT>
+                    <a:lnB w="0" cap="flat" cmpd="sng" algn="ctr">
+                      <a:noFill/>
+                      <a:prstDash/>
+                      <a:round/>
+                      <a:headEnd type="none" w="med" len="med"/>
+                      <a:tailEnd type="none" w="med" len="med"/>
+                    </a:lnB>
+                  </a:tcPr>
+                </a:tc>
+              </a:tr>
+              <a:tr h="209550">
+                <a:tc>
+                  <a:txBody>
+                    <a:bodyPr/>
+                    <a:lstStyle/>
+                    <a:p>
+                      <a:pPr marL="0" indent="0"/>
+                      <a:r>
+                        <a:rPr sz="1100" kern="1200">
+                          <a:solidFill>
+                            <a:srgbClr val="000000"/>
+                          </a:solidFill>
+                        </a:rPr>
+                        <a:t>Servo motor1</a:t>
+                      </a:r>
+                      <a:endParaRPr lang="ko-KR" altLang="en-US" sz="1100" kern="1200">
+                        <a:solidFill>
+                          <a:srgbClr val="000000"/>
+                        </a:solidFill>
+                      </a:endParaRPr>
+                    </a:p>
+                  </a:txBody>
+                  <a:tcPr marL="0" marR="0" marT="0" marB="0" anchor="ctr">
+                    <a:lnL w="0" cap="flat" cmpd="sng" algn="ctr">
+                      <a:noFill/>
+                      <a:prstDash/>
+                      <a:round/>
+                      <a:headEnd type="none" w="med" len="med"/>
+                      <a:tailEnd type="none" w="med" len="med"/>
+                    </a:lnL>
+                    <a:lnR w="0" cap="flat" cmpd="sng" algn="ctr">
+                      <a:noFill/>
+                      <a:prstDash/>
+                      <a:round/>
+                      <a:headEnd type="none" w="med" len="med"/>
+                      <a:tailEnd type="none" w="med" len="med"/>
+                    </a:lnR>
+                    <a:lnT w="0" cap="flat" cmpd="sng" algn="ctr">
+                      <a:noFill/>
+                      <a:prstDash/>
+                      <a:round/>
+                      <a:headEnd type="none" w="med" len="med"/>
+                      <a:tailEnd type="none" w="med" len="med"/>
+                    </a:lnT>
+                    <a:lnB w="0" cap="flat" cmpd="sng" algn="ctr">
+                      <a:noFill/>
+                      <a:prstDash/>
+                      <a:round/>
+                      <a:headEnd type="none" w="med" len="med"/>
+                      <a:tailEnd type="none" w="med" len="med"/>
+                    </a:lnB>
+                  </a:tcPr>
+                </a:tc>
+                <a:tc>
+                  <a:txBody>
+                    <a:bodyPr/>
+                    <a:lstStyle/>
+                    <a:p>
+                      <a:pPr marL="0" indent="0"/>
+                      <a:r>
+                        <a:rPr sz="1100" kern="1200">
+                          <a:solidFill>
+                            <a:srgbClr val="000000"/>
+                          </a:solidFill>
+                        </a:rPr>
+                        <a:t>PB7</a:t>
+                      </a:r>
+                      <a:endParaRPr lang="ko-KR" altLang="en-US" sz="1100" kern="1200">
+                        <a:solidFill>
+                          <a:srgbClr val="000000"/>
+                        </a:solidFill>
+                      </a:endParaRPr>
+                    </a:p>
+                  </a:txBody>
+                  <a:tcPr marL="0" marR="0" marT="0" marB="0" anchor="ctr">
+                    <a:lnL w="0" cap="flat" cmpd="sng" algn="ctr">
+                      <a:noFill/>
+                      <a:prstDash/>
+                      <a:round/>
+                      <a:headEnd type="none" w="med" len="med"/>
+                      <a:tailEnd type="none" w="med" len="med"/>
+                    </a:lnL>
+                    <a:lnR w="0" cap="flat" cmpd="sng" algn="ctr">
+                      <a:noFill/>
+                      <a:prstDash/>
+                      <a:round/>
+                      <a:headEnd type="none" w="med" len="med"/>
+                      <a:tailEnd type="none" w="med" len="med"/>
+                    </a:lnR>
+                    <a:lnT w="0" cap="flat" cmpd="sng" algn="ctr">
+                      <a:noFill/>
+                      <a:prstDash/>
+                      <a:round/>
+                      <a:headEnd type="none" w="med" len="med"/>
+                      <a:tailEnd type="none" w="med" len="med"/>
+                    </a:lnT>
+                    <a:lnB w="0" cap="flat" cmpd="sng" algn="ctr">
+                      <a:noFill/>
+                      <a:prstDash/>
+                      <a:round/>
+                      <a:headEnd type="none" w="med" len="med"/>
+                      <a:tailEnd type="none" w="med" len="med"/>
+                    </a:lnB>
+                  </a:tcPr>
+                </a:tc>
+                <a:tc>
+                  <a:txBody>
+                    <a:bodyPr/>
+                    <a:lstStyle/>
+                    <a:p>
+                      <a:pPr marL="0" indent="0"/>
+                      <a:r>
+                        <a:rPr sz="1100" kern="1200">
+                          <a:solidFill>
+                            <a:srgbClr val="000000"/>
+                          </a:solidFill>
+                        </a:rPr>
+                        <a:t>Output</a:t>
+                      </a:r>
+                      <a:endParaRPr lang="ko-KR" altLang="en-US" sz="1100" kern="1200">
+                        <a:solidFill>
+                          <a:srgbClr val="000000"/>
+                        </a:solidFill>
+                      </a:endParaRPr>
+                    </a:p>
+                  </a:txBody>
+                  <a:tcPr marL="0" marR="0" marT="0" marB="0" anchor="ctr">
+                    <a:lnL w="0" cap="flat" cmpd="sng" algn="ctr">
+                      <a:noFill/>
+                      <a:prstDash/>
+                      <a:round/>
+                      <a:headEnd type="none" w="med" len="med"/>
+                      <a:tailEnd type="none" w="med" len="med"/>
+                    </a:lnL>
+                    <a:lnR w="0" cap="flat" cmpd="sng" algn="ctr">
+                      <a:noFill/>
+                      <a:prstDash/>
+                      <a:round/>
+                      <a:headEnd type="none" w="med" len="med"/>
+                      <a:tailEnd type="none" w="med" len="med"/>
+                    </a:lnR>
+                    <a:lnT w="0" cap="flat" cmpd="sng" algn="ctr">
+                      <a:noFill/>
+                      <a:prstDash/>
+                      <a:round/>
+                      <a:headEnd type="none" w="med" len="med"/>
+                      <a:tailEnd type="none" w="med" len="med"/>
+                    </a:lnT>
+                    <a:lnB w="0" cap="flat" cmpd="sng" algn="ctr">
+                      <a:noFill/>
+                      <a:prstDash/>
+                      <a:round/>
+                      <a:headEnd type="none" w="med" len="med"/>
+                      <a:tailEnd type="none" w="med" len="med"/>
+                    </a:lnB>
+                  </a:tcPr>
+                </a:tc>
+                <a:tc>
+                  <a:txBody>
+                    <a:bodyPr/>
+                    <a:lstStyle/>
+                    <a:p>
+                      <a:pPr marL="0" indent="0"/>
+                      <a:r>
+                        <a:rPr sz="1100" kern="1200">
+                          <a:solidFill>
+                            <a:srgbClr val="000000"/>
+                          </a:solidFill>
+                        </a:rPr>
+                        <a:t>케이지문 작동</a:t>
+                      </a:r>
+                      <a:endParaRPr lang="ko-KR" altLang="en-US" sz="1100" kern="1200">
+                        <a:solidFill>
+                          <a:srgbClr val="000000"/>
+                        </a:solidFill>
+                      </a:endParaRPr>
+                    </a:p>
+                  </a:txBody>
+                  <a:tcPr marL="0" marR="0" marT="0" marB="0" anchor="ctr">
+                    <a:lnL w="0" cap="flat" cmpd="sng" algn="ctr">
+                      <a:noFill/>
+                      <a:prstDash/>
+                      <a:round/>
+                      <a:headEnd type="none" w="med" len="med"/>
+                      <a:tailEnd type="none" w="med" len="med"/>
+                    </a:lnL>
+                    <a:lnR w="0" cap="flat" cmpd="sng" algn="ctr">
+                      <a:noFill/>
+                      <a:prstDash/>
+                      <a:round/>
+                      <a:headEnd type="none" w="med" len="med"/>
+                      <a:tailEnd type="none" w="med" len="med"/>
+                    </a:lnR>
+                    <a:lnT w="0" cap="flat" cmpd="sng" algn="ctr">
+                      <a:noFill/>
+                      <a:prstDash/>
+                      <a:round/>
+                      <a:headEnd type="none" w="med" len="med"/>
+                      <a:tailEnd type="none" w="med" len="med"/>
+                    </a:lnT>
+                    <a:lnB w="0" cap="flat" cmpd="sng" algn="ctr">
+                      <a:noFill/>
+                      <a:prstDash/>
+                      <a:round/>
+                      <a:headEnd type="none" w="med" len="med"/>
+                      <a:tailEnd type="none" w="med" len="med"/>
+                    </a:lnB>
+                  </a:tcPr>
+                </a:tc>
+              </a:tr>
+              <a:tr h="209550">
+                <a:tc>
+                  <a:txBody>
+                    <a:bodyPr/>
+                    <a:lstStyle/>
+                    <a:p>
+                      <a:pPr marL="0" indent="0"/>
+                      <a:r>
+                        <a:rPr sz="1100" kern="1200">
+                          <a:solidFill>
+                            <a:srgbClr val="000000"/>
+                          </a:solidFill>
+                        </a:rPr>
+                        <a:t>Servo motor2</a:t>
+                      </a:r>
+                      <a:endParaRPr lang="ko-KR" altLang="en-US" sz="1100" kern="1200">
+                        <a:solidFill>
+                          <a:srgbClr val="000000"/>
+                        </a:solidFill>
+                      </a:endParaRPr>
+                    </a:p>
+                  </a:txBody>
+                  <a:tcPr marL="0" marR="0" marT="0" marB="0" anchor="ctr">
+                    <a:lnL w="0" cap="flat" cmpd="sng" algn="ctr">
+                      <a:noFill/>
+                      <a:prstDash/>
+                      <a:round/>
+                      <a:headEnd type="none" w="med" len="med"/>
+                      <a:tailEnd type="none" w="med" len="med"/>
+                    </a:lnL>
+                    <a:lnR w="0" cap="flat" cmpd="sng" algn="ctr">
+                      <a:noFill/>
+                      <a:prstDash/>
+                      <a:round/>
+                      <a:headEnd type="none" w="med" len="med"/>
+                      <a:tailEnd type="none" w="med" len="med"/>
+                    </a:lnR>
+                    <a:lnT w="0" cap="flat" cmpd="sng" algn="ctr">
+                      <a:noFill/>
+                      <a:prstDash/>
+                      <a:round/>
+                      <a:headEnd type="none" w="med" len="med"/>
+                      <a:tailEnd type="none" w="med" len="med"/>
+                    </a:lnT>
+                    <a:lnB w="0" cap="flat" cmpd="sng" algn="ctr">
+                      <a:noFill/>
+                      <a:prstDash/>
+                      <a:round/>
+                      <a:headEnd type="none" w="med" len="med"/>
+                      <a:tailEnd type="none" w="med" len="med"/>
+                    </a:lnB>
+                  </a:tcPr>
+                </a:tc>
+                <a:tc>
+                  <a:txBody>
+                    <a:bodyPr/>
+                    <a:lstStyle/>
+                    <a:p>
+                      <a:pPr marL="0" indent="0"/>
+                      <a:r>
+                        <a:rPr sz="1100" kern="1200">
+                          <a:solidFill>
+                            <a:srgbClr val="000000"/>
+                          </a:solidFill>
+                        </a:rPr>
+                        <a:t>PB6</a:t>
+                      </a:r>
+                      <a:endParaRPr lang="ko-KR" altLang="en-US" sz="1100" kern="1200">
+                        <a:solidFill>
+                          <a:srgbClr val="000000"/>
+                        </a:solidFill>
+                      </a:endParaRPr>
+                    </a:p>
+                  </a:txBody>
+                  <a:tcPr marL="0" marR="0" marT="0" marB="0" anchor="ctr">
+                    <a:lnL w="0" cap="flat" cmpd="sng" algn="ctr">
+                      <a:noFill/>
+                      <a:prstDash/>
+                      <a:round/>
+                      <a:headEnd type="none" w="med" len="med"/>
+                      <a:tailEnd type="none" w="med" len="med"/>
+                    </a:lnL>
+                    <a:lnR w="0" cap="flat" cmpd="sng" algn="ctr">
+                      <a:noFill/>
+                      <a:prstDash/>
+                      <a:round/>
+                      <a:headEnd type="none" w="med" len="med"/>
+                      <a:tailEnd type="none" w="med" len="med"/>
+                    </a:lnR>
+                    <a:lnT w="0" cap="flat" cmpd="sng" algn="ctr">
+                      <a:noFill/>
+                      <a:prstDash/>
+                      <a:round/>
+                      <a:headEnd type="none" w="med" len="med"/>
+                      <a:tailEnd type="none" w="med" len="med"/>
+                    </a:lnT>
+                    <a:lnB w="0" cap="flat" cmpd="sng" algn="ctr">
+                      <a:noFill/>
+                      <a:prstDash/>
+                      <a:round/>
+                      <a:headEnd type="none" w="med" len="med"/>
+                      <a:tailEnd type="none" w="med" len="med"/>
+                    </a:lnB>
+                  </a:tcPr>
+                </a:tc>
+                <a:tc>
+                  <a:txBody>
+                    <a:bodyPr/>
+                    <a:lstStyle/>
+                    <a:p>
+                      <a:pPr marL="0" indent="0"/>
+                      <a:r>
+                        <a:rPr sz="1100" kern="1200">
+                          <a:solidFill>
+                            <a:srgbClr val="000000"/>
+                          </a:solidFill>
+                        </a:rPr>
+                        <a:t>Output</a:t>
+                      </a:r>
+                      <a:endParaRPr lang="ko-KR" altLang="en-US" sz="1100" kern="1200">
+                        <a:solidFill>
+                          <a:srgbClr val="000000"/>
+                        </a:solidFill>
+                      </a:endParaRPr>
+                    </a:p>
+                  </a:txBody>
+                  <a:tcPr marL="0" marR="0" marT="0" marB="0" anchor="ctr">
+                    <a:lnL w="0" cap="flat" cmpd="sng" algn="ctr">
+                      <a:noFill/>
+                      <a:prstDash/>
+                      <a:round/>
+                      <a:headEnd type="none" w="med" len="med"/>
+                      <a:tailEnd type="none" w="med" len="med"/>
+                    </a:lnL>
+                    <a:lnR w="0" cap="flat" cmpd="sng" algn="ctr">
+                      <a:noFill/>
+                      <a:prstDash/>
+                      <a:round/>
+                      <a:headEnd type="none" w="med" len="med"/>
+                      <a:tailEnd type="none" w="med" len="med"/>
+                    </a:lnR>
+                    <a:lnT w="0" cap="flat" cmpd="sng" algn="ctr">
+                      <a:noFill/>
+                      <a:prstDash/>
+                      <a:round/>
+                      <a:headEnd type="none" w="med" len="med"/>
+                      <a:tailEnd type="none" w="med" len="med"/>
+                    </a:lnT>
+                    <a:lnB w="0" cap="flat" cmpd="sng" algn="ctr">
+                      <a:noFill/>
+                      <a:prstDash/>
+                      <a:round/>
+                      <a:headEnd type="none" w="med" len="med"/>
+                      <a:tailEnd type="none" w="med" len="med"/>
+                    </a:lnB>
+                  </a:tcPr>
+                </a:tc>
+                <a:tc>
+                  <a:txBody>
+                    <a:bodyPr/>
+                    <a:lstStyle/>
+                    <a:p>
+                      <a:pPr marL="0" indent="0"/>
+                      <a:r>
+                        <a:rPr sz="1100" kern="1200">
+                          <a:solidFill>
+                            <a:srgbClr val="000000"/>
+                          </a:solidFill>
+                        </a:rPr>
+                        <a:t>케이지 창문 작동</a:t>
+                      </a:r>
+                      <a:endParaRPr lang="ko-KR" altLang="en-US" sz="1100" kern="1200">
+                        <a:solidFill>
+                          <a:srgbClr val="000000"/>
+                        </a:solidFill>
+                      </a:endParaRPr>
+                    </a:p>
+                  </a:txBody>
+                  <a:tcPr marL="0" marR="0" marT="0" marB="0" anchor="ctr">
+                    <a:lnL w="0" cap="flat" cmpd="sng" algn="ctr">
+                      <a:noFill/>
+                      <a:prstDash/>
+                      <a:round/>
+                      <a:headEnd type="none" w="med" len="med"/>
+                      <a:tailEnd type="none" w="med" len="med"/>
+                    </a:lnL>
+                    <a:lnR w="0" cap="flat" cmpd="sng" algn="ctr">
+                      <a:noFill/>
+                      <a:prstDash/>
+                      <a:round/>
+                      <a:headEnd type="none" w="med" len="med"/>
+                      <a:tailEnd type="none" w="med" len="med"/>
+                    </a:lnR>
+                    <a:lnT w="0" cap="flat" cmpd="sng" algn="ctr">
+                      <a:noFill/>
+                      <a:prstDash/>
+                      <a:round/>
+                      <a:headEnd type="none" w="med" len="med"/>
+                      <a:tailEnd type="none" w="med" len="med"/>
+                    </a:lnT>
+                    <a:lnB w="0" cap="flat" cmpd="sng" algn="ctr">
+                      <a:noFill/>
+                      <a:prstDash/>
+                      <a:round/>
+                      <a:headEnd type="none" w="med" len="med"/>
+                      <a:tailEnd type="none" w="med" len="med"/>
+                    </a:lnB>
+                  </a:tcPr>
+                </a:tc>
+              </a:tr>
+              <a:tr h="209550">
+                <a:tc>
+                  <a:txBody>
+                    <a:bodyPr/>
+                    <a:lstStyle/>
+                    <a:p>
+                      <a:pPr marL="0" indent="0"/>
+                      <a:r>
+                        <a:rPr sz="1100" kern="1200">
+                          <a:solidFill>
+                            <a:srgbClr val="000000"/>
+                          </a:solidFill>
+                        </a:rPr>
+                        <a:t>ESP RX</a:t>
+                      </a:r>
+                      <a:endParaRPr lang="ko-KR" altLang="en-US" sz="1100" kern="1200">
+                        <a:solidFill>
+                          <a:srgbClr val="000000"/>
+                        </a:solidFill>
+                      </a:endParaRPr>
+                    </a:p>
+                  </a:txBody>
+                  <a:tcPr marL="0" marR="0" marT="0" marB="0" anchor="ctr">
+                    <a:lnL w="0" cap="flat" cmpd="sng" algn="ctr">
+                      <a:noFill/>
+                      <a:prstDash/>
+                      <a:round/>
+                      <a:headEnd type="none" w="med" len="med"/>
+                      <a:tailEnd type="none" w="med" len="med"/>
+                    </a:lnL>
+                    <a:lnR w="0" cap="flat" cmpd="sng" algn="ctr">
+                      <a:noFill/>
+                      <a:prstDash/>
+                      <a:round/>
+                      <a:headEnd type="none" w="med" len="med"/>
+                      <a:tailEnd type="none" w="med" len="med"/>
+                    </a:lnR>
+                    <a:lnT w="0" cap="flat" cmpd="sng" algn="ctr">
+                      <a:noFill/>
+                      <a:prstDash/>
+                      <a:round/>
+                      <a:headEnd type="none" w="med" len="med"/>
+                      <a:tailEnd type="none" w="med" len="med"/>
+                    </a:lnT>
+                    <a:lnB w="0" cap="flat" cmpd="sng" algn="ctr">
+                      <a:noFill/>
+                      <a:prstDash/>
+                      <a:round/>
+                      <a:headEnd type="none" w="med" len="med"/>
+                      <a:tailEnd type="none" w="med" len="med"/>
+                    </a:lnB>
+                  </a:tcPr>
+                </a:tc>
+                <a:tc>
+                  <a:txBody>
+                    <a:bodyPr/>
+                    <a:lstStyle/>
+                    <a:p>
+                      <a:pPr marL="0" indent="0"/>
+                      <a:r>
+                        <a:rPr sz="1100" kern="1200">
+                          <a:solidFill>
+                            <a:srgbClr val="000000"/>
+                          </a:solidFill>
+                        </a:rPr>
+                        <a:t>PC7</a:t>
+                      </a:r>
+                      <a:endParaRPr lang="ko-KR" altLang="en-US" sz="1100" kern="1200">
+                        <a:solidFill>
+                          <a:srgbClr val="000000"/>
+                        </a:solidFill>
+                      </a:endParaRPr>
+                    </a:p>
+                  </a:txBody>
+                  <a:tcPr marL="0" marR="0" marT="0" marB="0" anchor="ctr">
+                    <a:lnL w="0" cap="flat" cmpd="sng" algn="ctr">
+                      <a:noFill/>
+                      <a:prstDash/>
+                      <a:round/>
+                      <a:headEnd type="none" w="med" len="med"/>
+                      <a:tailEnd type="none" w="med" len="med"/>
+                    </a:lnL>
+                    <a:lnR w="0" cap="flat" cmpd="sng" algn="ctr">
+                      <a:noFill/>
+                      <a:prstDash/>
+                      <a:round/>
+                      <a:headEnd type="none" w="med" len="med"/>
+                      <a:tailEnd type="none" w="med" len="med"/>
+                    </a:lnR>
+                    <a:lnT w="0" cap="flat" cmpd="sng" algn="ctr">
+                      <a:noFill/>
+                      <a:prstDash/>
+                      <a:round/>
+                      <a:headEnd type="none" w="med" len="med"/>
+                      <a:tailEnd type="none" w="med" len="med"/>
+                    </a:lnT>
+                    <a:lnB w="0" cap="flat" cmpd="sng" algn="ctr">
+                      <a:noFill/>
+                      <a:prstDash/>
+                      <a:round/>
+                      <a:headEnd type="none" w="med" len="med"/>
+                      <a:tailEnd type="none" w="med" len="med"/>
+                    </a:lnB>
+                  </a:tcPr>
+                </a:tc>
+                <a:tc>
+                  <a:txBody>
+                    <a:bodyPr/>
+                    <a:lstStyle/>
+                    <a:p>
+                      <a:pPr marL="0" indent="0"/>
+                      <a:r>
+                        <a:rPr sz="1100" kern="1200">
+                          <a:solidFill>
+                            <a:srgbClr val="000000"/>
+                          </a:solidFill>
+                        </a:rPr>
+                        <a:t>Input</a:t>
+                      </a:r>
+                      <a:endParaRPr lang="ko-KR" altLang="en-US" sz="1100" kern="1200">
+                        <a:solidFill>
+                          <a:srgbClr val="000000"/>
+                        </a:solidFill>
+                      </a:endParaRPr>
+                    </a:p>
+                  </a:txBody>
+                  <a:tcPr marL="0" marR="0" marT="0" marB="0" anchor="ctr">
+                    <a:lnL w="0" cap="flat" cmpd="sng" algn="ctr">
+                      <a:noFill/>
+                      <a:prstDash/>
+                      <a:round/>
+                      <a:headEnd type="none" w="med" len="med"/>
+                      <a:tailEnd type="none" w="med" len="med"/>
+                    </a:lnL>
+                    <a:lnR w="0" cap="flat" cmpd="sng" algn="ctr">
+                      <a:noFill/>
+                      <a:prstDash/>
+                      <a:round/>
+                      <a:headEnd type="none" w="med" len="med"/>
+                      <a:tailEnd type="none" w="med" len="med"/>
+                    </a:lnR>
+                    <a:lnT w="0" cap="flat" cmpd="sng" algn="ctr">
+                      <a:noFill/>
+                      <a:prstDash/>
+                      <a:round/>
+                      <a:headEnd type="none" w="med" len="med"/>
+                      <a:tailEnd type="none" w="med" len="med"/>
+                    </a:lnT>
+                    <a:lnB w="0" cap="flat" cmpd="sng" algn="ctr">
+                      <a:noFill/>
+                      <a:prstDash/>
+                      <a:round/>
+                      <a:headEnd type="none" w="med" len="med"/>
+                      <a:tailEnd type="none" w="med" len="med"/>
+                    </a:lnB>
+                  </a:tcPr>
+                </a:tc>
+                <a:tc>
+                  <a:txBody>
+                    <a:bodyPr/>
+                    <a:lstStyle/>
+                    <a:p>
+                      <a:pPr marL="0" indent="0"/>
+                      <a:r>
+                        <a:rPr sz="1100" kern="1200">
+                          <a:solidFill>
+                            <a:srgbClr val="000000"/>
+                          </a:solidFill>
+                        </a:rPr>
+                        <a:t>WiFi 수신</a:t>
+                      </a:r>
+                      <a:endParaRPr lang="ko-KR" altLang="en-US" sz="1100" kern="1200">
+                        <a:solidFill>
+                          <a:srgbClr val="000000"/>
+                        </a:solidFill>
+                      </a:endParaRPr>
+                    </a:p>
+                  </a:txBody>
+                  <a:tcPr marL="0" marR="0" marT="0" marB="0" anchor="ctr">
+                    <a:lnL w="0" cap="flat" cmpd="sng" algn="ctr">
+                      <a:noFill/>
+                      <a:prstDash/>
+                      <a:round/>
+                      <a:headEnd type="none" w="med" len="med"/>
+                      <a:tailEnd type="none" w="med" len="med"/>
+                    </a:lnL>
+                    <a:lnR w="0" cap="flat" cmpd="sng" algn="ctr">
+                      <a:noFill/>
+                      <a:prstDash/>
+                      <a:round/>
+                      <a:headEnd type="none" w="med" len="med"/>
+                      <a:tailEnd type="none" w="med" len="med"/>
+                    </a:lnR>
+                    <a:lnT w="0" cap="flat" cmpd="sng" algn="ctr">
+                      <a:noFill/>
+                      <a:prstDash/>
+                      <a:round/>
+                      <a:headEnd type="none" w="med" len="med"/>
+                      <a:tailEnd type="none" w="med" len="med"/>
+                    </a:lnT>
+                    <a:lnB w="0" cap="flat" cmpd="sng" algn="ctr">
+                      <a:noFill/>
+                      <a:prstDash/>
+                      <a:round/>
+                      <a:headEnd type="none" w="med" len="med"/>
+                      <a:tailEnd type="none" w="med" len="med"/>
+                    </a:lnB>
+                  </a:tcPr>
+                </a:tc>
+              </a:tr>
+              <a:tr h="209550">
+                <a:tc>
+                  <a:txBody>
+                    <a:bodyPr/>
+                    <a:lstStyle/>
+                    <a:p>
+                      <a:pPr marL="0" indent="0"/>
+                      <a:r>
+                        <a:rPr sz="1100" kern="1200">
+                          <a:solidFill>
+                            <a:srgbClr val="000000"/>
+                          </a:solidFill>
+                        </a:rPr>
+                        <a:t>ESP TX</a:t>
+                      </a:r>
+                      <a:endParaRPr lang="ko-KR" altLang="en-US" sz="1100" kern="1200">
+                        <a:solidFill>
+                          <a:srgbClr val="000000"/>
+                        </a:solidFill>
+                      </a:endParaRPr>
+                    </a:p>
+                  </a:txBody>
+                  <a:tcPr marL="0" marR="0" marT="0" marB="0" anchor="ctr">
+                    <a:lnL w="0" cap="flat" cmpd="sng" algn="ctr">
+                      <a:noFill/>
+                      <a:prstDash/>
+                      <a:round/>
+                      <a:headEnd type="none" w="med" len="med"/>
+                      <a:tailEnd type="none" w="med" len="med"/>
+                    </a:lnL>
+                    <a:lnR w="0" cap="flat" cmpd="sng" algn="ctr">
+                      <a:noFill/>
+                      <a:prstDash/>
+                      <a:round/>
+                      <a:headEnd type="none" w="med" len="med"/>
+                      <a:tailEnd type="none" w="med" len="med"/>
+                    </a:lnR>
+                    <a:lnT w="0" cap="flat" cmpd="sng" algn="ctr">
+                      <a:noFill/>
+                      <a:prstDash/>
+                      <a:round/>
+                      <a:headEnd type="none" w="med" len="med"/>
+                      <a:tailEnd type="none" w="med" len="med"/>
+                    </a:lnT>
+                    <a:lnB w="0" cap="flat" cmpd="sng" algn="ctr">
+                      <a:noFill/>
+                      <a:prstDash/>
+                      <a:round/>
+                      <a:headEnd type="none" w="med" len="med"/>
+                      <a:tailEnd type="none" w="med" len="med"/>
+                    </a:lnB>
+                  </a:tcPr>
+                </a:tc>
+                <a:tc>
+                  <a:txBody>
+                    <a:bodyPr/>
+                    <a:lstStyle/>
+                    <a:p>
+                      <a:pPr marL="0" indent="0"/>
+                      <a:r>
+                        <a:rPr sz="1100" kern="1200">
+                          <a:solidFill>
+                            <a:srgbClr val="000000"/>
+                          </a:solidFill>
+                        </a:rPr>
+                        <a:t>PC6</a:t>
+                      </a:r>
+                      <a:endParaRPr lang="ko-KR" altLang="en-US" sz="1100" kern="1200">
+                        <a:solidFill>
+                          <a:srgbClr val="000000"/>
+                        </a:solidFill>
+                      </a:endParaRPr>
+                    </a:p>
+                  </a:txBody>
+                  <a:tcPr marL="0" marR="0" marT="0" marB="0" anchor="ctr">
+                    <a:lnL w="0" cap="flat" cmpd="sng" algn="ctr">
+                      <a:noFill/>
+                      <a:prstDash/>
+                      <a:round/>
+                      <a:headEnd type="none" w="med" len="med"/>
+                      <a:tailEnd type="none" w="med" len="med"/>
+                    </a:lnL>
+                    <a:lnR w="0" cap="flat" cmpd="sng" algn="ctr">
+                      <a:noFill/>
+                      <a:prstDash/>
+                      <a:round/>
+                      <a:headEnd type="none" w="med" len="med"/>
+                      <a:tailEnd type="none" w="med" len="med"/>
+                    </a:lnR>
+                    <a:lnT w="0" cap="flat" cmpd="sng" algn="ctr">
+                      <a:noFill/>
+                      <a:prstDash/>
+                      <a:round/>
+                      <a:headEnd type="none" w="med" len="med"/>
+                      <a:tailEnd type="none" w="med" len="med"/>
+                    </a:lnT>
+                    <a:lnB w="0" cap="flat" cmpd="sng" algn="ctr">
+                      <a:noFill/>
+                      <a:prstDash/>
+                      <a:round/>
+                      <a:headEnd type="none" w="med" len="med"/>
+                      <a:tailEnd type="none" w="med" len="med"/>
+                    </a:lnB>
+                  </a:tcPr>
+                </a:tc>
+                <a:tc>
+                  <a:txBody>
+                    <a:bodyPr/>
+                    <a:lstStyle/>
+                    <a:p>
+                      <a:pPr marL="0" indent="0"/>
+                      <a:r>
+                        <a:rPr sz="1100" kern="1200">
+                          <a:solidFill>
+                            <a:srgbClr val="000000"/>
+                          </a:solidFill>
+                        </a:rPr>
+                        <a:t>Output</a:t>
+                      </a:r>
+                      <a:endParaRPr lang="ko-KR" altLang="en-US" sz="1100" kern="1200">
+                        <a:solidFill>
+                          <a:srgbClr val="000000"/>
+                        </a:solidFill>
+                      </a:endParaRPr>
+                    </a:p>
+                  </a:txBody>
+                  <a:tcPr marL="0" marR="0" marT="0" marB="0" anchor="ctr">
+                    <a:lnL w="0" cap="flat" cmpd="sng" algn="ctr">
+                      <a:noFill/>
+                      <a:prstDash/>
+                      <a:round/>
+                      <a:headEnd type="none" w="med" len="med"/>
+                      <a:tailEnd type="none" w="med" len="med"/>
+                    </a:lnL>
+                    <a:lnR w="0" cap="flat" cmpd="sng" algn="ctr">
+                      <a:noFill/>
+                      <a:prstDash/>
+                      <a:round/>
+                      <a:headEnd type="none" w="med" len="med"/>
+                      <a:tailEnd type="none" w="med" len="med"/>
+                    </a:lnR>
+                    <a:lnT w="0" cap="flat" cmpd="sng" algn="ctr">
+                      <a:noFill/>
+                      <a:prstDash/>
+                      <a:round/>
+                      <a:headEnd type="none" w="med" len="med"/>
+                      <a:tailEnd type="none" w="med" len="med"/>
+                    </a:lnT>
+                    <a:lnB w="0" cap="flat" cmpd="sng" algn="ctr">
+                      <a:noFill/>
+                      <a:prstDash/>
+                      <a:round/>
+                      <a:headEnd type="none" w="med" len="med"/>
+                      <a:tailEnd type="none" w="med" len="med"/>
+                    </a:lnB>
+                  </a:tcPr>
+                </a:tc>
+                <a:tc>
+                  <a:txBody>
+                    <a:bodyPr/>
+                    <a:lstStyle/>
+                    <a:p>
+                      <a:pPr marL="0" indent="0"/>
+                      <a:r>
+                        <a:rPr sz="1100" kern="1200">
+                          <a:solidFill>
+                            <a:srgbClr val="000000"/>
+                          </a:solidFill>
+                        </a:rPr>
+                        <a:t>WiFi 송신</a:t>
+                      </a:r>
+                      <a:endParaRPr lang="ko-KR" altLang="en-US" sz="1100" kern="1200">
+                        <a:solidFill>
+                          <a:srgbClr val="000000"/>
+                        </a:solidFill>
+                      </a:endParaRPr>
+                    </a:p>
+                  </a:txBody>
+                  <a:tcPr marL="0" marR="0" marT="0" marB="0" anchor="ctr">
+                    <a:lnL w="0" cap="flat" cmpd="sng" algn="ctr">
+                      <a:noFill/>
+                      <a:prstDash/>
+                      <a:round/>
+                      <a:headEnd type="none" w="med" len="med"/>
+                      <a:tailEnd type="none" w="med" len="med"/>
+                    </a:lnL>
+                    <a:lnR w="0" cap="flat" cmpd="sng" algn="ctr">
+                      <a:noFill/>
+                      <a:prstDash/>
+                      <a:round/>
+                      <a:headEnd type="none" w="med" len="med"/>
+                      <a:tailEnd type="none" w="med" len="med"/>
+                    </a:lnR>
+                    <a:lnT w="0" cap="flat" cmpd="sng" algn="ctr">
+                      <a:noFill/>
+                      <a:prstDash/>
+                      <a:round/>
+                      <a:headEnd type="none" w="med" len="med"/>
+                      <a:tailEnd type="none" w="med" len="med"/>
+                    </a:lnT>
+                    <a:lnB w="0" cap="flat" cmpd="sng" algn="ctr">
+                      <a:noFill/>
+                      <a:prstDash/>
+                      <a:round/>
+                      <a:headEnd type="none" w="med" len="med"/>
+                      <a:tailEnd type="none" w="med" len="med"/>
+                    </a:lnB>
+                  </a:tcPr>
+                </a:tc>
+              </a:tr>
+              <a:tr h="209550">
+                <a:tc>
+                  <a:txBody>
+                    <a:bodyPr/>
+                    <a:lstStyle/>
+                    <a:p>
+                      <a:pPr marL="0" indent="0"/>
+                      <a:r>
+                        <a:rPr sz="1100" kern="1200">
+                          <a:solidFill>
+                            <a:srgbClr val="000000"/>
+                          </a:solidFill>
+                        </a:rPr>
+                        <a:t>3*LED Red</a:t>
+                      </a:r>
+                      <a:endParaRPr lang="ko-KR" altLang="en-US" sz="1100" kern="1200">
+                        <a:solidFill>
+                          <a:srgbClr val="000000"/>
+                        </a:solidFill>
+                      </a:endParaRPr>
+                    </a:p>
+                  </a:txBody>
+                  <a:tcPr marL="0" marR="0" marT="0" marB="0" anchor="ctr">
+                    <a:lnL w="0" cap="flat" cmpd="sng" algn="ctr">
+                      <a:noFill/>
+                      <a:prstDash/>
+                      <a:round/>
+                      <a:headEnd type="none" w="med" len="med"/>
+                      <a:tailEnd type="none" w="med" len="med"/>
+                    </a:lnL>
+                    <a:lnR w="0" cap="flat" cmpd="sng" algn="ctr">
+                      <a:noFill/>
+                      <a:prstDash/>
+                      <a:round/>
+                      <a:headEnd type="none" w="med" len="med"/>
+                      <a:tailEnd type="none" w="med" len="med"/>
+                    </a:lnR>
+                    <a:lnT w="0" cap="flat" cmpd="sng" algn="ctr">
+                      <a:noFill/>
+                      <a:prstDash/>
+                      <a:round/>
+                      <a:headEnd type="none" w="med" len="med"/>
+                      <a:tailEnd type="none" w="med" len="med"/>
+                    </a:lnT>
+                    <a:lnB w="0" cap="flat" cmpd="sng" algn="ctr">
+                      <a:noFill/>
+                      <a:prstDash/>
+                      <a:round/>
+                      <a:headEnd type="none" w="med" len="med"/>
+                      <a:tailEnd type="none" w="med" len="med"/>
+                    </a:lnB>
+                  </a:tcPr>
+                </a:tc>
+                <a:tc>
+                  <a:txBody>
+                    <a:bodyPr/>
+                    <a:lstStyle/>
+                    <a:p>
+                      <a:pPr marL="0" indent="0"/>
+                      <a:r>
+                        <a:rPr sz="1100" kern="1200">
+                          <a:solidFill>
+                            <a:srgbClr val="000000"/>
+                          </a:solidFill>
+                        </a:rPr>
+                        <a:t>PA6</a:t>
+                      </a:r>
+                      <a:endParaRPr lang="ko-KR" altLang="en-US" sz="1100" kern="1200">
+                        <a:solidFill>
+                          <a:srgbClr val="000000"/>
+                        </a:solidFill>
+                      </a:endParaRPr>
+                    </a:p>
+                  </a:txBody>
+                  <a:tcPr marL="0" marR="0" marT="0" marB="0" anchor="ctr">
+                    <a:lnL w="0" cap="flat" cmpd="sng" algn="ctr">
+                      <a:noFill/>
+                      <a:prstDash/>
+                      <a:round/>
+                      <a:headEnd type="none" w="med" len="med"/>
+                      <a:tailEnd type="none" w="med" len="med"/>
+                    </a:lnL>
+                    <a:lnR w="0" cap="flat" cmpd="sng" algn="ctr">
+                      <a:noFill/>
+                      <a:prstDash/>
+                      <a:round/>
+                      <a:headEnd type="none" w="med" len="med"/>
+                      <a:tailEnd type="none" w="med" len="med"/>
+                    </a:lnR>
+                    <a:lnT w="0" cap="flat" cmpd="sng" algn="ctr">
+                      <a:noFill/>
+                      <a:prstDash/>
+                      <a:round/>
+                      <a:headEnd type="none" w="med" len="med"/>
+                      <a:tailEnd type="none" w="med" len="med"/>
+                    </a:lnT>
+                    <a:lnB w="0" cap="flat" cmpd="sng" algn="ctr">
+                      <a:noFill/>
+                      <a:prstDash/>
+                      <a:round/>
+                      <a:headEnd type="none" w="med" len="med"/>
+                      <a:tailEnd type="none" w="med" len="med"/>
+                    </a:lnB>
+                  </a:tcPr>
+                </a:tc>
+                <a:tc>
+                  <a:txBody>
+                    <a:bodyPr/>
+                    <a:lstStyle/>
+                    <a:p>
+                      <a:pPr marL="0" indent="0"/>
+                      <a:r>
+                        <a:rPr sz="1100" kern="1200">
+                          <a:solidFill>
+                            <a:srgbClr val="000000"/>
+                          </a:solidFill>
+                        </a:rPr>
+                        <a:t>Output</a:t>
+                      </a:r>
+                      <a:endParaRPr lang="ko-KR" altLang="en-US" sz="1100" kern="1200">
+                        <a:solidFill>
+                          <a:srgbClr val="000000"/>
+                        </a:solidFill>
+                      </a:endParaRPr>
+                    </a:p>
+                  </a:txBody>
+                  <a:tcPr marL="0" marR="0" marT="0" marB="0" anchor="ctr">
+                    <a:lnL w="0" cap="flat" cmpd="sng" algn="ctr">
+                      <a:noFill/>
+                      <a:prstDash/>
+                      <a:round/>
+                      <a:headEnd type="none" w="med" len="med"/>
+                      <a:tailEnd type="none" w="med" len="med"/>
+                    </a:lnL>
+                    <a:lnR w="0" cap="flat" cmpd="sng" algn="ctr">
+                      <a:noFill/>
+                      <a:prstDash/>
+                      <a:round/>
+                      <a:headEnd type="none" w="med" len="med"/>
+                      <a:tailEnd type="none" w="med" len="med"/>
+                    </a:lnR>
+                    <a:lnT w="0" cap="flat" cmpd="sng" algn="ctr">
+                      <a:noFill/>
+                      <a:prstDash/>
+                      <a:round/>
+                      <a:headEnd type="none" w="med" len="med"/>
+                      <a:tailEnd type="none" w="med" len="med"/>
+                    </a:lnT>
+                    <a:lnB w="0" cap="flat" cmpd="sng" algn="ctr">
+                      <a:noFill/>
+                      <a:prstDash/>
+                      <a:round/>
+                      <a:headEnd type="none" w="med" len="med"/>
+                      <a:tailEnd type="none" w="med" len="med"/>
+                    </a:lnB>
+                  </a:tcPr>
+                </a:tc>
+                <a:tc>
+                  <a:txBody>
+                    <a:bodyPr/>
+                    <a:lstStyle/>
+                    <a:p>
+                      <a:pPr marL="0" indent="0"/>
+                      <a:r>
+                        <a:rPr sz="1100" kern="1200">
+                          <a:solidFill>
+                            <a:srgbClr val="000000"/>
+                          </a:solidFill>
+                        </a:rPr>
+                        <a:t>3색LED점등</a:t>
+                      </a:r>
+                      <a:endParaRPr lang="ko-KR" altLang="en-US" sz="1100" kern="1200">
+                        <a:solidFill>
+                          <a:srgbClr val="000000"/>
+                        </a:solidFill>
+                      </a:endParaRPr>
+                    </a:p>
+                  </a:txBody>
+                  <a:tcPr marL="0" marR="0" marT="0" marB="0" anchor="ctr">
+                    <a:lnL w="0" cap="flat" cmpd="sng" algn="ctr">
+                      <a:noFill/>
+                      <a:prstDash/>
+                      <a:round/>
+                      <a:headEnd type="none" w="med" len="med"/>
+                      <a:tailEnd type="none" w="med" len="med"/>
+                    </a:lnL>
+                    <a:lnR w="0" cap="flat" cmpd="sng" algn="ctr">
+                      <a:noFill/>
+                      <a:prstDash/>
+                      <a:round/>
+                      <a:headEnd type="none" w="med" len="med"/>
+                      <a:tailEnd type="none" w="med" len="med"/>
+                    </a:lnR>
+                    <a:lnT w="0" cap="flat" cmpd="sng" algn="ctr">
+                      <a:noFill/>
+                      <a:prstDash/>
+                      <a:round/>
+                      <a:headEnd type="none" w="med" len="med"/>
+                      <a:tailEnd type="none" w="med" len="med"/>
+                    </a:lnT>
+                    <a:lnB w="0" cap="flat" cmpd="sng" algn="ctr">
+                      <a:noFill/>
+                      <a:prstDash/>
+                      <a:round/>
+                      <a:headEnd type="none" w="med" len="med"/>
+                      <a:tailEnd type="none" w="med" len="med"/>
+                    </a:lnB>
+                  </a:tcPr>
+                </a:tc>
+              </a:tr>
+              <a:tr h="209550">
+                <a:tc>
+                  <a:txBody>
+                    <a:bodyPr/>
+                    <a:lstStyle/>
+                    <a:p>
+                      <a:pPr marL="0" indent="0"/>
+                      <a:r>
+                        <a:rPr sz="1100" kern="1200">
+                          <a:solidFill>
+                            <a:srgbClr val="000000"/>
+                          </a:solidFill>
+                        </a:rPr>
+                        <a:t>3*LED Green</a:t>
+                      </a:r>
+                      <a:endParaRPr lang="ko-KR" altLang="en-US" sz="1100" kern="1200">
+                        <a:solidFill>
+                          <a:srgbClr val="000000"/>
+                        </a:solidFill>
+                      </a:endParaRPr>
+                    </a:p>
+                  </a:txBody>
+                  <a:tcPr marL="0" marR="0" marT="0" marB="0" anchor="ctr">
+                    <a:lnL w="0" cap="flat" cmpd="sng" algn="ctr">
+                      <a:noFill/>
+                      <a:prstDash/>
+                      <a:round/>
+                      <a:headEnd type="none" w="med" len="med"/>
+                      <a:tailEnd type="none" w="med" len="med"/>
+                    </a:lnL>
+                    <a:lnR w="0" cap="flat" cmpd="sng" algn="ctr">
+                      <a:noFill/>
+                      <a:prstDash/>
+                      <a:round/>
+                      <a:headEnd type="none" w="med" len="med"/>
+                      <a:tailEnd type="none" w="med" len="med"/>
+                    </a:lnR>
+                    <a:lnT w="0" cap="flat" cmpd="sng" algn="ctr">
+                      <a:noFill/>
+                      <a:prstDash/>
+                      <a:round/>
+                      <a:headEnd type="none" w="med" len="med"/>
+                      <a:tailEnd type="none" w="med" len="med"/>
+                    </a:lnT>
+                    <a:lnB w="0" cap="flat" cmpd="sng" algn="ctr">
+                      <a:noFill/>
+                      <a:prstDash/>
+                      <a:round/>
+                      <a:headEnd type="none" w="med" len="med"/>
+                      <a:tailEnd type="none" w="med" len="med"/>
+                    </a:lnB>
+                  </a:tcPr>
+                </a:tc>
+                <a:tc>
+                  <a:txBody>
+                    <a:bodyPr/>
+                    <a:lstStyle/>
+                    <a:p>
+                      <a:pPr marL="0" indent="0"/>
+                      <a:r>
+                        <a:rPr sz="1100" kern="1200">
+                          <a:solidFill>
+                            <a:srgbClr val="000000"/>
+                          </a:solidFill>
+                        </a:rPr>
+                        <a:t>PA7</a:t>
+                      </a:r>
+                      <a:endParaRPr lang="ko-KR" altLang="en-US" sz="1100" kern="1200">
+                        <a:solidFill>
+                          <a:srgbClr val="000000"/>
+                        </a:solidFill>
+                      </a:endParaRPr>
+                    </a:p>
+                  </a:txBody>
+                  <a:tcPr marL="0" marR="0" marT="0" marB="0" anchor="ctr">
+                    <a:lnL w="0" cap="flat" cmpd="sng" algn="ctr">
+                      <a:noFill/>
+                      <a:prstDash/>
+                      <a:round/>
+                      <a:headEnd type="none" w="med" len="med"/>
+                      <a:tailEnd type="none" w="med" len="med"/>
+                    </a:lnL>
+                    <a:lnR w="0" cap="flat" cmpd="sng" algn="ctr">
+                      <a:noFill/>
+                      <a:prstDash/>
+                      <a:round/>
+                      <a:headEnd type="none" w="med" len="med"/>
+                      <a:tailEnd type="none" w="med" len="med"/>
+                    </a:lnR>
+                    <a:lnT w="0" cap="flat" cmpd="sng" algn="ctr">
+                      <a:noFill/>
+                      <a:prstDash/>
+                      <a:round/>
+                      <a:headEnd type="none" w="med" len="med"/>
+                      <a:tailEnd type="none" w="med" len="med"/>
+                    </a:lnT>
+                    <a:lnB w="0" cap="flat" cmpd="sng" algn="ctr">
+                      <a:noFill/>
+                      <a:prstDash/>
+                      <a:round/>
+                      <a:headEnd type="none" w="med" len="med"/>
+                      <a:tailEnd type="none" w="med" len="med"/>
+                    </a:lnB>
+                  </a:tcPr>
+                </a:tc>
+                <a:tc>
+                  <a:txBody>
+                    <a:bodyPr/>
+                    <a:lstStyle/>
+                    <a:p>
+                      <a:pPr marL="0" indent="0"/>
+                      <a:r>
+                        <a:rPr sz="1100" kern="1200">
+                          <a:solidFill>
+                            <a:srgbClr val="000000"/>
+                          </a:solidFill>
+                        </a:rPr>
+                        <a:t>Output</a:t>
+                      </a:r>
+                      <a:endParaRPr lang="ko-KR" altLang="en-US" sz="1100" kern="1200">
+                        <a:solidFill>
+                          <a:srgbClr val="000000"/>
+                        </a:solidFill>
+                      </a:endParaRPr>
+                    </a:p>
+                  </a:txBody>
+                  <a:tcPr marL="0" marR="0" marT="0" marB="0" anchor="ctr">
+                    <a:lnL w="0" cap="flat" cmpd="sng" algn="ctr">
+                      <a:noFill/>
+                      <a:prstDash/>
+                      <a:round/>
+                      <a:headEnd type="none" w="med" len="med"/>
+                      <a:tailEnd type="none" w="med" len="med"/>
+                    </a:lnL>
+                    <a:lnR w="0" cap="flat" cmpd="sng" algn="ctr">
+                      <a:noFill/>
+                      <a:prstDash/>
+                      <a:round/>
+                      <a:headEnd type="none" w="med" len="med"/>
+                      <a:tailEnd type="none" w="med" len="med"/>
+                    </a:lnR>
+                    <a:lnT w="0" cap="flat" cmpd="sng" algn="ctr">
+                      <a:noFill/>
+                      <a:prstDash/>
+                      <a:round/>
+                      <a:headEnd type="none" w="med" len="med"/>
+                      <a:tailEnd type="none" w="med" len="med"/>
+                    </a:lnT>
+                    <a:lnB w="0" cap="flat" cmpd="sng" algn="ctr">
+                      <a:noFill/>
+                      <a:prstDash/>
+                      <a:round/>
+                      <a:headEnd type="none" w="med" len="med"/>
+                      <a:tailEnd type="none" w="med" len="med"/>
+                    </a:lnB>
+                  </a:tcPr>
+                </a:tc>
+                <a:tc>
+                  <a:txBody>
+                    <a:bodyPr/>
+                    <a:lstStyle/>
+                    <a:p>
+                      <a:pPr marL="0" indent="0"/>
+                      <a:r>
+                        <a:rPr sz="1100" kern="1200">
+                          <a:solidFill>
+                            <a:srgbClr val="000000"/>
+                          </a:solidFill>
+                        </a:rPr>
+                        <a:t>3색LED점등</a:t>
+                      </a:r>
+                      <a:endParaRPr lang="ko-KR" altLang="en-US" sz="1100" kern="1200">
+                        <a:solidFill>
+                          <a:srgbClr val="000000"/>
+                        </a:solidFill>
+                      </a:endParaRPr>
+                    </a:p>
+                  </a:txBody>
+                  <a:tcPr marL="0" marR="0" marT="0" marB="0" anchor="ctr">
+                    <a:lnL w="0" cap="flat" cmpd="sng" algn="ctr">
+                      <a:noFill/>
+                      <a:prstDash/>
+                      <a:round/>
+                      <a:headEnd type="none" w="med" len="med"/>
+                      <a:tailEnd type="none" w="med" len="med"/>
+                    </a:lnL>
+                    <a:lnR w="0" cap="flat" cmpd="sng" algn="ctr">
+                      <a:noFill/>
+                      <a:prstDash/>
+                      <a:round/>
+                      <a:headEnd type="none" w="med" len="med"/>
+                      <a:tailEnd type="none" w="med" len="med"/>
+                    </a:lnR>
+                    <a:lnT w="0" cap="flat" cmpd="sng" algn="ctr">
+                      <a:noFill/>
+                      <a:prstDash/>
+                      <a:round/>
+                      <a:headEnd type="none" w="med" len="med"/>
+                      <a:tailEnd type="none" w="med" len="med"/>
+                    </a:lnT>
+                    <a:lnB w="0" cap="flat" cmpd="sng" algn="ctr">
+                      <a:noFill/>
+                      <a:prstDash/>
+                      <a:round/>
+                      <a:headEnd type="none" w="med" len="med"/>
+                      <a:tailEnd type="none" w="med" len="med"/>
+                    </a:lnB>
+                  </a:tcPr>
+                </a:tc>
+              </a:tr>
+              <a:tr h="209550">
+                <a:tc>
+                  <a:txBody>
+                    <a:bodyPr/>
+                    <a:lstStyle/>
+                    <a:p>
+                      <a:pPr marL="0" indent="0"/>
+                      <a:r>
+                        <a:rPr sz="1100" kern="1200">
+                          <a:solidFill>
+                            <a:srgbClr val="000000"/>
+                          </a:solidFill>
+                        </a:rPr>
+                        <a:t>3*LED Blue</a:t>
+                      </a:r>
+                      <a:endParaRPr lang="ko-KR" altLang="en-US" sz="1100" kern="1200">
+                        <a:solidFill>
+                          <a:srgbClr val="000000"/>
+                        </a:solidFill>
+                      </a:endParaRPr>
+                    </a:p>
+                  </a:txBody>
+                  <a:tcPr marL="0" marR="0" marT="0" marB="0" anchor="ctr">
+                    <a:lnL w="0" cap="flat" cmpd="sng" algn="ctr">
+                      <a:noFill/>
+                      <a:prstDash/>
+                      <a:round/>
+                      <a:headEnd type="none" w="med" len="med"/>
+                      <a:tailEnd type="none" w="med" len="med"/>
+                    </a:lnL>
+                    <a:lnR w="0" cap="flat" cmpd="sng" algn="ctr">
+                      <a:noFill/>
+                      <a:prstDash/>
+                      <a:round/>
+                      <a:headEnd type="none" w="med" len="med"/>
+                      <a:tailEnd type="none" w="med" len="med"/>
+                    </a:lnR>
+                    <a:lnT w="0" cap="flat" cmpd="sng" algn="ctr">
+                      <a:noFill/>
+                      <a:prstDash/>
+                      <a:round/>
+                      <a:headEnd type="none" w="med" len="med"/>
+                      <a:tailEnd type="none" w="med" len="med"/>
+                    </a:lnT>
+                    <a:lnB w="0" cap="flat" cmpd="sng" algn="ctr">
+                      <a:noFill/>
+                      <a:prstDash/>
+                      <a:round/>
+                      <a:headEnd type="none" w="med" len="med"/>
+                      <a:tailEnd type="none" w="med" len="med"/>
+                    </a:lnB>
+                  </a:tcPr>
+                </a:tc>
+                <a:tc>
+                  <a:txBody>
+                    <a:bodyPr/>
+                    <a:lstStyle/>
+                    <a:p>
+                      <a:pPr marL="0" indent="0"/>
+                      <a:r>
+                        <a:rPr sz="1100" kern="1200">
+                          <a:solidFill>
+                            <a:srgbClr val="000000"/>
+                          </a:solidFill>
+                        </a:rPr>
+                        <a:t>PB0</a:t>
+                      </a:r>
+                      <a:endParaRPr lang="ko-KR" altLang="en-US" sz="1100" kern="1200">
+                        <a:solidFill>
+                          <a:srgbClr val="000000"/>
+                        </a:solidFill>
+                      </a:endParaRPr>
+                    </a:p>
+                  </a:txBody>
+                  <a:tcPr marL="0" marR="0" marT="0" marB="0" anchor="ctr">
+                    <a:lnL w="0" cap="flat" cmpd="sng" algn="ctr">
+                      <a:noFill/>
+                      <a:prstDash/>
+                      <a:round/>
+                      <a:headEnd type="none" w="med" len="med"/>
+                      <a:tailEnd type="none" w="med" len="med"/>
+                    </a:lnL>
+                    <a:lnR w="0" cap="flat" cmpd="sng" algn="ctr">
+                      <a:noFill/>
+                      <a:prstDash/>
+                      <a:round/>
+                      <a:headEnd type="none" w="med" len="med"/>
+                      <a:tailEnd type="none" w="med" len="med"/>
+                    </a:lnR>
+                    <a:lnT w="0" cap="flat" cmpd="sng" algn="ctr">
+                      <a:noFill/>
+                      <a:prstDash/>
+                      <a:round/>
+                      <a:headEnd type="none" w="med" len="med"/>
+                      <a:tailEnd type="none" w="med" len="med"/>
+                    </a:lnT>
+                    <a:lnB w="0" cap="flat" cmpd="sng" algn="ctr">
+                      <a:noFill/>
+                      <a:prstDash/>
+                      <a:round/>
+                      <a:headEnd type="none" w="med" len="med"/>
+                      <a:tailEnd type="none" w="med" len="med"/>
+                    </a:lnB>
+                  </a:tcPr>
+                </a:tc>
+                <a:tc>
+                  <a:txBody>
+                    <a:bodyPr/>
+                    <a:lstStyle/>
+                    <a:p>
+                      <a:pPr marL="0" indent="0"/>
+                      <a:r>
+                        <a:rPr sz="1100" kern="1200">
+                          <a:solidFill>
+                            <a:srgbClr val="000000"/>
+                          </a:solidFill>
+                        </a:rPr>
+                        <a:t>Output</a:t>
+                      </a:r>
+                      <a:endParaRPr lang="ko-KR" altLang="en-US" sz="1100" kern="1200">
+                        <a:solidFill>
+                          <a:srgbClr val="000000"/>
+                        </a:solidFill>
+                      </a:endParaRPr>
+                    </a:p>
+                  </a:txBody>
+                  <a:tcPr marL="0" marR="0" marT="0" marB="0" anchor="ctr">
+                    <a:lnL w="0" cap="flat" cmpd="sng" algn="ctr">
+                      <a:noFill/>
+                      <a:prstDash/>
+                      <a:round/>
+                      <a:headEnd type="none" w="med" len="med"/>
+                      <a:tailEnd type="none" w="med" len="med"/>
+                    </a:lnL>
+                    <a:lnR w="0" cap="flat" cmpd="sng" algn="ctr">
+                      <a:noFill/>
+                      <a:prstDash/>
+                      <a:round/>
+                      <a:headEnd type="none" w="med" len="med"/>
+                      <a:tailEnd type="none" w="med" len="med"/>
+                    </a:lnR>
+                    <a:lnT w="0" cap="flat" cmpd="sng" algn="ctr">
+                      <a:noFill/>
+                      <a:prstDash/>
+                      <a:round/>
+                      <a:headEnd type="none" w="med" len="med"/>
+                      <a:tailEnd type="none" w="med" len="med"/>
+                    </a:lnT>
+                    <a:lnB w="0" cap="flat" cmpd="sng" algn="ctr">
+                      <a:noFill/>
+                      <a:prstDash/>
+                      <a:round/>
+                      <a:headEnd type="none" w="med" len="med"/>
+                      <a:tailEnd type="none" w="med" len="med"/>
+                    </a:lnB>
+                  </a:tcPr>
+                </a:tc>
+                <a:tc>
+                  <a:txBody>
+                    <a:bodyPr/>
+                    <a:lstStyle/>
+                    <a:p>
+                      <a:pPr marL="0" indent="0"/>
+                      <a:r>
+                        <a:rPr sz="1100" kern="1200">
+                          <a:solidFill>
+                            <a:srgbClr val="000000"/>
+                          </a:solidFill>
+                        </a:rPr>
+                        <a:t>3색LED점등</a:t>
+                      </a:r>
+                      <a:endParaRPr lang="ko-KR" altLang="en-US" sz="1100" kern="1200">
+                        <a:solidFill>
+                          <a:srgbClr val="000000"/>
+                        </a:solidFill>
+                      </a:endParaRPr>
+                    </a:p>
+                  </a:txBody>
+                  <a:tcPr marL="0" marR="0" marT="0" marB="0" anchor="ctr">
+                    <a:lnL w="0" cap="flat" cmpd="sng" algn="ctr">
+                      <a:noFill/>
+                      <a:prstDash/>
+                      <a:round/>
+                      <a:headEnd type="none" w="med" len="med"/>
+                      <a:tailEnd type="none" w="med" len="med"/>
+                    </a:lnL>
+                    <a:lnR w="0" cap="flat" cmpd="sng" algn="ctr">
+                      <a:noFill/>
+                      <a:prstDash/>
+                      <a:round/>
+                      <a:headEnd type="none" w="med" len="med"/>
+                      <a:tailEnd type="none" w="med" len="med"/>
+                    </a:lnR>
+                    <a:lnT w="0" cap="flat" cmpd="sng" algn="ctr">
+                      <a:noFill/>
+                      <a:prstDash/>
+                      <a:round/>
+                      <a:headEnd type="none" w="med" len="med"/>
+                      <a:tailEnd type="none" w="med" len="med"/>
+                    </a:lnT>
+                    <a:lnB w="0" cap="flat" cmpd="sng" algn="ctr">
+                      <a:noFill/>
+                      <a:prstDash/>
+                      <a:round/>
+                      <a:headEnd type="none" w="med" len="med"/>
+                      <a:tailEnd type="none" w="med" len="med"/>
+                    </a:lnB>
+                  </a:tcPr>
+                </a:tc>
+              </a:tr>
+              <a:tr h="209550">
+                <a:tc>
+                  <a:txBody>
+                    <a:bodyPr/>
+                    <a:lstStyle/>
+                    <a:p>
+                      <a:pPr marL="0" indent="0"/>
+                      <a:r>
+                        <a:rPr sz="1100" kern="1200">
+                          <a:solidFill>
+                            <a:srgbClr val="000000"/>
+                          </a:solidFill>
+                        </a:rPr>
+                        <a:t>Dc motor</a:t>
+                      </a:r>
+                      <a:endParaRPr lang="ko-KR" altLang="en-US" sz="1100" kern="1200">
+                        <a:solidFill>
+                          <a:srgbClr val="000000"/>
+                        </a:solidFill>
+                      </a:endParaRPr>
+                    </a:p>
+                  </a:txBody>
+                  <a:tcPr marL="0" marR="0" marT="0" marB="0" anchor="ctr">
+                    <a:lnL w="0" cap="flat" cmpd="sng" algn="ctr">
+                      <a:noFill/>
+                      <a:prstDash/>
+                      <a:round/>
+                      <a:headEnd type="none" w="med" len="med"/>
+                      <a:tailEnd type="none" w="med" len="med"/>
+                    </a:lnL>
+                    <a:lnR w="0" cap="flat" cmpd="sng" algn="ctr">
+                      <a:noFill/>
+                      <a:prstDash/>
+                      <a:round/>
+                      <a:headEnd type="none" w="med" len="med"/>
+                      <a:tailEnd type="none" w="med" len="med"/>
+                    </a:lnR>
+                    <a:lnT w="0" cap="flat" cmpd="sng" algn="ctr">
+                      <a:noFill/>
+                      <a:prstDash/>
+                      <a:round/>
+                      <a:headEnd type="none" w="med" len="med"/>
+                      <a:tailEnd type="none" w="med" len="med"/>
+                    </a:lnT>
+                    <a:lnB w="0" cap="flat" cmpd="sng" algn="ctr">
+                      <a:noFill/>
+                      <a:prstDash/>
+                      <a:round/>
+                      <a:headEnd type="none" w="med" len="med"/>
+                      <a:tailEnd type="none" w="med" len="med"/>
+                    </a:lnB>
+                  </a:tcPr>
+                </a:tc>
+                <a:tc>
+                  <a:txBody>
+                    <a:bodyPr/>
+                    <a:lstStyle/>
+                    <a:p>
+                      <a:pPr marL="0" indent="0"/>
+                      <a:r>
+                        <a:rPr sz="1100" kern="1200">
+                          <a:solidFill>
+                            <a:srgbClr val="000000"/>
+                          </a:solidFill>
+                        </a:rPr>
+                        <a:t>PA10</a:t>
+                      </a:r>
+                      <a:endParaRPr lang="ko-KR" altLang="en-US" sz="1100" kern="1200">
+                        <a:solidFill>
+                          <a:srgbClr val="000000"/>
+                        </a:solidFill>
+                      </a:endParaRPr>
+                    </a:p>
+                  </a:txBody>
+                  <a:tcPr marL="0" marR="0" marT="0" marB="0" anchor="ctr">
+                    <a:lnL w="0" cap="flat" cmpd="sng" algn="ctr">
+                      <a:noFill/>
+                      <a:prstDash/>
+                      <a:round/>
+                      <a:headEnd type="none" w="med" len="med"/>
+                      <a:tailEnd type="none" w="med" len="med"/>
+                    </a:lnL>
+                    <a:lnR w="0" cap="flat" cmpd="sng" algn="ctr">
+                      <a:noFill/>
+                      <a:prstDash/>
+                      <a:round/>
+                      <a:headEnd type="none" w="med" len="med"/>
+                      <a:tailEnd type="none" w="med" len="med"/>
+                    </a:lnR>
+                    <a:lnT w="0" cap="flat" cmpd="sng" algn="ctr">
+                      <a:noFill/>
+                      <a:prstDash/>
+                      <a:round/>
+                      <a:headEnd type="none" w="med" len="med"/>
+                      <a:tailEnd type="none" w="med" len="med"/>
+                    </a:lnT>
+                    <a:lnB w="0" cap="flat" cmpd="sng" algn="ctr">
+                      <a:noFill/>
+                      <a:prstDash/>
+                      <a:round/>
+                      <a:headEnd type="none" w="med" len="med"/>
+                      <a:tailEnd type="none" w="med" len="med"/>
+                    </a:lnB>
+                  </a:tcPr>
+                </a:tc>
+                <a:tc>
+                  <a:txBody>
+                    <a:bodyPr/>
+                    <a:lstStyle/>
+                    <a:p>
+                      <a:pPr marL="0" indent="0"/>
+                      <a:r>
+                        <a:rPr sz="1100" kern="1200">
+                          <a:solidFill>
+                            <a:srgbClr val="000000"/>
+                          </a:solidFill>
+                        </a:rPr>
+                        <a:t>Output</a:t>
+                      </a:r>
+                      <a:endParaRPr lang="ko-KR" altLang="en-US" sz="1100" kern="1200">
+                        <a:solidFill>
+                          <a:srgbClr val="000000"/>
+                        </a:solidFill>
+                      </a:endParaRPr>
+                    </a:p>
+                  </a:txBody>
+                  <a:tcPr marL="0" marR="0" marT="0" marB="0" anchor="ctr">
+                    <a:lnL w="0" cap="flat" cmpd="sng" algn="ctr">
+                      <a:noFill/>
+                      <a:prstDash/>
+                      <a:round/>
+                      <a:headEnd type="none" w="med" len="med"/>
+                      <a:tailEnd type="none" w="med" len="med"/>
+                    </a:lnL>
+                    <a:lnR w="0" cap="flat" cmpd="sng" algn="ctr">
+                      <a:noFill/>
+                      <a:prstDash/>
+                      <a:round/>
+                      <a:headEnd type="none" w="med" len="med"/>
+                      <a:tailEnd type="none" w="med" len="med"/>
+                    </a:lnR>
+                    <a:lnT w="0" cap="flat" cmpd="sng" algn="ctr">
+                      <a:noFill/>
+                      <a:prstDash/>
+                      <a:round/>
+                      <a:headEnd type="none" w="med" len="med"/>
+                      <a:tailEnd type="none" w="med" len="med"/>
+                    </a:lnT>
+                    <a:lnB w="0" cap="flat" cmpd="sng" algn="ctr">
+                      <a:noFill/>
+                      <a:prstDash/>
+                      <a:round/>
+                      <a:headEnd type="none" w="med" len="med"/>
+                      <a:tailEnd type="none" w="med" len="med"/>
+                    </a:lnB>
+                  </a:tcPr>
+                </a:tc>
+                <a:tc>
+                  <a:txBody>
+                    <a:bodyPr/>
+                    <a:lstStyle/>
+                    <a:p>
+                      <a:pPr marL="0" indent="0"/>
+                      <a:r>
+                        <a:rPr sz="1100" kern="1200">
+                          <a:solidFill>
+                            <a:srgbClr val="000000"/>
+                          </a:solidFill>
+                        </a:rPr>
+                        <a:t>선풍기 작동</a:t>
+                      </a:r>
+                      <a:endParaRPr lang="ko-KR" altLang="en-US" sz="1100" kern="1200">
+                        <a:solidFill>
+                          <a:srgbClr val="000000"/>
+                        </a:solidFill>
+                      </a:endParaRPr>
+                    </a:p>
+                  </a:txBody>
+                  <a:tcPr marL="0" marR="0" marT="0" marB="0" anchor="ctr">
+                    <a:lnL w="0" cap="flat" cmpd="sng" algn="ctr">
+                      <a:noFill/>
+                      <a:prstDash/>
+                      <a:round/>
+                      <a:headEnd type="none" w="med" len="med"/>
+                      <a:tailEnd type="none" w="med" len="med"/>
+                    </a:lnL>
+                    <a:lnR w="0" cap="flat" cmpd="sng" algn="ctr">
+                      <a:noFill/>
+                      <a:prstDash/>
+                      <a:round/>
+                      <a:headEnd type="none" w="med" len="med"/>
+                      <a:tailEnd type="none" w="med" len="med"/>
+                    </a:lnR>
+                    <a:lnT w="0" cap="flat" cmpd="sng" algn="ctr">
+                      <a:noFill/>
+                      <a:prstDash/>
+                      <a:round/>
+                      <a:headEnd type="none" w="med" len="med"/>
+                      <a:tailEnd type="none" w="med" len="med"/>
+                    </a:lnT>
+                    <a:lnB w="0" cap="flat" cmpd="sng" algn="ctr">
+                      <a:noFill/>
+                      <a:prstDash/>
+                      <a:round/>
+                      <a:headEnd type="none" w="med" len="med"/>
+                      <a:tailEnd type="none" w="med" len="med"/>
+                    </a:lnB>
+                  </a:tcPr>
+                </a:tc>
+              </a:tr>
+              <a:tr h="209550">
+                <a:tc>
+                  <a:txBody>
+                    <a:bodyPr/>
+                    <a:lstStyle/>
+                    <a:p>
+                      <a:pPr marL="0" indent="0"/>
+                      <a:r>
+                        <a:rPr sz="1100" kern="1200">
+                          <a:solidFill>
+                            <a:srgbClr val="000000"/>
+                          </a:solidFill>
+                        </a:rPr>
+                        <a:t>CDS</a:t>
+                      </a:r>
+                      <a:endParaRPr lang="ko-KR" altLang="en-US" sz="1100" kern="1200">
+                        <a:solidFill>
+                          <a:srgbClr val="000000"/>
+                        </a:solidFill>
+                      </a:endParaRPr>
+                    </a:p>
+                  </a:txBody>
+                  <a:tcPr marL="0" marR="0" marT="0" marB="0" anchor="ctr">
+                    <a:lnL w="0" cap="flat" cmpd="sng" algn="ctr">
+                      <a:noFill/>
+                      <a:prstDash/>
+                      <a:round/>
+                      <a:headEnd type="none" w="med" len="med"/>
+                      <a:tailEnd type="none" w="med" len="med"/>
+                    </a:lnL>
+                    <a:lnR w="0" cap="flat" cmpd="sng" algn="ctr">
+                      <a:noFill/>
+                      <a:prstDash/>
+                      <a:round/>
+                      <a:headEnd type="none" w="med" len="med"/>
+                      <a:tailEnd type="none" w="med" len="med"/>
+                    </a:lnR>
+                    <a:lnT w="0" cap="flat" cmpd="sng" algn="ctr">
+                      <a:noFill/>
+                      <a:prstDash/>
+                      <a:round/>
+                      <a:headEnd type="none" w="med" len="med"/>
+                      <a:tailEnd type="none" w="med" len="med"/>
+                    </a:lnT>
+                    <a:lnB w="0" cap="flat" cmpd="sng" algn="ctr">
+                      <a:noFill/>
+                      <a:prstDash/>
+                      <a:round/>
+                      <a:headEnd type="none" w="med" len="med"/>
+                      <a:tailEnd type="none" w="med" len="med"/>
+                    </a:lnB>
+                  </a:tcPr>
+                </a:tc>
+                <a:tc>
+                  <a:txBody>
+                    <a:bodyPr/>
+                    <a:lstStyle/>
+                    <a:p>
+                      <a:pPr marL="0" indent="0"/>
+                      <a:r>
+                        <a:rPr sz="1100" kern="1200">
+                          <a:solidFill>
+                            <a:srgbClr val="000000"/>
+                          </a:solidFill>
+                        </a:rPr>
+                        <a:t>PA0</a:t>
+                      </a:r>
+                      <a:endParaRPr lang="ko-KR" altLang="en-US" sz="1100" kern="1200">
+                        <a:solidFill>
+                          <a:srgbClr val="000000"/>
+                        </a:solidFill>
+                      </a:endParaRPr>
+                    </a:p>
+                  </a:txBody>
+                  <a:tcPr marL="0" marR="0" marT="0" marB="0" anchor="ctr">
+                    <a:lnL w="0" cap="flat" cmpd="sng" algn="ctr">
+                      <a:noFill/>
+                      <a:prstDash/>
+                      <a:round/>
+                      <a:headEnd type="none" w="med" len="med"/>
+                      <a:tailEnd type="none" w="med" len="med"/>
+                    </a:lnL>
+                    <a:lnR w="0" cap="flat" cmpd="sng" algn="ctr">
+                      <a:noFill/>
+                      <a:prstDash/>
+                      <a:round/>
+                      <a:headEnd type="none" w="med" len="med"/>
+                      <a:tailEnd type="none" w="med" len="med"/>
+                    </a:lnR>
+                    <a:lnT w="0" cap="flat" cmpd="sng" algn="ctr">
+                      <a:noFill/>
+                      <a:prstDash/>
+                      <a:round/>
+                      <a:headEnd type="none" w="med" len="med"/>
+                      <a:tailEnd type="none" w="med" len="med"/>
+                    </a:lnT>
+                    <a:lnB w="0" cap="flat" cmpd="sng" algn="ctr">
+                      <a:noFill/>
+                      <a:prstDash/>
+                      <a:round/>
+                      <a:headEnd type="none" w="med" len="med"/>
+                      <a:tailEnd type="none" w="med" len="med"/>
+                    </a:lnB>
+                  </a:tcPr>
+                </a:tc>
+                <a:tc>
+                  <a:txBody>
+                    <a:bodyPr/>
+                    <a:lstStyle/>
+                    <a:p>
+                      <a:pPr marL="0" indent="0"/>
+                      <a:r>
+                        <a:rPr sz="1100" kern="1200">
+                          <a:solidFill>
+                            <a:srgbClr val="000000"/>
+                          </a:solidFill>
+                        </a:rPr>
+                        <a:t>Output</a:t>
+                      </a:r>
+                      <a:endParaRPr lang="ko-KR" altLang="en-US" sz="1100" kern="1200">
+                        <a:solidFill>
+                          <a:srgbClr val="000000"/>
+                        </a:solidFill>
+                      </a:endParaRPr>
+                    </a:p>
+                  </a:txBody>
+                  <a:tcPr marL="0" marR="0" marT="0" marB="0" anchor="ctr">
+                    <a:lnL w="0" cap="flat" cmpd="sng" algn="ctr">
+                      <a:noFill/>
+                      <a:prstDash/>
+                      <a:round/>
+                      <a:headEnd type="none" w="med" len="med"/>
+                      <a:tailEnd type="none" w="med" len="med"/>
+                    </a:lnL>
+                    <a:lnR w="0" cap="flat" cmpd="sng" algn="ctr">
+                      <a:noFill/>
+                      <a:prstDash/>
+                      <a:round/>
+                      <a:headEnd type="none" w="med" len="med"/>
+                      <a:tailEnd type="none" w="med" len="med"/>
+                    </a:lnR>
+                    <a:lnT w="0" cap="flat" cmpd="sng" algn="ctr">
+                      <a:noFill/>
+                      <a:prstDash/>
+                      <a:round/>
+                      <a:headEnd type="none" w="med" len="med"/>
+                      <a:tailEnd type="none" w="med" len="med"/>
+                    </a:lnT>
+                    <a:lnB w="0" cap="flat" cmpd="sng" algn="ctr">
+                      <a:noFill/>
+                      <a:prstDash/>
+                      <a:round/>
+                      <a:headEnd type="none" w="med" len="med"/>
+                      <a:tailEnd type="none" w="med" len="med"/>
+                    </a:lnB>
+                  </a:tcPr>
+                </a:tc>
+                <a:tc>
+                  <a:txBody>
+                    <a:bodyPr/>
+                    <a:lstStyle/>
+                    <a:p>
+                      <a:pPr marL="0" indent="0"/>
+                      <a:r>
+                        <a:rPr sz="1100" kern="1200">
+                          <a:solidFill>
+                            <a:srgbClr val="000000"/>
+                          </a:solidFill>
+                        </a:rPr>
+                        <a:t>조도 측정</a:t>
+                      </a:r>
+                      <a:endParaRPr lang="ko-KR" altLang="en-US" sz="1100" kern="1200">
+                        <a:solidFill>
+                          <a:srgbClr val="000000"/>
+                        </a:solidFill>
+                      </a:endParaRPr>
+                    </a:p>
+                  </a:txBody>
+                  <a:tcPr marL="0" marR="0" marT="0" marB="0" anchor="ctr">
+                    <a:lnL w="0" cap="flat" cmpd="sng" algn="ctr">
+                      <a:noFill/>
+                      <a:prstDash/>
+                      <a:round/>
+                      <a:headEnd type="none" w="med" len="med"/>
+                      <a:tailEnd type="none" w="med" len="med"/>
+                    </a:lnL>
+                    <a:lnR w="0" cap="flat" cmpd="sng" algn="ctr">
+                      <a:noFill/>
+                      <a:prstDash/>
+                      <a:round/>
+                      <a:headEnd type="none" w="med" len="med"/>
+                      <a:tailEnd type="none" w="med" len="med"/>
+                    </a:lnR>
+                    <a:lnT w="0" cap="flat" cmpd="sng" algn="ctr">
+                      <a:noFill/>
+                      <a:prstDash/>
+                      <a:round/>
+                      <a:headEnd type="none" w="med" len="med"/>
+                      <a:tailEnd type="none" w="med" len="med"/>
+                    </a:lnT>
+                    <a:lnB w="0" cap="flat" cmpd="sng" algn="ctr">
+                      <a:noFill/>
+                      <a:prstDash/>
+                      <a:round/>
+                      <a:headEnd type="none" w="med" len="med"/>
+                      <a:tailEnd type="none" w="med" len="med"/>
+                    </a:lnB>
+                  </a:tcPr>
+                </a:tc>
+              </a:tr>
+              <a:tr h="276860">
+                <a:tc>
+                  <a:txBody>
+                    <a:bodyPr/>
+                    <a:lstStyle/>
+                    <a:p>
+                      <a:pPr marL="0" indent="0"/>
+                      <a:endParaRPr lang="ko-KR" altLang="en-US" sz="1800" kern="1200">
+                        <a:latin typeface="맑은 고딕" charset="0"/>
+                        <a:ea typeface="맑은 고딕" charset="0"/>
+                      </a:endParaRPr>
+                    </a:p>
+                  </a:txBody>
+                  <a:tcPr marL="0" marR="0" marT="0" marB="0" anchor="ctr">
+                    <a:lnL w="0" cap="flat" cmpd="sng" algn="ctr">
+                      <a:noFill/>
+                      <a:prstDash/>
+                      <a:round/>
+                      <a:headEnd type="none" w="med" len="med"/>
+                      <a:tailEnd type="none" w="med" len="med"/>
+                    </a:lnL>
+                    <a:lnR w="0" cap="flat" cmpd="sng" algn="ctr">
+                      <a:noFill/>
+                      <a:prstDash/>
+                      <a:round/>
+                      <a:headEnd type="none" w="med" len="med"/>
+                      <a:tailEnd type="none" w="med" len="med"/>
+                    </a:lnR>
+                    <a:lnT w="0" cap="flat" cmpd="sng" algn="ctr">
+                      <a:noFill/>
+                      <a:prstDash/>
+                      <a:round/>
+                      <a:headEnd type="none" w="med" len="med"/>
+                      <a:tailEnd type="none" w="med" len="med"/>
+                    </a:lnT>
+                    <a:lnB w="0" cap="flat" cmpd="sng" algn="ctr">
+                      <a:noFill/>
+                      <a:prstDash/>
+                      <a:round/>
+                      <a:headEnd type="none" w="med" len="med"/>
+                      <a:tailEnd type="none" w="med" len="med"/>
+                    </a:lnB>
+                  </a:tcPr>
+                </a:tc>
+                <a:tc>
+                  <a:txBody>
+                    <a:bodyPr/>
+                    <a:lstStyle/>
+                    <a:p>
+                      <a:pPr marL="0" indent="0"/>
+                      <a:endParaRPr lang="ko-KR" altLang="en-US" sz="1800" kern="1200">
+                        <a:latin typeface="맑은 고딕" charset="0"/>
+                        <a:ea typeface="맑은 고딕" charset="0"/>
+                      </a:endParaRPr>
+                    </a:p>
+                  </a:txBody>
+                  <a:tcPr marL="0" marR="0" marT="0" marB="0" anchor="ctr">
+                    <a:lnL w="0" cap="flat" cmpd="sng" algn="ctr">
+                      <a:noFill/>
+                      <a:prstDash/>
+                      <a:round/>
+                      <a:headEnd type="none" w="med" len="med"/>
+                      <a:tailEnd type="none" w="med" len="med"/>
+                    </a:lnL>
+                    <a:lnR w="0" cap="flat" cmpd="sng" algn="ctr">
+                      <a:noFill/>
+                      <a:prstDash/>
+                      <a:round/>
+                      <a:headEnd type="none" w="med" len="med"/>
+                      <a:tailEnd type="none" w="med" len="med"/>
+                    </a:lnR>
+                    <a:lnT w="0" cap="flat" cmpd="sng" algn="ctr">
+                      <a:noFill/>
+                      <a:prstDash/>
+                      <a:round/>
+                      <a:headEnd type="none" w="med" len="med"/>
+                      <a:tailEnd type="none" w="med" len="med"/>
+                    </a:lnT>
+                    <a:lnB w="0" cap="flat" cmpd="sng" algn="ctr">
+                      <a:noFill/>
+                      <a:prstDash/>
+                      <a:round/>
+                      <a:headEnd type="none" w="med" len="med"/>
+                      <a:tailEnd type="none" w="med" len="med"/>
+                    </a:lnB>
+                  </a:tcPr>
+                </a:tc>
+                <a:tc>
+                  <a:txBody>
+                    <a:bodyPr/>
+                    <a:lstStyle/>
+                    <a:p>
+                      <a:pPr marL="0" indent="0"/>
+                      <a:endParaRPr lang="ko-KR" altLang="en-US" sz="1800" kern="1200">
+                        <a:latin typeface="맑은 고딕" charset="0"/>
+                        <a:ea typeface="맑은 고딕" charset="0"/>
+                      </a:endParaRPr>
+                    </a:p>
+                  </a:txBody>
+                  <a:tcPr marL="0" marR="0" marT="0" marB="0" anchor="ctr">
+                    <a:lnL w="0" cap="flat" cmpd="sng" algn="ctr">
+                      <a:noFill/>
+                      <a:prstDash/>
+                      <a:round/>
+                      <a:headEnd type="none" w="med" len="med"/>
+                      <a:tailEnd type="none" w="med" len="med"/>
+                    </a:lnL>
+                    <a:lnR w="0" cap="flat" cmpd="sng" algn="ctr">
+                      <a:noFill/>
+                      <a:prstDash/>
+                      <a:round/>
+                      <a:headEnd type="none" w="med" len="med"/>
+                      <a:tailEnd type="none" w="med" len="med"/>
+                    </a:lnR>
+                    <a:lnT w="0" cap="flat" cmpd="sng" algn="ctr">
+                      <a:noFill/>
+                      <a:prstDash/>
+                      <a:round/>
+                      <a:headEnd type="none" w="med" len="med"/>
+                      <a:tailEnd type="none" w="med" len="med"/>
+                    </a:lnT>
+                    <a:lnB w="0" cap="flat" cmpd="sng" algn="ctr">
+                      <a:noFill/>
+                      <a:prstDash/>
+                      <a:round/>
+                      <a:headEnd type="none" w="med" len="med"/>
+                      <a:tailEnd type="none" w="med" len="med"/>
+                    </a:lnB>
+                  </a:tcPr>
+                </a:tc>
+                <a:tc>
+                  <a:txBody>
+                    <a:bodyPr/>
+                    <a:lstStyle/>
+                    <a:p>
+                      <a:pPr marL="0" indent="0"/>
+                      <a:endParaRPr lang="ko-KR" altLang="en-US" sz="1800" kern="1200">
+                        <a:latin typeface="맑은 고딕" charset="0"/>
+                        <a:ea typeface="맑은 고딕" charset="0"/>
+                      </a:endParaRPr>
+                    </a:p>
+                  </a:txBody>
+                  <a:tcPr marL="0" marR="0" marT="0" marB="0" anchor="ctr">
+                    <a:lnL w="0" cap="flat" cmpd="sng" algn="ctr">
+                      <a:noFill/>
+                      <a:prstDash/>
+                      <a:round/>
+                      <a:headEnd type="none" w="med" len="med"/>
+                      <a:tailEnd type="none" w="med" len="med"/>
+                    </a:lnL>
+                    <a:lnR w="0" cap="flat" cmpd="sng" algn="ctr">
+                      <a:noFill/>
+                      <a:prstDash/>
+                      <a:round/>
+                      <a:headEnd type="none" w="med" len="med"/>
+                      <a:tailEnd type="none" w="med" len="med"/>
+                    </a:lnR>
+                    <a:lnT w="0" cap="flat" cmpd="sng" algn="ctr">
+                      <a:noFill/>
+                      <a:prstDash/>
+                      <a:round/>
+                      <a:headEnd type="none" w="med" len="med"/>
+                      <a:tailEnd type="none" w="med" len="med"/>
+                    </a:lnT>
+                    <a:lnB w="0" cap="flat" cmpd="sng" algn="ctr">
+                      <a:noFill/>
+                      <a:prstDash/>
+                      <a:round/>
+                      <a:headEnd type="none" w="med" len="med"/>
+                      <a:tailEnd type="none" w="med" len="med"/>
+                    </a:lnB>
+                  </a:tcPr>
+                </a:tc>
+              </a:tr>
+              <a:tr h="276860">
+                <a:tc>
+                  <a:txBody>
+                    <a:bodyPr/>
+                    <a:lstStyle/>
+                    <a:p>
+                      <a:pPr marL="0" indent="0"/>
+                      <a:endParaRPr lang="ko-KR" altLang="en-US" sz="1800" kern="1200">
+                        <a:latin typeface="맑은 고딕" charset="0"/>
+                        <a:ea typeface="맑은 고딕" charset="0"/>
+                      </a:endParaRPr>
+                    </a:p>
+                  </a:txBody>
+                  <a:tcPr marL="0" marR="0" marT="0" marB="0" anchor="ctr">
+                    <a:lnL w="0" cap="flat" cmpd="sng" algn="ctr">
+                      <a:noFill/>
+                      <a:prstDash/>
+                      <a:round/>
+                      <a:headEnd type="none" w="med" len="med"/>
+                      <a:tailEnd type="none" w="med" len="med"/>
+                    </a:lnL>
+                    <a:lnR w="0" cap="flat" cmpd="sng" algn="ctr">
+                      <a:noFill/>
+                      <a:prstDash/>
+                      <a:round/>
+                      <a:headEnd type="none" w="med" len="med"/>
+                      <a:tailEnd type="none" w="med" len="med"/>
+                    </a:lnR>
+                    <a:lnT w="0" cap="flat" cmpd="sng" algn="ctr">
+                      <a:noFill/>
+                      <a:prstDash/>
+                      <a:round/>
+                      <a:headEnd type="none" w="med" len="med"/>
+                      <a:tailEnd type="none" w="med" len="med"/>
+                    </a:lnT>
+                    <a:lnB w="0" cap="flat" cmpd="sng" algn="ctr">
+                      <a:noFill/>
+                      <a:prstDash/>
+                      <a:round/>
+                      <a:headEnd type="none" w="med" len="med"/>
+                      <a:tailEnd type="none" w="med" len="med"/>
+                    </a:lnB>
+                  </a:tcPr>
+                </a:tc>
+                <a:tc>
+                  <a:txBody>
+                    <a:bodyPr/>
+                    <a:lstStyle/>
+                    <a:p>
+                      <a:pPr marL="0" indent="0"/>
+                      <a:endParaRPr lang="ko-KR" altLang="en-US" sz="1800" kern="1200">
+                        <a:latin typeface="맑은 고딕" charset="0"/>
+                        <a:ea typeface="맑은 고딕" charset="0"/>
+                      </a:endParaRPr>
+                    </a:p>
+                  </a:txBody>
+                  <a:tcPr marL="0" marR="0" marT="0" marB="0" anchor="ctr">
+                    <a:lnL w="0" cap="flat" cmpd="sng" algn="ctr">
+                      <a:noFill/>
+                      <a:prstDash/>
+                      <a:round/>
+                      <a:headEnd type="none" w="med" len="med"/>
+                      <a:tailEnd type="none" w="med" len="med"/>
+                    </a:lnL>
+                    <a:lnR w="0" cap="flat" cmpd="sng" algn="ctr">
+                      <a:noFill/>
+                      <a:prstDash/>
+                      <a:round/>
+                      <a:headEnd type="none" w="med" len="med"/>
+                      <a:tailEnd type="none" w="med" len="med"/>
+                    </a:lnR>
+                    <a:lnT w="0" cap="flat" cmpd="sng" algn="ctr">
+                      <a:noFill/>
+                      <a:prstDash/>
+                      <a:round/>
+                      <a:headEnd type="none" w="med" len="med"/>
+                      <a:tailEnd type="none" w="med" len="med"/>
+                    </a:lnT>
+                    <a:lnB w="0" cap="flat" cmpd="sng" algn="ctr">
+                      <a:noFill/>
+                      <a:prstDash/>
+                      <a:round/>
+                      <a:headEnd type="none" w="med" len="med"/>
+                      <a:tailEnd type="none" w="med" len="med"/>
+                    </a:lnB>
+                  </a:tcPr>
+                </a:tc>
+                <a:tc>
+                  <a:txBody>
+                    <a:bodyPr/>
+                    <a:lstStyle/>
+                    <a:p>
+                      <a:pPr marL="0" indent="0"/>
+                      <a:endParaRPr lang="ko-KR" altLang="en-US" sz="1800" kern="1200">
+                        <a:latin typeface="맑은 고딕" charset="0"/>
+                        <a:ea typeface="맑은 고딕" charset="0"/>
+                      </a:endParaRPr>
+                    </a:p>
+                  </a:txBody>
+                  <a:tcPr marL="0" marR="0" marT="0" marB="0" anchor="ctr">
+                    <a:lnL w="0" cap="flat" cmpd="sng" algn="ctr">
+                      <a:noFill/>
+                      <a:prstDash/>
+                      <a:round/>
+                      <a:headEnd type="none" w="med" len="med"/>
+                      <a:tailEnd type="none" w="med" len="med"/>
+                    </a:lnL>
+                    <a:lnR w="0" cap="flat" cmpd="sng" algn="ctr">
+                      <a:noFill/>
+                      <a:prstDash/>
+                      <a:round/>
+                      <a:headEnd type="none" w="med" len="med"/>
+                      <a:tailEnd type="none" w="med" len="med"/>
+                    </a:lnR>
+                    <a:lnT w="0" cap="flat" cmpd="sng" algn="ctr">
+                      <a:noFill/>
+                      <a:prstDash/>
+                      <a:round/>
+                      <a:headEnd type="none" w="med" len="med"/>
+                      <a:tailEnd type="none" w="med" len="med"/>
+                    </a:lnT>
+                    <a:lnB w="0" cap="flat" cmpd="sng" algn="ctr">
+                      <a:noFill/>
+                      <a:prstDash/>
+                      <a:round/>
+                      <a:headEnd type="none" w="med" len="med"/>
+                      <a:tailEnd type="none" w="med" len="med"/>
+                    </a:lnB>
+                  </a:tcPr>
+                </a:tc>
+                <a:tc>
+                  <a:txBody>
+                    <a:bodyPr/>
+                    <a:lstStyle/>
+                    <a:p>
+                      <a:pPr marL="0" indent="0"/>
+                      <a:endParaRPr lang="ko-KR" altLang="en-US" sz="1800" kern="1200">
+                        <a:latin typeface="맑은 고딕" charset="0"/>
+                        <a:ea typeface="맑은 고딕" charset="0"/>
+                      </a:endParaRPr>
+                    </a:p>
+                  </a:txBody>
+                  <a:tcPr marL="0" marR="0" marT="0" marB="0" anchor="ctr">
+                    <a:lnL w="0" cap="flat" cmpd="sng" algn="ctr">
+                      <a:noFill/>
+                      <a:prstDash/>
+                      <a:round/>
+                      <a:headEnd type="none" w="med" len="med"/>
+                      <a:tailEnd type="none" w="med" len="med"/>
+                    </a:lnL>
+                    <a:lnR w="0" cap="flat" cmpd="sng" algn="ctr">
+                      <a:noFill/>
+                      <a:prstDash/>
+                      <a:round/>
+                      <a:headEnd type="none" w="med" len="med"/>
+                      <a:tailEnd type="none" w="med" len="med"/>
+                    </a:lnR>
+                    <a:lnT w="0" cap="flat" cmpd="sng" algn="ctr">
+                      <a:noFill/>
+                      <a:prstDash/>
+                      <a:round/>
+                      <a:headEnd type="none" w="med" len="med"/>
+                      <a:tailEnd type="none" w="med" len="med"/>
+                    </a:lnT>
+                    <a:lnB w="0" cap="flat" cmpd="sng" algn="ctr">
+                      <a:noFill/>
+                      <a:prstDash/>
+                      <a:round/>
+                      <a:headEnd type="none" w="med" len="med"/>
+                      <a:tailEnd type="none" w="med" len="med"/>
+                    </a:lnB>
+                  </a:tcPr>
+                </a:tc>
+              </a:tr>
+            </a:tbl>
+          </a:graphicData>
+        </a:graphic>
+      </p:graphicFrame>
+      <p:sp>
+        <p:nvSpPr>
+          <p:cNvPr id="3" name="텍스트 상자 5"/>
+          <p:cNvSpPr txBox="1">
+            <a:spLocks/>
+          </p:cNvSpPr>
+          <p:nvPr/>
+        </p:nvSpPr>
+        <p:spPr>
+          <a:xfrm rot="0">
+            <a:off x="3810000" y="2286000"/>
+            <a:ext cx="4572635" cy="277495"/>
+          </a:xfrm>
+          <a:prstGeom prst="rect"/>
+          <a:noFill/>
+        </p:spPr>
+        <p:txBody>
+          <a:bodyPr wrap="square" lIns="0" tIns="0" rIns="0" bIns="0" vert="horz" anchor="t">
+            <a:spAutoFit/>
+          </a:bodyPr>
+          <a:lstStyle/>
+          <a:p>
+            <a:pPr marL="0" indent="0" algn="l" hangingPunct="1"/>
+            <a:r>
+              <a:rPr/>
+              <a:t> </a:t>
+            </a:r>
+            <a:endParaRPr lang="ko-KR" altLang="en-US" sz="1800">
+              <a:latin typeface="맑은 고딕" charset="0"/>
+              <a:ea typeface="맑은 고딕" charset="0"/>
+            </a:endParaRPr>
+          </a:p>
+        </p:txBody>
+      </p:sp>
+      <p:pic>
+        <p:nvPicPr>
+          <p:cNvPr id="4" name="그림 6" descr="C:/Users/INTEL 30/AppData/Roaming/PolarisOffice/ETemp/8552_17104296/fImage841638841.png"/>
+          <p:cNvPicPr>
+            <a:picLocks noChangeAspect="1"/>
+          </p:cNvPicPr>
+          <p:nvPr/>
+        </p:nvPicPr>
+        <p:blipFill rotWithShape="1">
+          <a:blip r:embed="rId2" cstate="print">
+            <a:extLst>
+              <a:ext uri="{28A0092B-C50C-407E-A947-70E740481C1C}">
+                <a14:useLocalDpi xmlns:a14="http://schemas.microsoft.com/office/drawing/2010/main" val="0"/>
+              </a:ext>
+            </a:extLst>
+          </a:blip>
+          <a:stretch>
+            <a:fillRect/>
+          </a:stretch>
+        </p:blipFill>
+        <p:spPr>
+          <a:xfrm rot="0">
+            <a:off x="6092190" y="1809750"/>
+            <a:ext cx="4524375" cy="2552700"/>
+          </a:xfrm>
+          <a:prstGeom prst="rect"/>
+          <a:noFill/>
+        </p:spPr>
+      </p:pic>
+    </p:spTree>
+  </p:cSld>
+  <p:clrMapOvr>
+    <a:masterClrMapping/>
+  </p:clrMapOvr>
+  <mc:AlternateContent xmlns:mc="http://schemas.openxmlformats.org/markup-compatibility/2006">
+    <mc:Choice xmlns:p14="http://schemas.microsoft.com/office/powerpoint/2010/main" Requires="p14">
+      <p:transition spd="slow" p14:dur="2000"/>
+    </mc:Choice>
+    <mc:Fallback>
+      <p:transition spd="slow"/>
+    </mc:Fallback>
+  </mc:AlternateContent>
+</p:sld>
+</file>
+
+<file path=ppt/slides/slide3.xml><?xml version="1.0" encoding="utf-8"?>
+<p:sld xmlns:a="http://schemas.openxmlformats.org/drawingml/2006/main" xmlns:r="http://schemas.openxmlformats.org/officeDocument/2006/relationships" xmlns:p="http://schemas.openxmlformats.org/presentationml/2006/main">
+  <p:cSld>
+    <p:spTree>
+      <p:nvGrpSpPr>
+        <p:cNvPr id="1" name=""/>
+        <p:cNvGrpSpPr/>
+        <p:nvPr/>
+      </p:nvGrpSpPr>
+      <p:grpSpPr>
+        <a:xfrm>
+          <a:off x="0" y="0"/>
+          <a:ext cx="0" cy="0"/>
+          <a:chOff x="0" y="0"/>
+          <a:chExt cx="0" cy="0"/>
+        </a:xfrm>
+      </p:grpSpPr>
+      <p:graphicFrame>
+        <p:nvGraphicFramePr>
+          <p:cNvPr id="2" name="표 13"/>
+          <p:cNvGraphicFramePr>
+            <a:graphicFrameLocks noGrp="1"/>
+          </p:cNvGraphicFramePr>
+          <p:nvPr/>
+        </p:nvGraphicFramePr>
+        <p:xfrm>
+          <a:off x="1131570" y="525145"/>
+          <a:ext cx="4428490" cy="5809615"/>
+        </p:xfrm>
+        <a:graphic>
+          <a:graphicData uri="http://schemas.openxmlformats.org/drawingml/2006/table">
+            <a:tbl>
+              <a:tblPr>
+                <a:tableStyleId>{00000000-0000-0000-0000-000000000000}</a:tableStyleId>
+              </a:tblPr>
+              <a:tblGrid>
+                <a:gridCol w="918845"/>
+                <a:gridCol w="1123315"/>
+                <a:gridCol w="1122680"/>
+                <a:gridCol w="1263650"/>
+              </a:tblGrid>
+              <a:tr h="276860">
+                <a:tc>
+                  <a:txBody>
+                    <a:bodyPr/>
+                    <a:lstStyle/>
+                    <a:p>
+                      <a:pPr marL="0" indent="0"/>
+                      <a:r>
+                        <a:rPr sz="1100" kern="1200">
+                          <a:solidFill>
+                            <a:srgbClr val="000000"/>
+                          </a:solidFill>
+                        </a:rPr>
+                        <a:t>ARD</a:t>
+                      </a:r>
+                      <a:endParaRPr lang="ko-KR" altLang="en-US" sz="1100" kern="1200">
+                        <a:solidFill>
+                          <a:srgbClr val="000000"/>
+                        </a:solidFill>
+                      </a:endParaRPr>
+                    </a:p>
+                  </a:txBody>
+                  <a:tcPr marL="0" marR="0" marT="0" marB="0" anchor="ctr">
+                    <a:lnL w="0" cap="flat" cmpd="sng" algn="ctr">
+                      <a:noFill/>
+                      <a:prstDash/>
+                      <a:round/>
+                      <a:headEnd type="none" w="med" len="med"/>
+                      <a:tailEnd type="none" w="med" len="med"/>
+                    </a:lnL>
+                    <a:lnR w="0" cap="flat" cmpd="sng" algn="ctr">
+                      <a:noFill/>
+                      <a:prstDash/>
+                      <a:round/>
+                      <a:headEnd type="none" w="med" len="med"/>
+                      <a:tailEnd type="none" w="med" len="med"/>
+                    </a:lnR>
+                    <a:lnT w="0" cap="flat" cmpd="sng" algn="ctr">
+                      <a:noFill/>
+                      <a:prstDash/>
+                      <a:round/>
+                      <a:headEnd type="none" w="med" len="med"/>
+                      <a:tailEnd type="none" w="med" len="med"/>
+                    </a:lnT>
+                    <a:lnB w="0" cap="flat" cmpd="sng" algn="ctr">
+                      <a:noFill/>
+                      <a:prstDash/>
+                      <a:round/>
+                      <a:headEnd type="none" w="med" len="med"/>
+                      <a:tailEnd type="none" w="med" len="med"/>
+                    </a:lnB>
+                  </a:tcPr>
+                </a:tc>
+                <a:tc>
+                  <a:txBody>
+                    <a:bodyPr/>
+                    <a:lstStyle/>
+                    <a:p>
+                      <a:pPr marL="0" indent="0"/>
+                      <a:endParaRPr lang="ko-KR" altLang="en-US" sz="1800" kern="1200">
+                        <a:latin typeface="맑은 고딕" charset="0"/>
+                        <a:ea typeface="맑은 고딕" charset="0"/>
+                      </a:endParaRPr>
+                    </a:p>
+                  </a:txBody>
+                  <a:tcPr marL="0" marR="0" marT="0" marB="0" anchor="ctr">
+                    <a:lnL w="0" cap="flat" cmpd="sng" algn="ctr">
+                      <a:noFill/>
+                      <a:prstDash/>
+                      <a:round/>
+                      <a:headEnd type="none" w="med" len="med"/>
+                      <a:tailEnd type="none" w="med" len="med"/>
+                    </a:lnL>
+                    <a:lnR w="0" cap="flat" cmpd="sng" algn="ctr">
+                      <a:noFill/>
+                      <a:prstDash/>
+                      <a:round/>
+                      <a:headEnd type="none" w="med" len="med"/>
+                      <a:tailEnd type="none" w="med" len="med"/>
+                    </a:lnR>
+                    <a:lnT w="0" cap="flat" cmpd="sng" algn="ctr">
+                      <a:noFill/>
+                      <a:prstDash/>
+                      <a:round/>
+                      <a:headEnd type="none" w="med" len="med"/>
+                      <a:tailEnd type="none" w="med" len="med"/>
+                    </a:lnT>
+                    <a:lnB w="0" cap="flat" cmpd="sng" algn="ctr">
+                      <a:noFill/>
+                      <a:prstDash/>
+                      <a:round/>
+                      <a:headEnd type="none" w="med" len="med"/>
+                      <a:tailEnd type="none" w="med" len="med"/>
+                    </a:lnB>
+                  </a:tcPr>
+                </a:tc>
+                <a:tc>
+                  <a:txBody>
+                    <a:bodyPr/>
+                    <a:lstStyle/>
+                    <a:p>
+                      <a:pPr marL="0" indent="0"/>
+                      <a:endParaRPr lang="ko-KR" altLang="en-US" sz="1800" kern="1200">
+                        <a:latin typeface="맑은 고딕" charset="0"/>
+                        <a:ea typeface="맑은 고딕" charset="0"/>
+                      </a:endParaRPr>
+                    </a:p>
+                  </a:txBody>
+                  <a:tcPr marL="0" marR="0" marT="0" marB="0" anchor="ctr">
+                    <a:lnL w="0" cap="flat" cmpd="sng" algn="ctr">
+                      <a:noFill/>
+                      <a:prstDash/>
+                      <a:round/>
+                      <a:headEnd type="none" w="med" len="med"/>
+                      <a:tailEnd type="none" w="med" len="med"/>
+                    </a:lnL>
+                    <a:lnR w="0" cap="flat" cmpd="sng" algn="ctr">
+                      <a:noFill/>
+                      <a:prstDash/>
+                      <a:round/>
+                      <a:headEnd type="none" w="med" len="med"/>
+                      <a:tailEnd type="none" w="med" len="med"/>
+                    </a:lnR>
+                    <a:lnT w="0" cap="flat" cmpd="sng" algn="ctr">
+                      <a:noFill/>
+                      <a:prstDash/>
+                      <a:round/>
+                      <a:headEnd type="none" w="med" len="med"/>
+                      <a:tailEnd type="none" w="med" len="med"/>
+                    </a:lnT>
+                    <a:lnB w="0" cap="flat" cmpd="sng" algn="ctr">
+                      <a:noFill/>
+                      <a:prstDash/>
+                      <a:round/>
+                      <a:headEnd type="none" w="med" len="med"/>
+                      <a:tailEnd type="none" w="med" len="med"/>
+                    </a:lnB>
+                  </a:tcPr>
+                </a:tc>
+                <a:tc>
+                  <a:txBody>
+                    <a:bodyPr/>
+                    <a:lstStyle/>
+                    <a:p>
+                      <a:pPr marL="0" indent="0"/>
+                      <a:endParaRPr lang="ko-KR" altLang="en-US" sz="1800" kern="1200">
+                        <a:latin typeface="맑은 고딕" charset="0"/>
+                        <a:ea typeface="맑은 고딕" charset="0"/>
+                      </a:endParaRPr>
+                    </a:p>
+                  </a:txBody>
+                  <a:tcPr marL="0" marR="0" marT="0" marB="0" anchor="ctr">
+                    <a:lnL w="0" cap="flat" cmpd="sng" algn="ctr">
+                      <a:noFill/>
+                      <a:prstDash/>
+                      <a:round/>
+                      <a:headEnd type="none" w="med" len="med"/>
+                      <a:tailEnd type="none" w="med" len="med"/>
+                    </a:lnL>
+                    <a:lnR w="0" cap="flat" cmpd="sng" algn="ctr">
+                      <a:noFill/>
+                      <a:prstDash/>
+                      <a:round/>
+                      <a:headEnd type="none" w="med" len="med"/>
+                      <a:tailEnd type="none" w="med" len="med"/>
+                    </a:lnR>
+                    <a:lnT w="0" cap="flat" cmpd="sng" algn="ctr">
+                      <a:noFill/>
+                      <a:prstDash/>
+                      <a:round/>
+                      <a:headEnd type="none" w="med" len="med"/>
+                      <a:tailEnd type="none" w="med" len="med"/>
+                    </a:lnT>
+                    <a:lnB w="0" cap="flat" cmpd="sng" algn="ctr">
+                      <a:noFill/>
+                      <a:prstDash/>
+                      <a:round/>
+                      <a:headEnd type="none" w="med" len="med"/>
+                      <a:tailEnd type="none" w="med" len="med"/>
+                    </a:lnB>
+                  </a:tcPr>
+                </a:tc>
+              </a:tr>
+              <a:tr h="174625">
+                <a:tc>
+                  <a:txBody>
+                    <a:bodyPr/>
+                    <a:lstStyle/>
+                    <a:p>
+                      <a:pPr marL="0" indent="0"/>
+                      <a:r>
+                        <a:rPr sz="1100" kern="1200">
+                          <a:solidFill>
+                            <a:srgbClr val="000000"/>
+                          </a:solidFill>
+                        </a:rPr>
+                        <a:t>인터페이스</a:t>
+                      </a:r>
+                      <a:endParaRPr lang="ko-KR" altLang="en-US" sz="1100" kern="1200">
+                        <a:solidFill>
+                          <a:srgbClr val="000000"/>
+                        </a:solidFill>
+                      </a:endParaRPr>
+                    </a:p>
+                  </a:txBody>
+                  <a:tcPr marL="0" marR="0" marT="0" marB="0" anchor="ctr">
+                    <a:lnL w="0" cap="flat" cmpd="sng" algn="ctr">
+                      <a:noFill/>
+                      <a:prstDash/>
+                      <a:round/>
+                      <a:headEnd type="none" w="med" len="med"/>
+                      <a:tailEnd type="none" w="med" len="med"/>
+                    </a:lnL>
+                    <a:lnR w="0" cap="flat" cmpd="sng" algn="ctr">
+                      <a:noFill/>
+                      <a:prstDash/>
+                      <a:round/>
+                      <a:headEnd type="none" w="med" len="med"/>
+                      <a:tailEnd type="none" w="med" len="med"/>
+                    </a:lnR>
+                    <a:lnT w="0" cap="flat" cmpd="sng" algn="ctr">
+                      <a:noFill/>
+                      <a:prstDash/>
+                      <a:round/>
+                      <a:headEnd type="none" w="med" len="med"/>
+                      <a:tailEnd type="none" w="med" len="med"/>
+                    </a:lnT>
+                    <a:lnB w="0" cap="flat" cmpd="sng" algn="ctr">
+                      <a:noFill/>
+                      <a:prstDash/>
+                      <a:round/>
+                      <a:headEnd type="none" w="med" len="med"/>
+                      <a:tailEnd type="none" w="med" len="med"/>
+                    </a:lnB>
+                  </a:tcPr>
+                </a:tc>
+                <a:tc>
+                  <a:txBody>
+                    <a:bodyPr/>
+                    <a:lstStyle/>
+                    <a:p>
+                      <a:pPr marL="0" indent="0"/>
+                      <a:r>
+                        <a:rPr sz="1100" kern="1200">
+                          <a:solidFill>
+                            <a:srgbClr val="000000"/>
+                          </a:solidFill>
+                        </a:rPr>
+                        <a:t>핀번호/포트명</a:t>
+                      </a:r>
+                      <a:endParaRPr lang="ko-KR" altLang="en-US" sz="1100" kern="1200">
+                        <a:solidFill>
+                          <a:srgbClr val="000000"/>
+                        </a:solidFill>
+                      </a:endParaRPr>
+                    </a:p>
+                  </a:txBody>
+                  <a:tcPr marL="0" marR="0" marT="0" marB="0" anchor="ctr">
+                    <a:lnL w="0" cap="flat" cmpd="sng" algn="ctr">
+                      <a:noFill/>
+                      <a:prstDash/>
+                      <a:round/>
+                      <a:headEnd type="none" w="med" len="med"/>
+                      <a:tailEnd type="none" w="med" len="med"/>
+                    </a:lnL>
+                    <a:lnR w="0" cap="flat" cmpd="sng" algn="ctr">
+                      <a:noFill/>
+                      <a:prstDash/>
+                      <a:round/>
+                      <a:headEnd type="none" w="med" len="med"/>
+                      <a:tailEnd type="none" w="med" len="med"/>
+                    </a:lnR>
+                    <a:lnT w="0" cap="flat" cmpd="sng" algn="ctr">
+                      <a:noFill/>
+                      <a:prstDash/>
+                      <a:round/>
+                      <a:headEnd type="none" w="med" len="med"/>
+                      <a:tailEnd type="none" w="med" len="med"/>
+                    </a:lnT>
+                    <a:lnB w="0" cap="flat" cmpd="sng" algn="ctr">
+                      <a:noFill/>
+                      <a:prstDash/>
+                      <a:round/>
+                      <a:headEnd type="none" w="med" len="med"/>
+                      <a:tailEnd type="none" w="med" len="med"/>
+                    </a:lnB>
+                  </a:tcPr>
+                </a:tc>
+                <a:tc>
+                  <a:txBody>
+                    <a:bodyPr/>
+                    <a:lstStyle/>
+                    <a:p>
+                      <a:pPr marL="0" indent="0"/>
+                      <a:r>
+                        <a:rPr sz="1100" kern="1200">
+                          <a:solidFill>
+                            <a:srgbClr val="000000"/>
+                          </a:solidFill>
+                        </a:rPr>
+                        <a:t>방향</a:t>
+                      </a:r>
+                      <a:endParaRPr lang="ko-KR" altLang="en-US" sz="1100" kern="1200">
+                        <a:solidFill>
+                          <a:srgbClr val="000000"/>
+                        </a:solidFill>
+                      </a:endParaRPr>
+                    </a:p>
+                  </a:txBody>
+                  <a:tcPr marL="0" marR="0" marT="0" marB="0" anchor="ctr">
+                    <a:lnL w="0" cap="flat" cmpd="sng" algn="ctr">
+                      <a:noFill/>
+                      <a:prstDash/>
+                      <a:round/>
+                      <a:headEnd type="none" w="med" len="med"/>
+                      <a:tailEnd type="none" w="med" len="med"/>
+                    </a:lnL>
+                    <a:lnR w="0" cap="flat" cmpd="sng" algn="ctr">
+                      <a:noFill/>
+                      <a:prstDash/>
+                      <a:round/>
+                      <a:headEnd type="none" w="med" len="med"/>
+                      <a:tailEnd type="none" w="med" len="med"/>
+                    </a:lnR>
+                    <a:lnT w="0" cap="flat" cmpd="sng" algn="ctr">
+                      <a:noFill/>
+                      <a:prstDash/>
+                      <a:round/>
+                      <a:headEnd type="none" w="med" len="med"/>
+                      <a:tailEnd type="none" w="med" len="med"/>
+                    </a:lnT>
+                    <a:lnB w="0" cap="flat" cmpd="sng" algn="ctr">
+                      <a:noFill/>
+                      <a:prstDash/>
+                      <a:round/>
+                      <a:headEnd type="none" w="med" len="med"/>
+                      <a:tailEnd type="none" w="med" len="med"/>
+                    </a:lnB>
+                  </a:tcPr>
+                </a:tc>
+                <a:tc>
+                  <a:txBody>
+                    <a:bodyPr/>
+                    <a:lstStyle/>
+                    <a:p>
+                      <a:pPr marL="0" indent="0"/>
+                      <a:r>
+                        <a:rPr sz="1100" kern="1200">
+                          <a:solidFill>
+                            <a:srgbClr val="000000"/>
+                          </a:solidFill>
+                        </a:rPr>
+                        <a:t>기능</a:t>
+                      </a:r>
+                      <a:endParaRPr lang="ko-KR" altLang="en-US" sz="1100" kern="1200">
+                        <a:solidFill>
+                          <a:srgbClr val="000000"/>
+                        </a:solidFill>
+                      </a:endParaRPr>
+                    </a:p>
+                  </a:txBody>
+                  <a:tcPr marL="0" marR="0" marT="0" marB="0" anchor="ctr">
+                    <a:lnL w="0" cap="flat" cmpd="sng" algn="ctr">
+                      <a:noFill/>
+                      <a:prstDash/>
+                      <a:round/>
+                      <a:headEnd type="none" w="med" len="med"/>
+                      <a:tailEnd type="none" w="med" len="med"/>
+                    </a:lnL>
+                    <a:lnR w="0" cap="flat" cmpd="sng" algn="ctr">
+                      <a:noFill/>
+                      <a:prstDash/>
+                      <a:round/>
+                      <a:headEnd type="none" w="med" len="med"/>
+                      <a:tailEnd type="none" w="med" len="med"/>
+                    </a:lnR>
+                    <a:lnT w="0" cap="flat" cmpd="sng" algn="ctr">
+                      <a:noFill/>
+                      <a:prstDash/>
+                      <a:round/>
+                      <a:headEnd type="none" w="med" len="med"/>
+                      <a:tailEnd type="none" w="med" len="med"/>
+                    </a:lnT>
+                    <a:lnB w="0" cap="flat" cmpd="sng" algn="ctr">
+                      <a:noFill/>
+                      <a:prstDash/>
+                      <a:round/>
+                      <a:headEnd type="none" w="med" len="med"/>
+                      <a:tailEnd type="none" w="med" len="med"/>
+                    </a:lnB>
+                  </a:tcPr>
+                </a:tc>
+              </a:tr>
+              <a:tr h="174625">
+                <a:tc>
+                  <a:txBody>
+                    <a:bodyPr/>
+                    <a:lstStyle/>
+                    <a:p>
+                      <a:pPr marL="0" indent="0"/>
+                      <a:r>
+                        <a:rPr sz="1100" kern="1200">
+                          <a:solidFill>
+                            <a:srgbClr val="000000"/>
+                          </a:solidFill>
+                        </a:rPr>
+                        <a:t>I2C SDA</a:t>
+                      </a:r>
+                      <a:endParaRPr lang="ko-KR" altLang="en-US" sz="1100" kern="1200">
+                        <a:solidFill>
+                          <a:srgbClr val="000000"/>
+                        </a:solidFill>
+                      </a:endParaRPr>
+                    </a:p>
+                  </a:txBody>
+                  <a:tcPr marL="0" marR="0" marT="0" marB="0" anchor="ctr">
+                    <a:lnL w="0" cap="flat" cmpd="sng" algn="ctr">
+                      <a:noFill/>
+                      <a:prstDash/>
+                      <a:round/>
+                      <a:headEnd type="none" w="med" len="med"/>
+                      <a:tailEnd type="none" w="med" len="med"/>
+                    </a:lnL>
+                    <a:lnR w="0" cap="flat" cmpd="sng" algn="ctr">
+                      <a:noFill/>
+                      <a:prstDash/>
+                      <a:round/>
+                      <a:headEnd type="none" w="med" len="med"/>
+                      <a:tailEnd type="none" w="med" len="med"/>
+                    </a:lnR>
+                    <a:lnT w="0" cap="flat" cmpd="sng" algn="ctr">
+                      <a:noFill/>
+                      <a:prstDash/>
+                      <a:round/>
+                      <a:headEnd type="none" w="med" len="med"/>
+                      <a:tailEnd type="none" w="med" len="med"/>
+                    </a:lnT>
+                    <a:lnB w="0" cap="flat" cmpd="sng" algn="ctr">
+                      <a:noFill/>
+                      <a:prstDash/>
+                      <a:round/>
+                      <a:headEnd type="none" w="med" len="med"/>
+                      <a:tailEnd type="none" w="med" len="med"/>
+                    </a:lnB>
+                  </a:tcPr>
+                </a:tc>
+                <a:tc>
+                  <a:txBody>
+                    <a:bodyPr/>
+                    <a:lstStyle/>
+                    <a:p>
+                      <a:pPr marL="0" indent="0"/>
+                      <a:r>
+                        <a:rPr sz="1100" kern="1200">
+                          <a:solidFill>
+                            <a:srgbClr val="000000"/>
+                          </a:solidFill>
+                        </a:rPr>
+                        <a:t>A4</a:t>
+                      </a:r>
+                      <a:endParaRPr lang="ko-KR" altLang="en-US" sz="1100" kern="1200">
+                        <a:solidFill>
+                          <a:srgbClr val="000000"/>
+                        </a:solidFill>
+                      </a:endParaRPr>
+                    </a:p>
+                  </a:txBody>
+                  <a:tcPr marL="0" marR="0" marT="0" marB="0" anchor="ctr">
+                    <a:lnL w="0" cap="flat" cmpd="sng" algn="ctr">
+                      <a:noFill/>
+                      <a:prstDash/>
+                      <a:round/>
+                      <a:headEnd type="none" w="med" len="med"/>
+                      <a:tailEnd type="none" w="med" len="med"/>
+                    </a:lnL>
+                    <a:lnR w="0" cap="flat" cmpd="sng" algn="ctr">
+                      <a:noFill/>
+                      <a:prstDash/>
+                      <a:round/>
+                      <a:headEnd type="none" w="med" len="med"/>
+                      <a:tailEnd type="none" w="med" len="med"/>
+                    </a:lnR>
+                    <a:lnT w="0" cap="flat" cmpd="sng" algn="ctr">
+                      <a:noFill/>
+                      <a:prstDash/>
+                      <a:round/>
+                      <a:headEnd type="none" w="med" len="med"/>
+                      <a:tailEnd type="none" w="med" len="med"/>
+                    </a:lnT>
+                    <a:lnB w="0" cap="flat" cmpd="sng" algn="ctr">
+                      <a:noFill/>
+                      <a:prstDash/>
+                      <a:round/>
+                      <a:headEnd type="none" w="med" len="med"/>
+                      <a:tailEnd type="none" w="med" len="med"/>
+                    </a:lnB>
+                  </a:tcPr>
+                </a:tc>
+                <a:tc>
+                  <a:txBody>
+                    <a:bodyPr/>
+                    <a:lstStyle/>
+                    <a:p>
+                      <a:pPr marL="0" indent="0"/>
+                      <a:r>
+                        <a:rPr sz="1100" kern="1200">
+                          <a:solidFill>
+                            <a:srgbClr val="000000"/>
+                          </a:solidFill>
+                        </a:rPr>
+                        <a:t>Input</a:t>
+                      </a:r>
+                      <a:endParaRPr lang="ko-KR" altLang="en-US" sz="1100" kern="1200">
+                        <a:solidFill>
+                          <a:srgbClr val="000000"/>
+                        </a:solidFill>
+                      </a:endParaRPr>
+                    </a:p>
+                  </a:txBody>
+                  <a:tcPr marL="0" marR="0" marT="0" marB="0" anchor="ctr">
+                    <a:lnL w="0" cap="flat" cmpd="sng" algn="ctr">
+                      <a:noFill/>
+                      <a:prstDash/>
+                      <a:round/>
+                      <a:headEnd type="none" w="med" len="med"/>
+                      <a:tailEnd type="none" w="med" len="med"/>
+                    </a:lnL>
+                    <a:lnR w="0" cap="flat" cmpd="sng" algn="ctr">
+                      <a:noFill/>
+                      <a:prstDash/>
+                      <a:round/>
+                      <a:headEnd type="none" w="med" len="med"/>
+                      <a:tailEnd type="none" w="med" len="med"/>
+                    </a:lnR>
+                    <a:lnT w="0" cap="flat" cmpd="sng" algn="ctr">
+                      <a:noFill/>
+                      <a:prstDash/>
+                      <a:round/>
+                      <a:headEnd type="none" w="med" len="med"/>
+                      <a:tailEnd type="none" w="med" len="med"/>
+                    </a:lnT>
+                    <a:lnB w="0" cap="flat" cmpd="sng" algn="ctr">
+                      <a:noFill/>
+                      <a:prstDash/>
+                      <a:round/>
+                      <a:headEnd type="none" w="med" len="med"/>
+                      <a:tailEnd type="none" w="med" len="med"/>
+                    </a:lnB>
+                  </a:tcPr>
+                </a:tc>
+                <a:tc>
+                  <a:txBody>
+                    <a:bodyPr/>
+                    <a:lstStyle/>
+                    <a:p>
+                      <a:pPr marL="0" indent="0"/>
+                      <a:r>
+                        <a:rPr sz="1100" kern="1200">
+                          <a:solidFill>
+                            <a:srgbClr val="000000"/>
+                          </a:solidFill>
+                        </a:rPr>
+                        <a:t>LCD 데이터</a:t>
+                      </a:r>
+                      <a:endParaRPr lang="ko-KR" altLang="en-US" sz="1100" kern="1200">
+                        <a:solidFill>
+                          <a:srgbClr val="000000"/>
+                        </a:solidFill>
+                      </a:endParaRPr>
+                    </a:p>
+                  </a:txBody>
+                  <a:tcPr marL="0" marR="0" marT="0" marB="0" anchor="ctr">
+                    <a:lnL w="0" cap="flat" cmpd="sng" algn="ctr">
+                      <a:noFill/>
+                      <a:prstDash/>
+                      <a:round/>
+                      <a:headEnd type="none" w="med" len="med"/>
+                      <a:tailEnd type="none" w="med" len="med"/>
+                    </a:lnL>
+                    <a:lnR w="0" cap="flat" cmpd="sng" algn="ctr">
+                      <a:noFill/>
+                      <a:prstDash/>
+                      <a:round/>
+                      <a:headEnd type="none" w="med" len="med"/>
+                      <a:tailEnd type="none" w="med" len="med"/>
+                    </a:lnR>
+                    <a:lnT w="0" cap="flat" cmpd="sng" algn="ctr">
+                      <a:noFill/>
+                      <a:prstDash/>
+                      <a:round/>
+                      <a:headEnd type="none" w="med" len="med"/>
+                      <a:tailEnd type="none" w="med" len="med"/>
+                    </a:lnT>
+                    <a:lnB w="0" cap="flat" cmpd="sng" algn="ctr">
+                      <a:noFill/>
+                      <a:prstDash/>
+                      <a:round/>
+                      <a:headEnd type="none" w="med" len="med"/>
+                      <a:tailEnd type="none" w="med" len="med"/>
+                    </a:lnB>
+                  </a:tcPr>
+                </a:tc>
+              </a:tr>
+              <a:tr h="174625">
+                <a:tc>
+                  <a:txBody>
+                    <a:bodyPr/>
+                    <a:lstStyle/>
+                    <a:p>
+                      <a:pPr marL="0" indent="0"/>
+                      <a:r>
+                        <a:rPr sz="1100" kern="1200">
+                          <a:solidFill>
+                            <a:srgbClr val="000000"/>
+                          </a:solidFill>
+                        </a:rPr>
+                        <a:t>I2C SDL</a:t>
+                      </a:r>
+                      <a:endParaRPr lang="ko-KR" altLang="en-US" sz="1100" kern="1200">
+                        <a:solidFill>
+                          <a:srgbClr val="000000"/>
+                        </a:solidFill>
+                      </a:endParaRPr>
+                    </a:p>
+                  </a:txBody>
+                  <a:tcPr marL="0" marR="0" marT="0" marB="0" anchor="ctr">
+                    <a:lnL w="0" cap="flat" cmpd="sng" algn="ctr">
+                      <a:noFill/>
+                      <a:prstDash/>
+                      <a:round/>
+                      <a:headEnd type="none" w="med" len="med"/>
+                      <a:tailEnd type="none" w="med" len="med"/>
+                    </a:lnL>
+                    <a:lnR w="0" cap="flat" cmpd="sng" algn="ctr">
+                      <a:noFill/>
+                      <a:prstDash/>
+                      <a:round/>
+                      <a:headEnd type="none" w="med" len="med"/>
+                      <a:tailEnd type="none" w="med" len="med"/>
+                    </a:lnR>
+                    <a:lnT w="0" cap="flat" cmpd="sng" algn="ctr">
+                      <a:noFill/>
+                      <a:prstDash/>
+                      <a:round/>
+                      <a:headEnd type="none" w="med" len="med"/>
+                      <a:tailEnd type="none" w="med" len="med"/>
+                    </a:lnT>
+                    <a:lnB w="0" cap="flat" cmpd="sng" algn="ctr">
+                      <a:noFill/>
+                      <a:prstDash/>
+                      <a:round/>
+                      <a:headEnd type="none" w="med" len="med"/>
+                      <a:tailEnd type="none" w="med" len="med"/>
+                    </a:lnB>
+                  </a:tcPr>
+                </a:tc>
+                <a:tc>
+                  <a:txBody>
+                    <a:bodyPr/>
+                    <a:lstStyle/>
+                    <a:p>
+                      <a:pPr marL="0" indent="0"/>
+                      <a:r>
+                        <a:rPr sz="1100" kern="1200">
+                          <a:solidFill>
+                            <a:srgbClr val="000000"/>
+                          </a:solidFill>
+                        </a:rPr>
+                        <a:t>A5</a:t>
+                      </a:r>
+                      <a:endParaRPr lang="ko-KR" altLang="en-US" sz="1100" kern="1200">
+                        <a:solidFill>
+                          <a:srgbClr val="000000"/>
+                        </a:solidFill>
+                      </a:endParaRPr>
+                    </a:p>
+                  </a:txBody>
+                  <a:tcPr marL="0" marR="0" marT="0" marB="0" anchor="ctr">
+                    <a:lnL w="0" cap="flat" cmpd="sng" algn="ctr">
+                      <a:noFill/>
+                      <a:prstDash/>
+                      <a:round/>
+                      <a:headEnd type="none" w="med" len="med"/>
+                      <a:tailEnd type="none" w="med" len="med"/>
+                    </a:lnL>
+                    <a:lnR w="0" cap="flat" cmpd="sng" algn="ctr">
+                      <a:noFill/>
+                      <a:prstDash/>
+                      <a:round/>
+                      <a:headEnd type="none" w="med" len="med"/>
+                      <a:tailEnd type="none" w="med" len="med"/>
+                    </a:lnR>
+                    <a:lnT w="0" cap="flat" cmpd="sng" algn="ctr">
+                      <a:noFill/>
+                      <a:prstDash/>
+                      <a:round/>
+                      <a:headEnd type="none" w="med" len="med"/>
+                      <a:tailEnd type="none" w="med" len="med"/>
+                    </a:lnT>
+                    <a:lnB w="0" cap="flat" cmpd="sng" algn="ctr">
+                      <a:noFill/>
+                      <a:prstDash/>
+                      <a:round/>
+                      <a:headEnd type="none" w="med" len="med"/>
+                      <a:tailEnd type="none" w="med" len="med"/>
+                    </a:lnB>
+                  </a:tcPr>
+                </a:tc>
+                <a:tc>
+                  <a:txBody>
+                    <a:bodyPr/>
+                    <a:lstStyle/>
+                    <a:p>
+                      <a:pPr marL="0" indent="0"/>
+                      <a:r>
+                        <a:rPr sz="1100" kern="1200">
+                          <a:solidFill>
+                            <a:srgbClr val="000000"/>
+                          </a:solidFill>
+                        </a:rPr>
+                        <a:t>Input</a:t>
+                      </a:r>
+                      <a:endParaRPr lang="ko-KR" altLang="en-US" sz="1100" kern="1200">
+                        <a:solidFill>
+                          <a:srgbClr val="000000"/>
+                        </a:solidFill>
+                      </a:endParaRPr>
+                    </a:p>
+                  </a:txBody>
+                  <a:tcPr marL="0" marR="0" marT="0" marB="0" anchor="ctr">
+                    <a:lnL w="0" cap="flat" cmpd="sng" algn="ctr">
+                      <a:noFill/>
+                      <a:prstDash/>
+                      <a:round/>
+                      <a:headEnd type="none" w="med" len="med"/>
+                      <a:tailEnd type="none" w="med" len="med"/>
+                    </a:lnL>
+                    <a:lnR w="0" cap="flat" cmpd="sng" algn="ctr">
+                      <a:noFill/>
+                      <a:prstDash/>
+                      <a:round/>
+                      <a:headEnd type="none" w="med" len="med"/>
+                      <a:tailEnd type="none" w="med" len="med"/>
+                    </a:lnR>
+                    <a:lnT w="0" cap="flat" cmpd="sng" algn="ctr">
+                      <a:noFill/>
+                      <a:prstDash/>
+                      <a:round/>
+                      <a:headEnd type="none" w="med" len="med"/>
+                      <a:tailEnd type="none" w="med" len="med"/>
+                    </a:lnT>
+                    <a:lnB w="0" cap="flat" cmpd="sng" algn="ctr">
+                      <a:noFill/>
+                      <a:prstDash/>
+                      <a:round/>
+                      <a:headEnd type="none" w="med" len="med"/>
+                      <a:tailEnd type="none" w="med" len="med"/>
+                    </a:lnB>
+                  </a:tcPr>
+                </a:tc>
+                <a:tc>
+                  <a:txBody>
+                    <a:bodyPr/>
+                    <a:lstStyle/>
+                    <a:p>
+                      <a:pPr marL="0" indent="0"/>
+                      <a:r>
+                        <a:rPr sz="1100" kern="1200">
+                          <a:solidFill>
+                            <a:srgbClr val="000000"/>
+                          </a:solidFill>
+                        </a:rPr>
+                        <a:t>LCD 클럭</a:t>
+                      </a:r>
+                      <a:endParaRPr lang="ko-KR" altLang="en-US" sz="1100" kern="1200">
+                        <a:solidFill>
+                          <a:srgbClr val="000000"/>
+                        </a:solidFill>
+                      </a:endParaRPr>
+                    </a:p>
+                  </a:txBody>
+                  <a:tcPr marL="0" marR="0" marT="0" marB="0" anchor="ctr">
+                    <a:lnL w="0" cap="flat" cmpd="sng" algn="ctr">
+                      <a:noFill/>
+                      <a:prstDash/>
+                      <a:round/>
+                      <a:headEnd type="none" w="med" len="med"/>
+                      <a:tailEnd type="none" w="med" len="med"/>
+                    </a:lnL>
+                    <a:lnR w="0" cap="flat" cmpd="sng" algn="ctr">
+                      <a:noFill/>
+                      <a:prstDash/>
+                      <a:round/>
+                      <a:headEnd type="none" w="med" len="med"/>
+                      <a:tailEnd type="none" w="med" len="med"/>
+                    </a:lnR>
+                    <a:lnT w="0" cap="flat" cmpd="sng" algn="ctr">
+                      <a:noFill/>
+                      <a:prstDash/>
+                      <a:round/>
+                      <a:headEnd type="none" w="med" len="med"/>
+                      <a:tailEnd type="none" w="med" len="med"/>
+                    </a:lnT>
+                    <a:lnB w="0" cap="flat" cmpd="sng" algn="ctr">
+                      <a:noFill/>
+                      <a:prstDash/>
+                      <a:round/>
+                      <a:headEnd type="none" w="med" len="med"/>
+                      <a:tailEnd type="none" w="med" len="med"/>
+                    </a:lnB>
+                  </a:tcPr>
+                </a:tc>
+              </a:tr>
+              <a:tr h="174625">
+                <a:tc>
+                  <a:txBody>
+                    <a:bodyPr/>
+                    <a:lstStyle/>
+                    <a:p>
+                      <a:pPr marL="0" indent="0"/>
+                      <a:r>
+                        <a:rPr sz="1100" kern="1200">
+                          <a:solidFill>
+                            <a:srgbClr val="000000"/>
+                          </a:solidFill>
+                        </a:rPr>
+                        <a:t>BLE RX</a:t>
+                      </a:r>
+                      <a:endParaRPr lang="ko-KR" altLang="en-US" sz="1100" kern="1200">
+                        <a:solidFill>
+                          <a:srgbClr val="000000"/>
+                        </a:solidFill>
+                      </a:endParaRPr>
+                    </a:p>
+                  </a:txBody>
+                  <a:tcPr marL="0" marR="0" marT="0" marB="0" anchor="ctr">
+                    <a:lnL w="0" cap="flat" cmpd="sng" algn="ctr">
+                      <a:noFill/>
+                      <a:prstDash/>
+                      <a:round/>
+                      <a:headEnd type="none" w="med" len="med"/>
+                      <a:tailEnd type="none" w="med" len="med"/>
+                    </a:lnL>
+                    <a:lnR w="0" cap="flat" cmpd="sng" algn="ctr">
+                      <a:noFill/>
+                      <a:prstDash/>
+                      <a:round/>
+                      <a:headEnd type="none" w="med" len="med"/>
+                      <a:tailEnd type="none" w="med" len="med"/>
+                    </a:lnR>
+                    <a:lnT w="0" cap="flat" cmpd="sng" algn="ctr">
+                      <a:noFill/>
+                      <a:prstDash/>
+                      <a:round/>
+                      <a:headEnd type="none" w="med" len="med"/>
+                      <a:tailEnd type="none" w="med" len="med"/>
+                    </a:lnT>
+                    <a:lnB w="0" cap="flat" cmpd="sng" algn="ctr">
+                      <a:noFill/>
+                      <a:prstDash/>
+                      <a:round/>
+                      <a:headEnd type="none" w="med" len="med"/>
+                      <a:tailEnd type="none" w="med" len="med"/>
+                    </a:lnB>
+                  </a:tcPr>
+                </a:tc>
+                <a:tc>
+                  <a:txBody>
+                    <a:bodyPr/>
+                    <a:lstStyle/>
+                    <a:p>
+                      <a:pPr marL="0" indent="0" algn="l"/>
+                      <a:r>
+                        <a:rPr sz="1100" kern="1200">
+                          <a:solidFill>
+                            <a:srgbClr val="000000"/>
+                          </a:solidFill>
+                        </a:rPr>
+                        <a:t>10</a:t>
+                      </a:r>
+                      <a:endParaRPr lang="ko-KR" altLang="en-US" sz="1100" kern="1200">
+                        <a:solidFill>
+                          <a:srgbClr val="000000"/>
+                        </a:solidFill>
+                      </a:endParaRPr>
+                    </a:p>
+                  </a:txBody>
+                  <a:tcPr marL="0" marR="0" marT="0" marB="0" anchor="ctr">
+                    <a:lnL w="0" cap="flat" cmpd="sng" algn="ctr">
+                      <a:noFill/>
+                      <a:prstDash/>
+                      <a:round/>
+                      <a:headEnd type="none" w="med" len="med"/>
+                      <a:tailEnd type="none" w="med" len="med"/>
+                    </a:lnL>
+                    <a:lnR w="0" cap="flat" cmpd="sng" algn="ctr">
+                      <a:noFill/>
+                      <a:prstDash/>
+                      <a:round/>
+                      <a:headEnd type="none" w="med" len="med"/>
+                      <a:tailEnd type="none" w="med" len="med"/>
+                    </a:lnR>
+                    <a:lnT w="0" cap="flat" cmpd="sng" algn="ctr">
+                      <a:noFill/>
+                      <a:prstDash/>
+                      <a:round/>
+                      <a:headEnd type="none" w="med" len="med"/>
+                      <a:tailEnd type="none" w="med" len="med"/>
+                    </a:lnT>
+                    <a:lnB w="0" cap="flat" cmpd="sng" algn="ctr">
+                      <a:noFill/>
+                      <a:prstDash/>
+                      <a:round/>
+                      <a:headEnd type="none" w="med" len="med"/>
+                      <a:tailEnd type="none" w="med" len="med"/>
+                    </a:lnB>
+                  </a:tcPr>
+                </a:tc>
+                <a:tc>
+                  <a:txBody>
+                    <a:bodyPr/>
+                    <a:lstStyle/>
+                    <a:p>
+                      <a:pPr marL="0" indent="0"/>
+                      <a:r>
+                        <a:rPr sz="1100" kern="1200">
+                          <a:solidFill>
+                            <a:srgbClr val="000000"/>
+                          </a:solidFill>
+                        </a:rPr>
+                        <a:t>Input</a:t>
+                      </a:r>
+                      <a:endParaRPr lang="ko-KR" altLang="en-US" sz="1100" kern="1200">
+                        <a:solidFill>
+                          <a:srgbClr val="000000"/>
+                        </a:solidFill>
+                      </a:endParaRPr>
+                    </a:p>
+                  </a:txBody>
+                  <a:tcPr marL="0" marR="0" marT="0" marB="0" anchor="ctr">
+                    <a:lnL w="0" cap="flat" cmpd="sng" algn="ctr">
+                      <a:noFill/>
+                      <a:prstDash/>
+                      <a:round/>
+                      <a:headEnd type="none" w="med" len="med"/>
+                      <a:tailEnd type="none" w="med" len="med"/>
+                    </a:lnL>
+                    <a:lnR w="0" cap="flat" cmpd="sng" algn="ctr">
+                      <a:noFill/>
+                      <a:prstDash/>
+                      <a:round/>
+                      <a:headEnd type="none" w="med" len="med"/>
+                      <a:tailEnd type="none" w="med" len="med"/>
+                    </a:lnR>
+                    <a:lnT w="0" cap="flat" cmpd="sng" algn="ctr">
+                      <a:noFill/>
+                      <a:prstDash/>
+                      <a:round/>
+                      <a:headEnd type="none" w="med" len="med"/>
+                      <a:tailEnd type="none" w="med" len="med"/>
+                    </a:lnT>
+                    <a:lnB w="0" cap="flat" cmpd="sng" algn="ctr">
+                      <a:noFill/>
+                      <a:prstDash/>
+                      <a:round/>
+                      <a:headEnd type="none" w="med" len="med"/>
+                      <a:tailEnd type="none" w="med" len="med"/>
+                    </a:lnB>
+                  </a:tcPr>
+                </a:tc>
+                <a:tc>
+                  <a:txBody>
+                    <a:bodyPr/>
+                    <a:lstStyle/>
+                    <a:p>
+                      <a:pPr marL="0" indent="0"/>
+                      <a:r>
+                        <a:rPr sz="1100" kern="1200">
+                          <a:solidFill>
+                            <a:srgbClr val="000000"/>
+                          </a:solidFill>
+                        </a:rPr>
+                        <a:t>블루투스 수신</a:t>
+                      </a:r>
+                      <a:endParaRPr lang="ko-KR" altLang="en-US" sz="1100" kern="1200">
+                        <a:solidFill>
+                          <a:srgbClr val="000000"/>
+                        </a:solidFill>
+                      </a:endParaRPr>
+                    </a:p>
+                  </a:txBody>
+                  <a:tcPr marL="0" marR="0" marT="0" marB="0" anchor="ctr">
+                    <a:lnL w="0" cap="flat" cmpd="sng" algn="ctr">
+                      <a:noFill/>
+                      <a:prstDash/>
+                      <a:round/>
+                      <a:headEnd type="none" w="med" len="med"/>
+                      <a:tailEnd type="none" w="med" len="med"/>
+                    </a:lnL>
+                    <a:lnR w="0" cap="flat" cmpd="sng" algn="ctr">
+                      <a:noFill/>
+                      <a:prstDash/>
+                      <a:round/>
+                      <a:headEnd type="none" w="med" len="med"/>
+                      <a:tailEnd type="none" w="med" len="med"/>
+                    </a:lnR>
+                    <a:lnT w="0" cap="flat" cmpd="sng" algn="ctr">
+                      <a:noFill/>
+                      <a:prstDash/>
+                      <a:round/>
+                      <a:headEnd type="none" w="med" len="med"/>
+                      <a:tailEnd type="none" w="med" len="med"/>
+                    </a:lnT>
+                    <a:lnB w="0" cap="flat" cmpd="sng" algn="ctr">
+                      <a:noFill/>
+                      <a:prstDash/>
+                      <a:round/>
+                      <a:headEnd type="none" w="med" len="med"/>
+                      <a:tailEnd type="none" w="med" len="med"/>
+                    </a:lnB>
+                  </a:tcPr>
+                </a:tc>
+              </a:tr>
+              <a:tr h="174625">
+                <a:tc>
+                  <a:txBody>
+                    <a:bodyPr/>
+                    <a:lstStyle/>
+                    <a:p>
+                      <a:pPr marL="0" indent="0"/>
+                      <a:r>
+                        <a:rPr sz="1100" kern="1200">
+                          <a:solidFill>
+                            <a:srgbClr val="000000"/>
+                          </a:solidFill>
+                        </a:rPr>
+                        <a:t>BLE TX</a:t>
+                      </a:r>
+                      <a:endParaRPr lang="ko-KR" altLang="en-US" sz="1100" kern="1200">
+                        <a:solidFill>
+                          <a:srgbClr val="000000"/>
+                        </a:solidFill>
+                      </a:endParaRPr>
+                    </a:p>
+                  </a:txBody>
+                  <a:tcPr marL="0" marR="0" marT="0" marB="0" anchor="ctr">
+                    <a:lnL w="0" cap="flat" cmpd="sng" algn="ctr">
+                      <a:noFill/>
+                      <a:prstDash/>
+                      <a:round/>
+                      <a:headEnd type="none" w="med" len="med"/>
+                      <a:tailEnd type="none" w="med" len="med"/>
+                    </a:lnL>
+                    <a:lnR w="0" cap="flat" cmpd="sng" algn="ctr">
+                      <a:noFill/>
+                      <a:prstDash/>
+                      <a:round/>
+                      <a:headEnd type="none" w="med" len="med"/>
+                      <a:tailEnd type="none" w="med" len="med"/>
+                    </a:lnR>
+                    <a:lnT w="0" cap="flat" cmpd="sng" algn="ctr">
+                      <a:noFill/>
+                      <a:prstDash/>
+                      <a:round/>
+                      <a:headEnd type="none" w="med" len="med"/>
+                      <a:tailEnd type="none" w="med" len="med"/>
+                    </a:lnT>
+                    <a:lnB w="0" cap="flat" cmpd="sng" algn="ctr">
+                      <a:noFill/>
+                      <a:prstDash/>
+                      <a:round/>
+                      <a:headEnd type="none" w="med" len="med"/>
+                      <a:tailEnd type="none" w="med" len="med"/>
+                    </a:lnB>
+                  </a:tcPr>
+                </a:tc>
+                <a:tc>
+                  <a:txBody>
+                    <a:bodyPr/>
+                    <a:lstStyle/>
+                    <a:p>
+                      <a:pPr marL="0" indent="0" algn="l"/>
+                      <a:r>
+                        <a:rPr sz="1100" kern="1200">
+                          <a:solidFill>
+                            <a:srgbClr val="000000"/>
+                          </a:solidFill>
+                        </a:rPr>
+                        <a:t>11</a:t>
+                      </a:r>
+                      <a:endParaRPr lang="ko-KR" altLang="en-US" sz="1100" kern="1200">
+                        <a:solidFill>
+                          <a:srgbClr val="000000"/>
+                        </a:solidFill>
+                      </a:endParaRPr>
+                    </a:p>
+                  </a:txBody>
+                  <a:tcPr marL="0" marR="0" marT="0" marB="0" anchor="ctr">
+                    <a:lnL w="0" cap="flat" cmpd="sng" algn="ctr">
+                      <a:noFill/>
+                      <a:prstDash/>
+                      <a:round/>
+                      <a:headEnd type="none" w="med" len="med"/>
+                      <a:tailEnd type="none" w="med" len="med"/>
+                    </a:lnL>
+                    <a:lnR w="0" cap="flat" cmpd="sng" algn="ctr">
+                      <a:noFill/>
+                      <a:prstDash/>
+                      <a:round/>
+                      <a:headEnd type="none" w="med" len="med"/>
+                      <a:tailEnd type="none" w="med" len="med"/>
+                    </a:lnR>
+                    <a:lnT w="0" cap="flat" cmpd="sng" algn="ctr">
+                      <a:noFill/>
+                      <a:prstDash/>
+                      <a:round/>
+                      <a:headEnd type="none" w="med" len="med"/>
+                      <a:tailEnd type="none" w="med" len="med"/>
+                    </a:lnT>
+                    <a:lnB w="0" cap="flat" cmpd="sng" algn="ctr">
+                      <a:noFill/>
+                      <a:prstDash/>
+                      <a:round/>
+                      <a:headEnd type="none" w="med" len="med"/>
+                      <a:tailEnd type="none" w="med" len="med"/>
+                    </a:lnB>
+                  </a:tcPr>
+                </a:tc>
+                <a:tc>
+                  <a:txBody>
+                    <a:bodyPr/>
+                    <a:lstStyle/>
+                    <a:p>
+                      <a:pPr marL="0" indent="0"/>
+                      <a:r>
+                        <a:rPr sz="1100" kern="1200">
+                          <a:solidFill>
+                            <a:srgbClr val="000000"/>
+                          </a:solidFill>
+                        </a:rPr>
+                        <a:t>Output</a:t>
+                      </a:r>
+                      <a:endParaRPr lang="ko-KR" altLang="en-US" sz="1100" kern="1200">
+                        <a:solidFill>
+                          <a:srgbClr val="000000"/>
+                        </a:solidFill>
+                      </a:endParaRPr>
+                    </a:p>
+                  </a:txBody>
+                  <a:tcPr marL="0" marR="0" marT="0" marB="0" anchor="ctr">
+                    <a:lnL w="0" cap="flat" cmpd="sng" algn="ctr">
+                      <a:noFill/>
+                      <a:prstDash/>
+                      <a:round/>
+                      <a:headEnd type="none" w="med" len="med"/>
+                      <a:tailEnd type="none" w="med" len="med"/>
+                    </a:lnL>
+                    <a:lnR w="0" cap="flat" cmpd="sng" algn="ctr">
+                      <a:noFill/>
+                      <a:prstDash/>
+                      <a:round/>
+                      <a:headEnd type="none" w="med" len="med"/>
+                      <a:tailEnd type="none" w="med" len="med"/>
+                    </a:lnR>
+                    <a:lnT w="0" cap="flat" cmpd="sng" algn="ctr">
+                      <a:noFill/>
+                      <a:prstDash/>
+                      <a:round/>
+                      <a:headEnd type="none" w="med" len="med"/>
+                      <a:tailEnd type="none" w="med" len="med"/>
+                    </a:lnT>
+                    <a:lnB w="0" cap="flat" cmpd="sng" algn="ctr">
+                      <a:noFill/>
+                      <a:prstDash/>
+                      <a:round/>
+                      <a:headEnd type="none" w="med" len="med"/>
+                      <a:tailEnd type="none" w="med" len="med"/>
+                    </a:lnB>
+                  </a:tcPr>
+                </a:tc>
+                <a:tc>
+                  <a:txBody>
+                    <a:bodyPr/>
+                    <a:lstStyle/>
+                    <a:p>
+                      <a:pPr marL="0" indent="0"/>
+                      <a:r>
+                        <a:rPr sz="1100" kern="1200">
+                          <a:solidFill>
+                            <a:srgbClr val="000000"/>
+                          </a:solidFill>
+                        </a:rPr>
+                        <a:t>블루투스 송신</a:t>
+                      </a:r>
+                      <a:endParaRPr lang="ko-KR" altLang="en-US" sz="1100" kern="1200">
+                        <a:solidFill>
+                          <a:srgbClr val="000000"/>
+                        </a:solidFill>
+                      </a:endParaRPr>
+                    </a:p>
+                  </a:txBody>
+                  <a:tcPr marL="0" marR="0" marT="0" marB="0" anchor="ctr">
+                    <a:lnL w="0" cap="flat" cmpd="sng" algn="ctr">
+                      <a:noFill/>
+                      <a:prstDash/>
+                      <a:round/>
+                      <a:headEnd type="none" w="med" len="med"/>
+                      <a:tailEnd type="none" w="med" len="med"/>
+                    </a:lnL>
+                    <a:lnR w="0" cap="flat" cmpd="sng" algn="ctr">
+                      <a:noFill/>
+                      <a:prstDash/>
+                      <a:round/>
+                      <a:headEnd type="none" w="med" len="med"/>
+                      <a:tailEnd type="none" w="med" len="med"/>
+                    </a:lnR>
+                    <a:lnT w="0" cap="flat" cmpd="sng" algn="ctr">
+                      <a:noFill/>
+                      <a:prstDash/>
+                      <a:round/>
+                      <a:headEnd type="none" w="med" len="med"/>
+                      <a:tailEnd type="none" w="med" len="med"/>
+                    </a:lnT>
+                    <a:lnB w="0" cap="flat" cmpd="sng" algn="ctr">
+                      <a:noFill/>
+                      <a:prstDash/>
+                      <a:round/>
+                      <a:headEnd type="none" w="med" len="med"/>
+                      <a:tailEnd type="none" w="med" len="med"/>
+                    </a:lnB>
+                  </a:tcPr>
+                </a:tc>
+              </a:tr>
+              <a:tr h="174625">
+                <a:tc>
+                  <a:txBody>
+                    <a:bodyPr/>
+                    <a:lstStyle/>
+                    <a:p>
+                      <a:pPr marL="0" indent="0"/>
+                      <a:r>
+                        <a:rPr sz="1100" kern="1200">
+                          <a:solidFill>
+                            <a:srgbClr val="000000"/>
+                          </a:solidFill>
+                        </a:rPr>
+                        <a:t>JOY VRX</a:t>
+                      </a:r>
+                      <a:endParaRPr lang="ko-KR" altLang="en-US" sz="1100" kern="1200">
+                        <a:solidFill>
+                          <a:srgbClr val="000000"/>
+                        </a:solidFill>
+                      </a:endParaRPr>
+                    </a:p>
+                  </a:txBody>
+                  <a:tcPr marL="0" marR="0" marT="0" marB="0" anchor="ctr">
+                    <a:lnL w="0" cap="flat" cmpd="sng" algn="ctr">
+                      <a:noFill/>
+                      <a:prstDash/>
+                      <a:round/>
+                      <a:headEnd type="none" w="med" len="med"/>
+                      <a:tailEnd type="none" w="med" len="med"/>
+                    </a:lnL>
+                    <a:lnR w="0" cap="flat" cmpd="sng" algn="ctr">
+                      <a:noFill/>
+                      <a:prstDash/>
+                      <a:round/>
+                      <a:headEnd type="none" w="med" len="med"/>
+                      <a:tailEnd type="none" w="med" len="med"/>
+                    </a:lnR>
+                    <a:lnT w="0" cap="flat" cmpd="sng" algn="ctr">
+                      <a:noFill/>
+                      <a:prstDash/>
+                      <a:round/>
+                      <a:headEnd type="none" w="med" len="med"/>
+                      <a:tailEnd type="none" w="med" len="med"/>
+                    </a:lnT>
+                    <a:lnB w="0" cap="flat" cmpd="sng" algn="ctr">
+                      <a:noFill/>
+                      <a:prstDash/>
+                      <a:round/>
+                      <a:headEnd type="none" w="med" len="med"/>
+                      <a:tailEnd type="none" w="med" len="med"/>
+                    </a:lnB>
+                  </a:tcPr>
+                </a:tc>
+                <a:tc>
+                  <a:txBody>
+                    <a:bodyPr/>
+                    <a:lstStyle/>
+                    <a:p>
+                      <a:pPr marL="0" indent="0"/>
+                      <a:r>
+                        <a:rPr sz="1100" kern="1200">
+                          <a:solidFill>
+                            <a:srgbClr val="000000"/>
+                          </a:solidFill>
+                        </a:rPr>
+                        <a:t>A0</a:t>
+                      </a:r>
+                      <a:endParaRPr lang="ko-KR" altLang="en-US" sz="1100" kern="1200">
+                        <a:solidFill>
+                          <a:srgbClr val="000000"/>
+                        </a:solidFill>
+                      </a:endParaRPr>
+                    </a:p>
+                  </a:txBody>
+                  <a:tcPr marL="0" marR="0" marT="0" marB="0" anchor="ctr">
+                    <a:lnL w="0" cap="flat" cmpd="sng" algn="ctr">
+                      <a:noFill/>
+                      <a:prstDash/>
+                      <a:round/>
+                      <a:headEnd type="none" w="med" len="med"/>
+                      <a:tailEnd type="none" w="med" len="med"/>
+                    </a:lnL>
+                    <a:lnR w="0" cap="flat" cmpd="sng" algn="ctr">
+                      <a:noFill/>
+                      <a:prstDash/>
+                      <a:round/>
+                      <a:headEnd type="none" w="med" len="med"/>
+                      <a:tailEnd type="none" w="med" len="med"/>
+                    </a:lnR>
+                    <a:lnT w="0" cap="flat" cmpd="sng" algn="ctr">
+                      <a:noFill/>
+                      <a:prstDash/>
+                      <a:round/>
+                      <a:headEnd type="none" w="med" len="med"/>
+                      <a:tailEnd type="none" w="med" len="med"/>
+                    </a:lnT>
+                    <a:lnB w="0" cap="flat" cmpd="sng" algn="ctr">
+                      <a:noFill/>
+                      <a:prstDash/>
+                      <a:round/>
+                      <a:headEnd type="none" w="med" len="med"/>
+                      <a:tailEnd type="none" w="med" len="med"/>
+                    </a:lnB>
+                  </a:tcPr>
+                </a:tc>
+                <a:tc>
+                  <a:txBody>
+                    <a:bodyPr/>
+                    <a:lstStyle/>
+                    <a:p>
+                      <a:pPr marL="0" indent="0"/>
+                      <a:r>
+                        <a:rPr sz="1100" kern="1200">
+                          <a:solidFill>
+                            <a:srgbClr val="000000"/>
+                          </a:solidFill>
+                        </a:rPr>
+                        <a:t>Output</a:t>
+                      </a:r>
+                      <a:endParaRPr lang="ko-KR" altLang="en-US" sz="1100" kern="1200">
+                        <a:solidFill>
+                          <a:srgbClr val="000000"/>
+                        </a:solidFill>
+                      </a:endParaRPr>
+                    </a:p>
+                  </a:txBody>
+                  <a:tcPr marL="0" marR="0" marT="0" marB="0" anchor="ctr">
+                    <a:lnL w="0" cap="flat" cmpd="sng" algn="ctr">
+                      <a:noFill/>
+                      <a:prstDash/>
+                      <a:round/>
+                      <a:headEnd type="none" w="med" len="med"/>
+                      <a:tailEnd type="none" w="med" len="med"/>
+                    </a:lnL>
+                    <a:lnR w="0" cap="flat" cmpd="sng" algn="ctr">
+                      <a:noFill/>
+                      <a:prstDash/>
+                      <a:round/>
+                      <a:headEnd type="none" w="med" len="med"/>
+                      <a:tailEnd type="none" w="med" len="med"/>
+                    </a:lnR>
+                    <a:lnT w="0" cap="flat" cmpd="sng" algn="ctr">
+                      <a:noFill/>
+                      <a:prstDash/>
+                      <a:round/>
+                      <a:headEnd type="none" w="med" len="med"/>
+                      <a:tailEnd type="none" w="med" len="med"/>
+                    </a:lnT>
+                    <a:lnB w="0" cap="flat" cmpd="sng" algn="ctr">
+                      <a:noFill/>
+                      <a:prstDash/>
+                      <a:round/>
+                      <a:headEnd type="none" w="med" len="med"/>
+                      <a:tailEnd type="none" w="med" len="med"/>
+                    </a:lnB>
+                  </a:tcPr>
+                </a:tc>
+                <a:tc>
+                  <a:txBody>
+                    <a:bodyPr/>
+                    <a:lstStyle/>
+                    <a:p>
+                      <a:pPr marL="0" indent="0"/>
+                      <a:r>
+                        <a:rPr sz="1100" kern="1200">
+                          <a:solidFill>
+                            <a:srgbClr val="000000"/>
+                          </a:solidFill>
+                        </a:rPr>
+                        <a:t>조이스틱 X축</a:t>
+                      </a:r>
+                      <a:endParaRPr lang="ko-KR" altLang="en-US" sz="1100" kern="1200">
+                        <a:solidFill>
+                          <a:srgbClr val="000000"/>
+                        </a:solidFill>
+                      </a:endParaRPr>
+                    </a:p>
+                  </a:txBody>
+                  <a:tcPr marL="0" marR="0" marT="0" marB="0" anchor="ctr">
+                    <a:lnL w="0" cap="flat" cmpd="sng" algn="ctr">
+                      <a:noFill/>
+                      <a:prstDash/>
+                      <a:round/>
+                      <a:headEnd type="none" w="med" len="med"/>
+                      <a:tailEnd type="none" w="med" len="med"/>
+                    </a:lnL>
+                    <a:lnR w="0" cap="flat" cmpd="sng" algn="ctr">
+                      <a:noFill/>
+                      <a:prstDash/>
+                      <a:round/>
+                      <a:headEnd type="none" w="med" len="med"/>
+                      <a:tailEnd type="none" w="med" len="med"/>
+                    </a:lnR>
+                    <a:lnT w="0" cap="flat" cmpd="sng" algn="ctr">
+                      <a:noFill/>
+                      <a:prstDash/>
+                      <a:round/>
+                      <a:headEnd type="none" w="med" len="med"/>
+                      <a:tailEnd type="none" w="med" len="med"/>
+                    </a:lnT>
+                    <a:lnB w="0" cap="flat" cmpd="sng" algn="ctr">
+                      <a:noFill/>
+                      <a:prstDash/>
+                      <a:round/>
+                      <a:headEnd type="none" w="med" len="med"/>
+                      <a:tailEnd type="none" w="med" len="med"/>
+                    </a:lnB>
+                  </a:tcPr>
+                </a:tc>
+              </a:tr>
+              <a:tr h="174625">
+                <a:tc>
+                  <a:txBody>
+                    <a:bodyPr/>
+                    <a:lstStyle/>
+                    <a:p>
+                      <a:pPr marL="0" indent="0"/>
+                      <a:r>
+                        <a:rPr sz="1100" kern="1200">
+                          <a:solidFill>
+                            <a:srgbClr val="000000"/>
+                          </a:solidFill>
+                        </a:rPr>
+                        <a:t>JOY VRY</a:t>
+                      </a:r>
+                      <a:endParaRPr lang="ko-KR" altLang="en-US" sz="1100" kern="1200">
+                        <a:solidFill>
+                          <a:srgbClr val="000000"/>
+                        </a:solidFill>
+                      </a:endParaRPr>
+                    </a:p>
+                  </a:txBody>
+                  <a:tcPr marL="0" marR="0" marT="0" marB="0" anchor="ctr">
+                    <a:lnL w="0" cap="flat" cmpd="sng" algn="ctr">
+                      <a:noFill/>
+                      <a:prstDash/>
+                      <a:round/>
+                      <a:headEnd type="none" w="med" len="med"/>
+                      <a:tailEnd type="none" w="med" len="med"/>
+                    </a:lnL>
+                    <a:lnR w="0" cap="flat" cmpd="sng" algn="ctr">
+                      <a:noFill/>
+                      <a:prstDash/>
+                      <a:round/>
+                      <a:headEnd type="none" w="med" len="med"/>
+                      <a:tailEnd type="none" w="med" len="med"/>
+                    </a:lnR>
+                    <a:lnT w="0" cap="flat" cmpd="sng" algn="ctr">
+                      <a:noFill/>
+                      <a:prstDash/>
+                      <a:round/>
+                      <a:headEnd type="none" w="med" len="med"/>
+                      <a:tailEnd type="none" w="med" len="med"/>
+                    </a:lnT>
+                    <a:lnB w="0" cap="flat" cmpd="sng" algn="ctr">
+                      <a:noFill/>
+                      <a:prstDash/>
+                      <a:round/>
+                      <a:headEnd type="none" w="med" len="med"/>
+                      <a:tailEnd type="none" w="med" len="med"/>
+                    </a:lnB>
+                  </a:tcPr>
+                </a:tc>
+                <a:tc>
+                  <a:txBody>
+                    <a:bodyPr/>
+                    <a:lstStyle/>
+                    <a:p>
+                      <a:pPr marL="0" indent="0"/>
+                      <a:r>
+                        <a:rPr sz="1100" kern="1200">
+                          <a:solidFill>
+                            <a:srgbClr val="000000"/>
+                          </a:solidFill>
+                        </a:rPr>
+                        <a:t>A1</a:t>
+                      </a:r>
+                      <a:endParaRPr lang="ko-KR" altLang="en-US" sz="1100" kern="1200">
+                        <a:solidFill>
+                          <a:srgbClr val="000000"/>
+                        </a:solidFill>
+                      </a:endParaRPr>
+                    </a:p>
+                  </a:txBody>
+                  <a:tcPr marL="0" marR="0" marT="0" marB="0" anchor="ctr">
+                    <a:lnL w="0" cap="flat" cmpd="sng" algn="ctr">
+                      <a:noFill/>
+                      <a:prstDash/>
+                      <a:round/>
+                      <a:headEnd type="none" w="med" len="med"/>
+                      <a:tailEnd type="none" w="med" len="med"/>
+                    </a:lnL>
+                    <a:lnR w="0" cap="flat" cmpd="sng" algn="ctr">
+                      <a:noFill/>
+                      <a:prstDash/>
+                      <a:round/>
+                      <a:headEnd type="none" w="med" len="med"/>
+                      <a:tailEnd type="none" w="med" len="med"/>
+                    </a:lnR>
+                    <a:lnT w="0" cap="flat" cmpd="sng" algn="ctr">
+                      <a:noFill/>
+                      <a:prstDash/>
+                      <a:round/>
+                      <a:headEnd type="none" w="med" len="med"/>
+                      <a:tailEnd type="none" w="med" len="med"/>
+                    </a:lnT>
+                    <a:lnB w="0" cap="flat" cmpd="sng" algn="ctr">
+                      <a:noFill/>
+                      <a:prstDash/>
+                      <a:round/>
+                      <a:headEnd type="none" w="med" len="med"/>
+                      <a:tailEnd type="none" w="med" len="med"/>
+                    </a:lnB>
+                  </a:tcPr>
+                </a:tc>
+                <a:tc>
+                  <a:txBody>
+                    <a:bodyPr/>
+                    <a:lstStyle/>
+                    <a:p>
+                      <a:pPr marL="0" indent="0"/>
+                      <a:r>
+                        <a:rPr sz="1100" kern="1200">
+                          <a:solidFill>
+                            <a:srgbClr val="000000"/>
+                          </a:solidFill>
+                        </a:rPr>
+                        <a:t>Output</a:t>
+                      </a:r>
+                      <a:endParaRPr lang="ko-KR" altLang="en-US" sz="1100" kern="1200">
+                        <a:solidFill>
+                          <a:srgbClr val="000000"/>
+                        </a:solidFill>
+                      </a:endParaRPr>
+                    </a:p>
+                  </a:txBody>
+                  <a:tcPr marL="0" marR="0" marT="0" marB="0" anchor="ctr">
+                    <a:lnL w="0" cap="flat" cmpd="sng" algn="ctr">
+                      <a:noFill/>
+                      <a:prstDash/>
+                      <a:round/>
+                      <a:headEnd type="none" w="med" len="med"/>
+                      <a:tailEnd type="none" w="med" len="med"/>
+                    </a:lnL>
+                    <a:lnR w="0" cap="flat" cmpd="sng" algn="ctr">
+                      <a:noFill/>
+                      <a:prstDash/>
+                      <a:round/>
+                      <a:headEnd type="none" w="med" len="med"/>
+                      <a:tailEnd type="none" w="med" len="med"/>
+                    </a:lnR>
+                    <a:lnT w="0" cap="flat" cmpd="sng" algn="ctr">
+                      <a:noFill/>
+                      <a:prstDash/>
+                      <a:round/>
+                      <a:headEnd type="none" w="med" len="med"/>
+                      <a:tailEnd type="none" w="med" len="med"/>
+                    </a:lnT>
+                    <a:lnB w="0" cap="flat" cmpd="sng" algn="ctr">
+                      <a:noFill/>
+                      <a:prstDash/>
+                      <a:round/>
+                      <a:headEnd type="none" w="med" len="med"/>
+                      <a:tailEnd type="none" w="med" len="med"/>
+                    </a:lnB>
+                  </a:tcPr>
+                </a:tc>
+                <a:tc>
+                  <a:txBody>
+                    <a:bodyPr/>
+                    <a:lstStyle/>
+                    <a:p>
+                      <a:pPr marL="0" indent="0"/>
+                      <a:r>
+                        <a:rPr sz="1100" kern="1200">
+                          <a:solidFill>
+                            <a:srgbClr val="000000"/>
+                          </a:solidFill>
+                        </a:rPr>
+                        <a:t>조이스틱 Y축</a:t>
+                      </a:r>
+                      <a:endParaRPr lang="ko-KR" altLang="en-US" sz="1100" kern="1200">
+                        <a:solidFill>
+                          <a:srgbClr val="000000"/>
+                        </a:solidFill>
+                      </a:endParaRPr>
+                    </a:p>
+                  </a:txBody>
+                  <a:tcPr marL="0" marR="0" marT="0" marB="0" anchor="ctr">
+                    <a:lnL w="0" cap="flat" cmpd="sng" algn="ctr">
+                      <a:noFill/>
+                      <a:prstDash/>
+                      <a:round/>
+                      <a:headEnd type="none" w="med" len="med"/>
+                      <a:tailEnd type="none" w="med" len="med"/>
+                    </a:lnL>
+                    <a:lnR w="0" cap="flat" cmpd="sng" algn="ctr">
+                      <a:noFill/>
+                      <a:prstDash/>
+                      <a:round/>
+                      <a:headEnd type="none" w="med" len="med"/>
+                      <a:tailEnd type="none" w="med" len="med"/>
+                    </a:lnR>
+                    <a:lnT w="0" cap="flat" cmpd="sng" algn="ctr">
+                      <a:noFill/>
+                      <a:prstDash/>
+                      <a:round/>
+                      <a:headEnd type="none" w="med" len="med"/>
+                      <a:tailEnd type="none" w="med" len="med"/>
+                    </a:lnT>
+                    <a:lnB w="0" cap="flat" cmpd="sng" algn="ctr">
+                      <a:noFill/>
+                      <a:prstDash/>
+                      <a:round/>
+                      <a:headEnd type="none" w="med" len="med"/>
+                      <a:tailEnd type="none" w="med" len="med"/>
+                    </a:lnB>
+                  </a:tcPr>
+                </a:tc>
+              </a:tr>
+              <a:tr h="174625">
+                <a:tc>
+                  <a:txBody>
+                    <a:bodyPr/>
+                    <a:lstStyle/>
+                    <a:p>
+                      <a:pPr marL="0" indent="0"/>
+                      <a:r>
+                        <a:rPr sz="1100" kern="1200">
+                          <a:solidFill>
+                            <a:srgbClr val="000000"/>
+                          </a:solidFill>
+                        </a:rPr>
+                        <a:t>JOY SW</a:t>
+                      </a:r>
+                      <a:endParaRPr lang="ko-KR" altLang="en-US" sz="1100" kern="1200">
+                        <a:solidFill>
+                          <a:srgbClr val="000000"/>
+                        </a:solidFill>
+                      </a:endParaRPr>
+                    </a:p>
+                  </a:txBody>
+                  <a:tcPr marL="0" marR="0" marT="0" marB="0" anchor="ctr">
+                    <a:lnL w="0" cap="flat" cmpd="sng" algn="ctr">
+                      <a:noFill/>
+                      <a:prstDash/>
+                      <a:round/>
+                      <a:headEnd type="none" w="med" len="med"/>
+                      <a:tailEnd type="none" w="med" len="med"/>
+                    </a:lnL>
+                    <a:lnR w="0" cap="flat" cmpd="sng" algn="ctr">
+                      <a:noFill/>
+                      <a:prstDash/>
+                      <a:round/>
+                      <a:headEnd type="none" w="med" len="med"/>
+                      <a:tailEnd type="none" w="med" len="med"/>
+                    </a:lnR>
+                    <a:lnT w="0" cap="flat" cmpd="sng" algn="ctr">
+                      <a:noFill/>
+                      <a:prstDash/>
+                      <a:round/>
+                      <a:headEnd type="none" w="med" len="med"/>
+                      <a:tailEnd type="none" w="med" len="med"/>
+                    </a:lnT>
+                    <a:lnB w="0" cap="flat" cmpd="sng" algn="ctr">
+                      <a:noFill/>
+                      <a:prstDash/>
+                      <a:round/>
+                      <a:headEnd type="none" w="med" len="med"/>
+                      <a:tailEnd type="none" w="med" len="med"/>
+                    </a:lnB>
+                  </a:tcPr>
+                </a:tc>
+                <a:tc>
+                  <a:txBody>
+                    <a:bodyPr/>
+                    <a:lstStyle/>
+                    <a:p>
+                      <a:pPr marL="0" indent="0" algn="l"/>
+                      <a:r>
+                        <a:rPr sz="1100" kern="1200">
+                          <a:solidFill>
+                            <a:srgbClr val="000000"/>
+                          </a:solidFill>
+                        </a:rPr>
+                        <a:t>2</a:t>
+                      </a:r>
+                      <a:endParaRPr lang="ko-KR" altLang="en-US" sz="1100" kern="1200">
+                        <a:solidFill>
+                          <a:srgbClr val="000000"/>
+                        </a:solidFill>
+                      </a:endParaRPr>
+                    </a:p>
+                  </a:txBody>
+                  <a:tcPr marL="0" marR="0" marT="0" marB="0" anchor="ctr">
+                    <a:lnL w="0" cap="flat" cmpd="sng" algn="ctr">
+                      <a:noFill/>
+                      <a:prstDash/>
+                      <a:round/>
+                      <a:headEnd type="none" w="med" len="med"/>
+                      <a:tailEnd type="none" w="med" len="med"/>
+                    </a:lnL>
+                    <a:lnR w="0" cap="flat" cmpd="sng" algn="ctr">
+                      <a:noFill/>
+                      <a:prstDash/>
+                      <a:round/>
+                      <a:headEnd type="none" w="med" len="med"/>
+                      <a:tailEnd type="none" w="med" len="med"/>
+                    </a:lnR>
+                    <a:lnT w="0" cap="flat" cmpd="sng" algn="ctr">
+                      <a:noFill/>
+                      <a:prstDash/>
+                      <a:round/>
+                      <a:headEnd type="none" w="med" len="med"/>
+                      <a:tailEnd type="none" w="med" len="med"/>
+                    </a:lnT>
+                    <a:lnB w="0" cap="flat" cmpd="sng" algn="ctr">
+                      <a:noFill/>
+                      <a:prstDash/>
+                      <a:round/>
+                      <a:headEnd type="none" w="med" len="med"/>
+                      <a:tailEnd type="none" w="med" len="med"/>
+                    </a:lnB>
+                  </a:tcPr>
+                </a:tc>
+                <a:tc>
+                  <a:txBody>
+                    <a:bodyPr/>
+                    <a:lstStyle/>
+                    <a:p>
+                      <a:pPr marL="0" indent="0"/>
+                      <a:r>
+                        <a:rPr sz="1100" kern="1200">
+                          <a:solidFill>
+                            <a:srgbClr val="000000"/>
+                          </a:solidFill>
+                        </a:rPr>
+                        <a:t>Output</a:t>
+                      </a:r>
+                      <a:endParaRPr lang="ko-KR" altLang="en-US" sz="1100" kern="1200">
+                        <a:solidFill>
+                          <a:srgbClr val="000000"/>
+                        </a:solidFill>
+                      </a:endParaRPr>
+                    </a:p>
+                  </a:txBody>
+                  <a:tcPr marL="0" marR="0" marT="0" marB="0" anchor="ctr">
+                    <a:lnL w="0" cap="flat" cmpd="sng" algn="ctr">
+                      <a:noFill/>
+                      <a:prstDash/>
+                      <a:round/>
+                      <a:headEnd type="none" w="med" len="med"/>
+                      <a:tailEnd type="none" w="med" len="med"/>
+                    </a:lnL>
+                    <a:lnR w="0" cap="flat" cmpd="sng" algn="ctr">
+                      <a:noFill/>
+                      <a:prstDash/>
+                      <a:round/>
+                      <a:headEnd type="none" w="med" len="med"/>
+                      <a:tailEnd type="none" w="med" len="med"/>
+                    </a:lnR>
+                    <a:lnT w="0" cap="flat" cmpd="sng" algn="ctr">
+                      <a:noFill/>
+                      <a:prstDash/>
+                      <a:round/>
+                      <a:headEnd type="none" w="med" len="med"/>
+                      <a:tailEnd type="none" w="med" len="med"/>
+                    </a:lnT>
+                    <a:lnB w="0" cap="flat" cmpd="sng" algn="ctr">
+                      <a:noFill/>
+                      <a:prstDash/>
+                      <a:round/>
+                      <a:headEnd type="none" w="med" len="med"/>
+                      <a:tailEnd type="none" w="med" len="med"/>
+                    </a:lnB>
+                  </a:tcPr>
+                </a:tc>
+                <a:tc>
+                  <a:txBody>
+                    <a:bodyPr/>
+                    <a:lstStyle/>
+                    <a:p>
+                      <a:pPr marL="0" indent="0"/>
+                      <a:r>
+                        <a:rPr sz="1100" kern="1200">
+                          <a:solidFill>
+                            <a:srgbClr val="000000"/>
+                          </a:solidFill>
+                        </a:rPr>
+                        <a:t>조이스틱 스위치</a:t>
+                      </a:r>
+                      <a:endParaRPr lang="ko-KR" altLang="en-US" sz="1100" kern="1200">
+                        <a:solidFill>
+                          <a:srgbClr val="000000"/>
+                        </a:solidFill>
+                      </a:endParaRPr>
+                    </a:p>
+                  </a:txBody>
+                  <a:tcPr marL="0" marR="0" marT="0" marB="0" anchor="ctr">
+                    <a:lnL w="0" cap="flat" cmpd="sng" algn="ctr">
+                      <a:noFill/>
+                      <a:prstDash/>
+                      <a:round/>
+                      <a:headEnd type="none" w="med" len="med"/>
+                      <a:tailEnd type="none" w="med" len="med"/>
+                    </a:lnL>
+                    <a:lnR w="0" cap="flat" cmpd="sng" algn="ctr">
+                      <a:noFill/>
+                      <a:prstDash/>
+                      <a:round/>
+                      <a:headEnd type="none" w="med" len="med"/>
+                      <a:tailEnd type="none" w="med" len="med"/>
+                    </a:lnR>
+                    <a:lnT w="0" cap="flat" cmpd="sng" algn="ctr">
+                      <a:noFill/>
+                      <a:prstDash/>
+                      <a:round/>
+                      <a:headEnd type="none" w="med" len="med"/>
+                      <a:tailEnd type="none" w="med" len="med"/>
+                    </a:lnT>
+                    <a:lnB w="0" cap="flat" cmpd="sng" algn="ctr">
+                      <a:noFill/>
+                      <a:prstDash/>
+                      <a:round/>
+                      <a:headEnd type="none" w="med" len="med"/>
+                      <a:tailEnd type="none" w="med" len="med"/>
+                    </a:lnB>
+                  </a:tcPr>
+                </a:tc>
+              </a:tr>
+              <a:tr h="276860">
+                <a:tc>
+                  <a:txBody>
+                    <a:bodyPr/>
+                    <a:lstStyle/>
+                    <a:p>
+                      <a:pPr marL="0" indent="0"/>
+                      <a:endParaRPr lang="ko-KR" altLang="en-US" sz="1800" kern="1200">
+                        <a:latin typeface="맑은 고딕" charset="0"/>
+                        <a:ea typeface="맑은 고딕" charset="0"/>
+                      </a:endParaRPr>
+                    </a:p>
+                  </a:txBody>
+                  <a:tcPr marL="0" marR="0" marT="0" marB="0" anchor="ctr">
+                    <a:lnL w="0" cap="flat" cmpd="sng" algn="ctr">
+                      <a:noFill/>
+                      <a:prstDash/>
+                      <a:round/>
+                      <a:headEnd type="none" w="med" len="med"/>
+                      <a:tailEnd type="none" w="med" len="med"/>
+                    </a:lnL>
+                    <a:lnR w="0" cap="flat" cmpd="sng" algn="ctr">
+                      <a:noFill/>
+                      <a:prstDash/>
+                      <a:round/>
+                      <a:headEnd type="none" w="med" len="med"/>
+                      <a:tailEnd type="none" w="med" len="med"/>
+                    </a:lnR>
+                    <a:lnT w="0" cap="flat" cmpd="sng" algn="ctr">
+                      <a:noFill/>
+                      <a:prstDash/>
+                      <a:round/>
+                      <a:headEnd type="none" w="med" len="med"/>
+                      <a:tailEnd type="none" w="med" len="med"/>
+                    </a:lnT>
+                    <a:lnB w="0" cap="flat" cmpd="sng" algn="ctr">
+                      <a:noFill/>
+                      <a:prstDash/>
+                      <a:round/>
+                      <a:headEnd type="none" w="med" len="med"/>
+                      <a:tailEnd type="none" w="med" len="med"/>
+                    </a:lnB>
+                  </a:tcPr>
+                </a:tc>
+                <a:tc>
+                  <a:txBody>
+                    <a:bodyPr/>
+                    <a:lstStyle/>
+                    <a:p>
+                      <a:pPr marL="0" indent="0"/>
+                      <a:endParaRPr lang="ko-KR" altLang="en-US" sz="1800" kern="1200">
+                        <a:latin typeface="맑은 고딕" charset="0"/>
+                        <a:ea typeface="맑은 고딕" charset="0"/>
+                      </a:endParaRPr>
+                    </a:p>
+                  </a:txBody>
+                  <a:tcPr marL="0" marR="0" marT="0" marB="0" anchor="ctr">
+                    <a:lnL w="0" cap="flat" cmpd="sng" algn="ctr">
+                      <a:noFill/>
+                      <a:prstDash/>
+                      <a:round/>
+                      <a:headEnd type="none" w="med" len="med"/>
+                      <a:tailEnd type="none" w="med" len="med"/>
+                    </a:lnL>
+                    <a:lnR w="0" cap="flat" cmpd="sng" algn="ctr">
+                      <a:noFill/>
+                      <a:prstDash/>
+                      <a:round/>
+                      <a:headEnd type="none" w="med" len="med"/>
+                      <a:tailEnd type="none" w="med" len="med"/>
+                    </a:lnR>
+                    <a:lnT w="0" cap="flat" cmpd="sng" algn="ctr">
+                      <a:noFill/>
+                      <a:prstDash/>
+                      <a:round/>
+                      <a:headEnd type="none" w="med" len="med"/>
+                      <a:tailEnd type="none" w="med" len="med"/>
+                    </a:lnT>
+                    <a:lnB w="0" cap="flat" cmpd="sng" algn="ctr">
+                      <a:noFill/>
+                      <a:prstDash/>
+                      <a:round/>
+                      <a:headEnd type="none" w="med" len="med"/>
+                      <a:tailEnd type="none" w="med" len="med"/>
+                    </a:lnB>
+                  </a:tcPr>
+                </a:tc>
+                <a:tc>
+                  <a:txBody>
+                    <a:bodyPr/>
+                    <a:lstStyle/>
+                    <a:p>
+                      <a:pPr marL="0" indent="0"/>
+                      <a:endParaRPr lang="ko-KR" altLang="en-US" sz="1800" kern="1200">
+                        <a:latin typeface="맑은 고딕" charset="0"/>
+                        <a:ea typeface="맑은 고딕" charset="0"/>
+                      </a:endParaRPr>
+                    </a:p>
+                  </a:txBody>
+                  <a:tcPr marL="0" marR="0" marT="0" marB="0" anchor="ctr">
+                    <a:lnL w="0" cap="flat" cmpd="sng" algn="ctr">
+                      <a:noFill/>
+                      <a:prstDash/>
+                      <a:round/>
+                      <a:headEnd type="none" w="med" len="med"/>
+                      <a:tailEnd type="none" w="med" len="med"/>
+                    </a:lnL>
+                    <a:lnR w="0" cap="flat" cmpd="sng" algn="ctr">
+                      <a:noFill/>
+                      <a:prstDash/>
+                      <a:round/>
+                      <a:headEnd type="none" w="med" len="med"/>
+                      <a:tailEnd type="none" w="med" len="med"/>
+                    </a:lnR>
+                    <a:lnT w="0" cap="flat" cmpd="sng" algn="ctr">
+                      <a:noFill/>
+                      <a:prstDash/>
+                      <a:round/>
+                      <a:headEnd type="none" w="med" len="med"/>
+                      <a:tailEnd type="none" w="med" len="med"/>
+                    </a:lnT>
+                    <a:lnB w="0" cap="flat" cmpd="sng" algn="ctr">
+                      <a:noFill/>
+                      <a:prstDash/>
+                      <a:round/>
+                      <a:headEnd type="none" w="med" len="med"/>
+                      <a:tailEnd type="none" w="med" len="med"/>
+                    </a:lnB>
+                  </a:tcPr>
+                </a:tc>
+                <a:tc>
+                  <a:txBody>
+                    <a:bodyPr/>
+                    <a:lstStyle/>
+                    <a:p>
+                      <a:pPr marL="0" indent="0"/>
+                      <a:endParaRPr lang="ko-KR" altLang="en-US" sz="1800" kern="1200">
+                        <a:latin typeface="맑은 고딕" charset="0"/>
+                        <a:ea typeface="맑은 고딕" charset="0"/>
+                      </a:endParaRPr>
+                    </a:p>
+                  </a:txBody>
+                  <a:tcPr marL="0" marR="0" marT="0" marB="0" anchor="ctr">
+                    <a:lnL w="0" cap="flat" cmpd="sng" algn="ctr">
+                      <a:noFill/>
+                      <a:prstDash/>
+                      <a:round/>
+                      <a:headEnd type="none" w="med" len="med"/>
+                      <a:tailEnd type="none" w="med" len="med"/>
+                    </a:lnL>
+                    <a:lnR w="0" cap="flat" cmpd="sng" algn="ctr">
+                      <a:noFill/>
+                      <a:prstDash/>
+                      <a:round/>
+                      <a:headEnd type="none" w="med" len="med"/>
+                      <a:tailEnd type="none" w="med" len="med"/>
+                    </a:lnR>
+                    <a:lnT w="0" cap="flat" cmpd="sng" algn="ctr">
+                      <a:noFill/>
+                      <a:prstDash/>
+                      <a:round/>
+                      <a:headEnd type="none" w="med" len="med"/>
+                      <a:tailEnd type="none" w="med" len="med"/>
+                    </a:lnT>
+                    <a:lnB w="0" cap="flat" cmpd="sng" algn="ctr">
+                      <a:noFill/>
+                      <a:prstDash/>
+                      <a:round/>
+                      <a:headEnd type="none" w="med" len="med"/>
+                      <a:tailEnd type="none" w="med" len="med"/>
+                    </a:lnB>
+                  </a:tcPr>
+                </a:tc>
+              </a:tr>
+              <a:tr h="276860">
+                <a:tc>
+                  <a:txBody>
+                    <a:bodyPr/>
+                    <a:lstStyle/>
+                    <a:p>
+                      <a:pPr marL="0" indent="0"/>
+                      <a:endParaRPr lang="ko-KR" altLang="en-US" sz="1800" kern="1200">
+                        <a:latin typeface="맑은 고딕" charset="0"/>
+                        <a:ea typeface="맑은 고딕" charset="0"/>
+                      </a:endParaRPr>
+                    </a:p>
+                  </a:txBody>
+                  <a:tcPr marL="0" marR="0" marT="0" marB="0" anchor="ctr">
+                    <a:lnL w="0" cap="flat" cmpd="sng" algn="ctr">
+                      <a:noFill/>
+                      <a:prstDash/>
+                      <a:round/>
+                      <a:headEnd type="none" w="med" len="med"/>
+                      <a:tailEnd type="none" w="med" len="med"/>
+                    </a:lnL>
+                    <a:lnR w="0" cap="flat" cmpd="sng" algn="ctr">
+                      <a:noFill/>
+                      <a:prstDash/>
+                      <a:round/>
+                      <a:headEnd type="none" w="med" len="med"/>
+                      <a:tailEnd type="none" w="med" len="med"/>
+                    </a:lnR>
+                    <a:lnT w="0" cap="flat" cmpd="sng" algn="ctr">
+                      <a:noFill/>
+                      <a:prstDash/>
+                      <a:round/>
+                      <a:headEnd type="none" w="med" len="med"/>
+                      <a:tailEnd type="none" w="med" len="med"/>
+                    </a:lnT>
+                    <a:lnB w="0" cap="flat" cmpd="sng" algn="ctr">
+                      <a:noFill/>
+                      <a:prstDash/>
+                      <a:round/>
+                      <a:headEnd type="none" w="med" len="med"/>
+                      <a:tailEnd type="none" w="med" len="med"/>
+                    </a:lnB>
+                  </a:tcPr>
+                </a:tc>
+                <a:tc>
+                  <a:txBody>
+                    <a:bodyPr/>
+                    <a:lstStyle/>
+                    <a:p>
+                      <a:pPr marL="0" indent="0"/>
+                      <a:endParaRPr lang="ko-KR" altLang="en-US" sz="1800" kern="1200">
+                        <a:latin typeface="맑은 고딕" charset="0"/>
+                        <a:ea typeface="맑은 고딕" charset="0"/>
+                      </a:endParaRPr>
+                    </a:p>
+                  </a:txBody>
+                  <a:tcPr marL="0" marR="0" marT="0" marB="0" anchor="ctr">
+                    <a:lnL w="0" cap="flat" cmpd="sng" algn="ctr">
+                      <a:noFill/>
+                      <a:prstDash/>
+                      <a:round/>
+                      <a:headEnd type="none" w="med" len="med"/>
+                      <a:tailEnd type="none" w="med" len="med"/>
+                    </a:lnL>
+                    <a:lnR w="0" cap="flat" cmpd="sng" algn="ctr">
+                      <a:noFill/>
+                      <a:prstDash/>
+                      <a:round/>
+                      <a:headEnd type="none" w="med" len="med"/>
+                      <a:tailEnd type="none" w="med" len="med"/>
+                    </a:lnR>
+                    <a:lnT w="0" cap="flat" cmpd="sng" algn="ctr">
+                      <a:noFill/>
+                      <a:prstDash/>
+                      <a:round/>
+                      <a:headEnd type="none" w="med" len="med"/>
+                      <a:tailEnd type="none" w="med" len="med"/>
+                    </a:lnT>
+                    <a:lnB w="0" cap="flat" cmpd="sng" algn="ctr">
+                      <a:noFill/>
+                      <a:prstDash/>
+                      <a:round/>
+                      <a:headEnd type="none" w="med" len="med"/>
+                      <a:tailEnd type="none" w="med" len="med"/>
+                    </a:lnB>
+                  </a:tcPr>
+                </a:tc>
+                <a:tc>
+                  <a:txBody>
+                    <a:bodyPr/>
+                    <a:lstStyle/>
+                    <a:p>
+                      <a:pPr marL="0" indent="0"/>
+                      <a:endParaRPr lang="ko-KR" altLang="en-US" sz="1800" kern="1200">
+                        <a:latin typeface="맑은 고딕" charset="0"/>
+                        <a:ea typeface="맑은 고딕" charset="0"/>
+                      </a:endParaRPr>
+                    </a:p>
+                  </a:txBody>
+                  <a:tcPr marL="0" marR="0" marT="0" marB="0" anchor="ctr">
+                    <a:lnL w="0" cap="flat" cmpd="sng" algn="ctr">
+                      <a:noFill/>
+                      <a:prstDash/>
+                      <a:round/>
+                      <a:headEnd type="none" w="med" len="med"/>
+                      <a:tailEnd type="none" w="med" len="med"/>
+                    </a:lnL>
+                    <a:lnR w="0" cap="flat" cmpd="sng" algn="ctr">
+                      <a:noFill/>
+                      <a:prstDash/>
+                      <a:round/>
+                      <a:headEnd type="none" w="med" len="med"/>
+                      <a:tailEnd type="none" w="med" len="med"/>
+                    </a:lnR>
+                    <a:lnT w="0" cap="flat" cmpd="sng" algn="ctr">
+                      <a:noFill/>
+                      <a:prstDash/>
+                      <a:round/>
+                      <a:headEnd type="none" w="med" len="med"/>
+                      <a:tailEnd type="none" w="med" len="med"/>
+                    </a:lnT>
+                    <a:lnB w="0" cap="flat" cmpd="sng" algn="ctr">
+                      <a:noFill/>
+                      <a:prstDash/>
+                      <a:round/>
+                      <a:headEnd type="none" w="med" len="med"/>
+                      <a:tailEnd type="none" w="med" len="med"/>
+                    </a:lnB>
+                  </a:tcPr>
+                </a:tc>
+                <a:tc>
+                  <a:txBody>
+                    <a:bodyPr/>
+                    <a:lstStyle/>
+                    <a:p>
+                      <a:pPr marL="0" indent="0"/>
+                      <a:endParaRPr lang="ko-KR" altLang="en-US" sz="1800" kern="1200">
+                        <a:latin typeface="맑은 고딕" charset="0"/>
+                        <a:ea typeface="맑은 고딕" charset="0"/>
+                      </a:endParaRPr>
+                    </a:p>
+                  </a:txBody>
+                  <a:tcPr marL="0" marR="0" marT="0" marB="0" anchor="ctr">
+                    <a:lnL w="0" cap="flat" cmpd="sng" algn="ctr">
+                      <a:noFill/>
+                      <a:prstDash/>
+                      <a:round/>
+                      <a:headEnd type="none" w="med" len="med"/>
+                      <a:tailEnd type="none" w="med" len="med"/>
+                    </a:lnL>
+                    <a:lnR w="0" cap="flat" cmpd="sng" algn="ctr">
+                      <a:noFill/>
+                      <a:prstDash/>
+                      <a:round/>
+                      <a:headEnd type="none" w="med" len="med"/>
+                      <a:tailEnd type="none" w="med" len="med"/>
+                    </a:lnR>
+                    <a:lnT w="0" cap="flat" cmpd="sng" algn="ctr">
+                      <a:noFill/>
+                      <a:prstDash/>
+                      <a:round/>
+                      <a:headEnd type="none" w="med" len="med"/>
+                      <a:tailEnd type="none" w="med" len="med"/>
+                    </a:lnT>
+                    <a:lnB w="0" cap="flat" cmpd="sng" algn="ctr">
+                      <a:noFill/>
+                      <a:prstDash/>
+                      <a:round/>
+                      <a:headEnd type="none" w="med" len="med"/>
+                      <a:tailEnd type="none" w="med" len="med"/>
+                    </a:lnB>
+                  </a:tcPr>
+                </a:tc>
+              </a:tr>
+              <a:tr h="276860">
+                <a:tc>
+                  <a:txBody>
+                    <a:bodyPr/>
+                    <a:lstStyle/>
+                    <a:p>
+                      <a:pPr marL="0" indent="0"/>
+                      <a:endParaRPr lang="ko-KR" altLang="en-US" sz="1800" kern="1200">
+                        <a:latin typeface="맑은 고딕" charset="0"/>
+                        <a:ea typeface="맑은 고딕" charset="0"/>
+                      </a:endParaRPr>
+                    </a:p>
+                  </a:txBody>
+                  <a:tcPr marL="0" marR="0" marT="0" marB="0" anchor="ctr">
+                    <a:lnL w="0" cap="flat" cmpd="sng" algn="ctr">
+                      <a:noFill/>
+                      <a:prstDash/>
+                      <a:round/>
+                      <a:headEnd type="none" w="med" len="med"/>
+                      <a:tailEnd type="none" w="med" len="med"/>
+                    </a:lnL>
+                    <a:lnR w="0" cap="flat" cmpd="sng" algn="ctr">
+                      <a:noFill/>
+                      <a:prstDash/>
+                      <a:round/>
+                      <a:headEnd type="none" w="med" len="med"/>
+                      <a:tailEnd type="none" w="med" len="med"/>
+                    </a:lnR>
+                    <a:lnT w="0" cap="flat" cmpd="sng" algn="ctr">
+                      <a:noFill/>
+                      <a:prstDash/>
+                      <a:round/>
+                      <a:headEnd type="none" w="med" len="med"/>
+                      <a:tailEnd type="none" w="med" len="med"/>
+                    </a:lnT>
+                    <a:lnB w="0" cap="flat" cmpd="sng" algn="ctr">
+                      <a:noFill/>
+                      <a:prstDash/>
+                      <a:round/>
+                      <a:headEnd type="none" w="med" len="med"/>
+                      <a:tailEnd type="none" w="med" len="med"/>
+                    </a:lnB>
+                  </a:tcPr>
+                </a:tc>
+                <a:tc>
+                  <a:txBody>
+                    <a:bodyPr/>
+                    <a:lstStyle/>
+                    <a:p>
+                      <a:pPr marL="0" indent="0"/>
+                      <a:endParaRPr lang="ko-KR" altLang="en-US" sz="1800" kern="1200">
+                        <a:latin typeface="맑은 고딕" charset="0"/>
+                        <a:ea typeface="맑은 고딕" charset="0"/>
+                      </a:endParaRPr>
+                    </a:p>
+                  </a:txBody>
+                  <a:tcPr marL="0" marR="0" marT="0" marB="0" anchor="ctr">
+                    <a:lnL w="0" cap="flat" cmpd="sng" algn="ctr">
+                      <a:noFill/>
+                      <a:prstDash/>
+                      <a:round/>
+                      <a:headEnd type="none" w="med" len="med"/>
+                      <a:tailEnd type="none" w="med" len="med"/>
+                    </a:lnL>
+                    <a:lnR w="0" cap="flat" cmpd="sng" algn="ctr">
+                      <a:noFill/>
+                      <a:prstDash/>
+                      <a:round/>
+                      <a:headEnd type="none" w="med" len="med"/>
+                      <a:tailEnd type="none" w="med" len="med"/>
+                    </a:lnR>
+                    <a:lnT w="0" cap="flat" cmpd="sng" algn="ctr">
+                      <a:noFill/>
+                      <a:prstDash/>
+                      <a:round/>
+                      <a:headEnd type="none" w="med" len="med"/>
+                      <a:tailEnd type="none" w="med" len="med"/>
+                    </a:lnT>
+                    <a:lnB w="0" cap="flat" cmpd="sng" algn="ctr">
+                      <a:noFill/>
+                      <a:prstDash/>
+                      <a:round/>
+                      <a:headEnd type="none" w="med" len="med"/>
+                      <a:tailEnd type="none" w="med" len="med"/>
+                    </a:lnB>
+                  </a:tcPr>
+                </a:tc>
+                <a:tc>
+                  <a:txBody>
+                    <a:bodyPr/>
+                    <a:lstStyle/>
+                    <a:p>
+                      <a:pPr marL="0" indent="0"/>
+                      <a:endParaRPr lang="ko-KR" altLang="en-US" sz="1800" kern="1200">
+                        <a:latin typeface="맑은 고딕" charset="0"/>
+                        <a:ea typeface="맑은 고딕" charset="0"/>
+                      </a:endParaRPr>
+                    </a:p>
+                  </a:txBody>
+                  <a:tcPr marL="0" marR="0" marT="0" marB="0" anchor="ctr">
+                    <a:lnL w="0" cap="flat" cmpd="sng" algn="ctr">
+                      <a:noFill/>
+                      <a:prstDash/>
+                      <a:round/>
+                      <a:headEnd type="none" w="med" len="med"/>
+                      <a:tailEnd type="none" w="med" len="med"/>
+                    </a:lnL>
+                    <a:lnR w="0" cap="flat" cmpd="sng" algn="ctr">
+                      <a:noFill/>
+                      <a:prstDash/>
+                      <a:round/>
+                      <a:headEnd type="none" w="med" len="med"/>
+                      <a:tailEnd type="none" w="med" len="med"/>
+                    </a:lnR>
+                    <a:lnT w="0" cap="flat" cmpd="sng" algn="ctr">
+                      <a:noFill/>
+                      <a:prstDash/>
+                      <a:round/>
+                      <a:headEnd type="none" w="med" len="med"/>
+                      <a:tailEnd type="none" w="med" len="med"/>
+                    </a:lnT>
+                    <a:lnB w="0" cap="flat" cmpd="sng" algn="ctr">
+                      <a:noFill/>
+                      <a:prstDash/>
+                      <a:round/>
+                      <a:headEnd type="none" w="med" len="med"/>
+                      <a:tailEnd type="none" w="med" len="med"/>
+                    </a:lnB>
+                  </a:tcPr>
+                </a:tc>
+                <a:tc>
+                  <a:txBody>
+                    <a:bodyPr/>
+                    <a:lstStyle/>
+                    <a:p>
+                      <a:pPr marL="0" indent="0"/>
+                      <a:endParaRPr lang="ko-KR" altLang="en-US" sz="1800" kern="1200">
+                        <a:latin typeface="맑은 고딕" charset="0"/>
+                        <a:ea typeface="맑은 고딕" charset="0"/>
+                      </a:endParaRPr>
+                    </a:p>
+                  </a:txBody>
+                  <a:tcPr marL="0" marR="0" marT="0" marB="0" anchor="ctr">
+                    <a:lnL w="0" cap="flat" cmpd="sng" algn="ctr">
+                      <a:noFill/>
+                      <a:prstDash/>
+                      <a:round/>
+                      <a:headEnd type="none" w="med" len="med"/>
+                      <a:tailEnd type="none" w="med" len="med"/>
+                    </a:lnL>
+                    <a:lnR w="0" cap="flat" cmpd="sng" algn="ctr">
+                      <a:noFill/>
+                      <a:prstDash/>
+                      <a:round/>
+                      <a:headEnd type="none" w="med" len="med"/>
+                      <a:tailEnd type="none" w="med" len="med"/>
+                    </a:lnR>
+                    <a:lnT w="0" cap="flat" cmpd="sng" algn="ctr">
+                      <a:noFill/>
+                      <a:prstDash/>
+                      <a:round/>
+                      <a:headEnd type="none" w="med" len="med"/>
+                      <a:tailEnd type="none" w="med" len="med"/>
+                    </a:lnT>
+                    <a:lnB w="0" cap="flat" cmpd="sng" algn="ctr">
+                      <a:noFill/>
+                      <a:prstDash/>
+                      <a:round/>
+                      <a:headEnd type="none" w="med" len="med"/>
+                      <a:tailEnd type="none" w="med" len="med"/>
+                    </a:lnB>
+                  </a:tcPr>
+                </a:tc>
+              </a:tr>
+              <a:tr h="276860">
+                <a:tc>
+                  <a:txBody>
+                    <a:bodyPr/>
+                    <a:lstStyle/>
+                    <a:p>
+                      <a:pPr marL="0" indent="0"/>
+                      <a:endParaRPr lang="ko-KR" altLang="en-US" sz="1800" kern="1200">
+                        <a:latin typeface="맑은 고딕" charset="0"/>
+                        <a:ea typeface="맑은 고딕" charset="0"/>
+                      </a:endParaRPr>
+                    </a:p>
+                  </a:txBody>
+                  <a:tcPr marL="0" marR="0" marT="0" marB="0" anchor="ctr">
+                    <a:lnL w="0" cap="flat" cmpd="sng" algn="ctr">
+                      <a:noFill/>
+                      <a:prstDash/>
+                      <a:round/>
+                      <a:headEnd type="none" w="med" len="med"/>
+                      <a:tailEnd type="none" w="med" len="med"/>
+                    </a:lnL>
+                    <a:lnR w="0" cap="flat" cmpd="sng" algn="ctr">
+                      <a:noFill/>
+                      <a:prstDash/>
+                      <a:round/>
+                      <a:headEnd type="none" w="med" len="med"/>
+                      <a:tailEnd type="none" w="med" len="med"/>
+                    </a:lnR>
+                    <a:lnT w="0" cap="flat" cmpd="sng" algn="ctr">
+                      <a:noFill/>
+                      <a:prstDash/>
+                      <a:round/>
+                      <a:headEnd type="none" w="med" len="med"/>
+                      <a:tailEnd type="none" w="med" len="med"/>
+                    </a:lnT>
+                    <a:lnB w="0" cap="flat" cmpd="sng" algn="ctr">
+                      <a:noFill/>
+                      <a:prstDash/>
+                      <a:round/>
+                      <a:headEnd type="none" w="med" len="med"/>
+                      <a:tailEnd type="none" w="med" len="med"/>
+                    </a:lnB>
+                  </a:tcPr>
+                </a:tc>
+                <a:tc>
+                  <a:txBody>
+                    <a:bodyPr/>
+                    <a:lstStyle/>
+                    <a:p>
+                      <a:pPr marL="0" indent="0"/>
+                      <a:endParaRPr lang="ko-KR" altLang="en-US" sz="1800" kern="1200">
+                        <a:latin typeface="맑은 고딕" charset="0"/>
+                        <a:ea typeface="맑은 고딕" charset="0"/>
+                      </a:endParaRPr>
+                    </a:p>
+                  </a:txBody>
+                  <a:tcPr marL="0" marR="0" marT="0" marB="0" anchor="ctr">
+                    <a:lnL w="0" cap="flat" cmpd="sng" algn="ctr">
+                      <a:noFill/>
+                      <a:prstDash/>
+                      <a:round/>
+                      <a:headEnd type="none" w="med" len="med"/>
+                      <a:tailEnd type="none" w="med" len="med"/>
+                    </a:lnL>
+                    <a:lnR w="0" cap="flat" cmpd="sng" algn="ctr">
+                      <a:noFill/>
+                      <a:prstDash/>
+                      <a:round/>
+                      <a:headEnd type="none" w="med" len="med"/>
+                      <a:tailEnd type="none" w="med" len="med"/>
+                    </a:lnR>
+                    <a:lnT w="0" cap="flat" cmpd="sng" algn="ctr">
+                      <a:noFill/>
+                      <a:prstDash/>
+                      <a:round/>
+                      <a:headEnd type="none" w="med" len="med"/>
+                      <a:tailEnd type="none" w="med" len="med"/>
+                    </a:lnT>
+                    <a:lnB w="0" cap="flat" cmpd="sng" algn="ctr">
+                      <a:noFill/>
+                      <a:prstDash/>
+                      <a:round/>
+                      <a:headEnd type="none" w="med" len="med"/>
+                      <a:tailEnd type="none" w="med" len="med"/>
+                    </a:lnB>
+                  </a:tcPr>
+                </a:tc>
+                <a:tc>
+                  <a:txBody>
+                    <a:bodyPr/>
+                    <a:lstStyle/>
+                    <a:p>
+                      <a:pPr marL="0" indent="0"/>
+                      <a:endParaRPr lang="ko-KR" altLang="en-US" sz="1800" kern="1200">
+                        <a:latin typeface="맑은 고딕" charset="0"/>
+                        <a:ea typeface="맑은 고딕" charset="0"/>
+                      </a:endParaRPr>
+                    </a:p>
+                  </a:txBody>
+                  <a:tcPr marL="0" marR="0" marT="0" marB="0" anchor="ctr">
+                    <a:lnL w="0" cap="flat" cmpd="sng" algn="ctr">
+                      <a:noFill/>
+                      <a:prstDash/>
+                      <a:round/>
+                      <a:headEnd type="none" w="med" len="med"/>
+                      <a:tailEnd type="none" w="med" len="med"/>
+                    </a:lnL>
+                    <a:lnR w="0" cap="flat" cmpd="sng" algn="ctr">
+                      <a:noFill/>
+                      <a:prstDash/>
+                      <a:round/>
+                      <a:headEnd type="none" w="med" len="med"/>
+                      <a:tailEnd type="none" w="med" len="med"/>
+                    </a:lnR>
+                    <a:lnT w="0" cap="flat" cmpd="sng" algn="ctr">
+                      <a:noFill/>
+                      <a:prstDash/>
+                      <a:round/>
+                      <a:headEnd type="none" w="med" len="med"/>
+                      <a:tailEnd type="none" w="med" len="med"/>
+                    </a:lnT>
+                    <a:lnB w="0" cap="flat" cmpd="sng" algn="ctr">
+                      <a:noFill/>
+                      <a:prstDash/>
+                      <a:round/>
+                      <a:headEnd type="none" w="med" len="med"/>
+                      <a:tailEnd type="none" w="med" len="med"/>
+                    </a:lnB>
+                  </a:tcPr>
+                </a:tc>
+                <a:tc>
+                  <a:txBody>
+                    <a:bodyPr/>
+                    <a:lstStyle/>
+                    <a:p>
+                      <a:pPr marL="0" indent="0"/>
+                      <a:endParaRPr lang="ko-KR" altLang="en-US" sz="1800" kern="1200">
+                        <a:latin typeface="맑은 고딕" charset="0"/>
+                        <a:ea typeface="맑은 고딕" charset="0"/>
+                      </a:endParaRPr>
+                    </a:p>
+                  </a:txBody>
+                  <a:tcPr marL="0" marR="0" marT="0" marB="0" anchor="ctr">
+                    <a:lnL w="0" cap="flat" cmpd="sng" algn="ctr">
+                      <a:noFill/>
+                      <a:prstDash/>
+                      <a:round/>
+                      <a:headEnd type="none" w="med" len="med"/>
+                      <a:tailEnd type="none" w="med" len="med"/>
+                    </a:lnL>
+                    <a:lnR w="0" cap="flat" cmpd="sng" algn="ctr">
+                      <a:noFill/>
+                      <a:prstDash/>
+                      <a:round/>
+                      <a:headEnd type="none" w="med" len="med"/>
+                      <a:tailEnd type="none" w="med" len="med"/>
+                    </a:lnR>
+                    <a:lnT w="0" cap="flat" cmpd="sng" algn="ctr">
+                      <a:noFill/>
+                      <a:prstDash/>
+                      <a:round/>
+                      <a:headEnd type="none" w="med" len="med"/>
+                      <a:tailEnd type="none" w="med" len="med"/>
+                    </a:lnT>
+                    <a:lnB w="0" cap="flat" cmpd="sng" algn="ctr">
+                      <a:noFill/>
+                      <a:prstDash/>
+                      <a:round/>
+                      <a:headEnd type="none" w="med" len="med"/>
+                      <a:tailEnd type="none" w="med" len="med"/>
+                    </a:lnB>
+                  </a:tcPr>
+                </a:tc>
+              </a:tr>
+              <a:tr h="276860">
+                <a:tc>
+                  <a:txBody>
+                    <a:bodyPr/>
+                    <a:lstStyle/>
+                    <a:p>
+                      <a:pPr marL="0" indent="0"/>
+                      <a:endParaRPr lang="ko-KR" altLang="en-US" sz="1800" kern="1200">
+                        <a:latin typeface="맑은 고딕" charset="0"/>
+                        <a:ea typeface="맑은 고딕" charset="0"/>
+                      </a:endParaRPr>
+                    </a:p>
+                  </a:txBody>
+                  <a:tcPr marL="0" marR="0" marT="0" marB="0" anchor="ctr">
+                    <a:lnL w="0" cap="flat" cmpd="sng" algn="ctr">
+                      <a:noFill/>
+                      <a:prstDash/>
+                      <a:round/>
+                      <a:headEnd type="none" w="med" len="med"/>
+                      <a:tailEnd type="none" w="med" len="med"/>
+                    </a:lnL>
+                    <a:lnR w="0" cap="flat" cmpd="sng" algn="ctr">
+                      <a:noFill/>
+                      <a:prstDash/>
+                      <a:round/>
+                      <a:headEnd type="none" w="med" len="med"/>
+                      <a:tailEnd type="none" w="med" len="med"/>
+                    </a:lnR>
+                    <a:lnT w="0" cap="flat" cmpd="sng" algn="ctr">
+                      <a:noFill/>
+                      <a:prstDash/>
+                      <a:round/>
+                      <a:headEnd type="none" w="med" len="med"/>
+                      <a:tailEnd type="none" w="med" len="med"/>
+                    </a:lnT>
+                    <a:lnB w="0" cap="flat" cmpd="sng" algn="ctr">
+                      <a:noFill/>
+                      <a:prstDash/>
+                      <a:round/>
+                      <a:headEnd type="none" w="med" len="med"/>
+                      <a:tailEnd type="none" w="med" len="med"/>
+                    </a:lnB>
+                  </a:tcPr>
+                </a:tc>
+                <a:tc>
+                  <a:txBody>
+                    <a:bodyPr/>
+                    <a:lstStyle/>
+                    <a:p>
+                      <a:pPr marL="0" indent="0"/>
+                      <a:endParaRPr lang="ko-KR" altLang="en-US" sz="1800" kern="1200">
+                        <a:latin typeface="맑은 고딕" charset="0"/>
+                        <a:ea typeface="맑은 고딕" charset="0"/>
+                      </a:endParaRPr>
+                    </a:p>
+                  </a:txBody>
+                  <a:tcPr marL="0" marR="0" marT="0" marB="0" anchor="ctr">
+                    <a:lnL w="0" cap="flat" cmpd="sng" algn="ctr">
+                      <a:noFill/>
+                      <a:prstDash/>
+                      <a:round/>
+                      <a:headEnd type="none" w="med" len="med"/>
+                      <a:tailEnd type="none" w="med" len="med"/>
+                    </a:lnL>
+                    <a:lnR w="0" cap="flat" cmpd="sng" algn="ctr">
+                      <a:noFill/>
+                      <a:prstDash/>
+                      <a:round/>
+                      <a:headEnd type="none" w="med" len="med"/>
+                      <a:tailEnd type="none" w="med" len="med"/>
+                    </a:lnR>
+                    <a:lnT w="0" cap="flat" cmpd="sng" algn="ctr">
+                      <a:noFill/>
+                      <a:prstDash/>
+                      <a:round/>
+                      <a:headEnd type="none" w="med" len="med"/>
+                      <a:tailEnd type="none" w="med" len="med"/>
+                    </a:lnT>
+                    <a:lnB w="0" cap="flat" cmpd="sng" algn="ctr">
+                      <a:noFill/>
+                      <a:prstDash/>
+                      <a:round/>
+                      <a:headEnd type="none" w="med" len="med"/>
+                      <a:tailEnd type="none" w="med" len="med"/>
+                    </a:lnB>
+                  </a:tcPr>
+                </a:tc>
+                <a:tc>
+                  <a:txBody>
+                    <a:bodyPr/>
+                    <a:lstStyle/>
+                    <a:p>
+                      <a:pPr marL="0" indent="0"/>
+                      <a:endParaRPr lang="ko-KR" altLang="en-US" sz="1800" kern="1200">
+                        <a:latin typeface="맑은 고딕" charset="0"/>
+                        <a:ea typeface="맑은 고딕" charset="0"/>
+                      </a:endParaRPr>
+                    </a:p>
+                  </a:txBody>
+                  <a:tcPr marL="0" marR="0" marT="0" marB="0" anchor="ctr">
+                    <a:lnL w="0" cap="flat" cmpd="sng" algn="ctr">
+                      <a:noFill/>
+                      <a:prstDash/>
+                      <a:round/>
+                      <a:headEnd type="none" w="med" len="med"/>
+                      <a:tailEnd type="none" w="med" len="med"/>
+                    </a:lnL>
+                    <a:lnR w="0" cap="flat" cmpd="sng" algn="ctr">
+                      <a:noFill/>
+                      <a:prstDash/>
+                      <a:round/>
+                      <a:headEnd type="none" w="med" len="med"/>
+                      <a:tailEnd type="none" w="med" len="med"/>
+                    </a:lnR>
+                    <a:lnT w="0" cap="flat" cmpd="sng" algn="ctr">
+                      <a:noFill/>
+                      <a:prstDash/>
+                      <a:round/>
+                      <a:headEnd type="none" w="med" len="med"/>
+                      <a:tailEnd type="none" w="med" len="med"/>
+                    </a:lnT>
+                    <a:lnB w="0" cap="flat" cmpd="sng" algn="ctr">
+                      <a:noFill/>
+                      <a:prstDash/>
+                      <a:round/>
+                      <a:headEnd type="none" w="med" len="med"/>
+                      <a:tailEnd type="none" w="med" len="med"/>
+                    </a:lnB>
+                  </a:tcPr>
+                </a:tc>
+                <a:tc>
+                  <a:txBody>
+                    <a:bodyPr/>
+                    <a:lstStyle/>
+                    <a:p>
+                      <a:pPr marL="0" indent="0"/>
+                      <a:endParaRPr lang="ko-KR" altLang="en-US" sz="1800" kern="1200">
+                        <a:latin typeface="맑은 고딕" charset="0"/>
+                        <a:ea typeface="맑은 고딕" charset="0"/>
+                      </a:endParaRPr>
+                    </a:p>
+                  </a:txBody>
+                  <a:tcPr marL="0" marR="0" marT="0" marB="0" anchor="ctr">
+                    <a:lnL w="0" cap="flat" cmpd="sng" algn="ctr">
+                      <a:noFill/>
+                      <a:prstDash/>
+                      <a:round/>
+                      <a:headEnd type="none" w="med" len="med"/>
+                      <a:tailEnd type="none" w="med" len="med"/>
+                    </a:lnL>
+                    <a:lnR w="0" cap="flat" cmpd="sng" algn="ctr">
+                      <a:noFill/>
+                      <a:prstDash/>
+                      <a:round/>
+                      <a:headEnd type="none" w="med" len="med"/>
+                      <a:tailEnd type="none" w="med" len="med"/>
+                    </a:lnR>
+                    <a:lnT w="0" cap="flat" cmpd="sng" algn="ctr">
+                      <a:noFill/>
+                      <a:prstDash/>
+                      <a:round/>
+                      <a:headEnd type="none" w="med" len="med"/>
+                      <a:tailEnd type="none" w="med" len="med"/>
+                    </a:lnT>
+                    <a:lnB w="0" cap="flat" cmpd="sng" algn="ctr">
+                      <a:noFill/>
+                      <a:prstDash/>
+                      <a:round/>
+                      <a:headEnd type="none" w="med" len="med"/>
+                      <a:tailEnd type="none" w="med" len="med"/>
+                    </a:lnB>
+                  </a:tcPr>
+                </a:tc>
+              </a:tr>
+              <a:tr h="276860">
+                <a:tc>
+                  <a:txBody>
+                    <a:bodyPr/>
+                    <a:lstStyle/>
+                    <a:p>
+                      <a:pPr marL="0" indent="0"/>
+                      <a:endParaRPr lang="ko-KR" altLang="en-US" sz="1800" kern="1200">
+                        <a:latin typeface="맑은 고딕" charset="0"/>
+                        <a:ea typeface="맑은 고딕" charset="0"/>
+                      </a:endParaRPr>
+                    </a:p>
+                  </a:txBody>
+                  <a:tcPr marL="0" marR="0" marT="0" marB="0" anchor="ctr">
+                    <a:lnL w="0" cap="flat" cmpd="sng" algn="ctr">
+                      <a:noFill/>
+                      <a:prstDash/>
+                      <a:round/>
+                      <a:headEnd type="none" w="med" len="med"/>
+                      <a:tailEnd type="none" w="med" len="med"/>
+                    </a:lnL>
+                    <a:lnR w="0" cap="flat" cmpd="sng" algn="ctr">
+                      <a:noFill/>
+                      <a:prstDash/>
+                      <a:round/>
+                      <a:headEnd type="none" w="med" len="med"/>
+                      <a:tailEnd type="none" w="med" len="med"/>
+                    </a:lnR>
+                    <a:lnT w="0" cap="flat" cmpd="sng" algn="ctr">
+                      <a:noFill/>
+                      <a:prstDash/>
+                      <a:round/>
+                      <a:headEnd type="none" w="med" len="med"/>
+                      <a:tailEnd type="none" w="med" len="med"/>
+                    </a:lnT>
+                    <a:lnB w="0" cap="flat" cmpd="sng" algn="ctr">
+                      <a:noFill/>
+                      <a:prstDash/>
+                      <a:round/>
+                      <a:headEnd type="none" w="med" len="med"/>
+                      <a:tailEnd type="none" w="med" len="med"/>
+                    </a:lnB>
+                  </a:tcPr>
+                </a:tc>
+                <a:tc>
+                  <a:txBody>
+                    <a:bodyPr/>
+                    <a:lstStyle/>
+                    <a:p>
+                      <a:pPr marL="0" indent="0"/>
+                      <a:endParaRPr lang="ko-KR" altLang="en-US" sz="1800" kern="1200">
+                        <a:latin typeface="맑은 고딕" charset="0"/>
+                        <a:ea typeface="맑은 고딕" charset="0"/>
+                      </a:endParaRPr>
+                    </a:p>
+                  </a:txBody>
+                  <a:tcPr marL="0" marR="0" marT="0" marB="0" anchor="ctr">
+                    <a:lnL w="0" cap="flat" cmpd="sng" algn="ctr">
+                      <a:noFill/>
+                      <a:prstDash/>
+                      <a:round/>
+                      <a:headEnd type="none" w="med" len="med"/>
+                      <a:tailEnd type="none" w="med" len="med"/>
+                    </a:lnL>
+                    <a:lnR w="0" cap="flat" cmpd="sng" algn="ctr">
+                      <a:noFill/>
+                      <a:prstDash/>
+                      <a:round/>
+                      <a:headEnd type="none" w="med" len="med"/>
+                      <a:tailEnd type="none" w="med" len="med"/>
+                    </a:lnR>
+                    <a:lnT w="0" cap="flat" cmpd="sng" algn="ctr">
+                      <a:noFill/>
+                      <a:prstDash/>
+                      <a:round/>
+                      <a:headEnd type="none" w="med" len="med"/>
+                      <a:tailEnd type="none" w="med" len="med"/>
+                    </a:lnT>
+                    <a:lnB w="0" cap="flat" cmpd="sng" algn="ctr">
+                      <a:noFill/>
+                      <a:prstDash/>
+                      <a:round/>
+                      <a:headEnd type="none" w="med" len="med"/>
+                      <a:tailEnd type="none" w="med" len="med"/>
+                    </a:lnB>
+                  </a:tcPr>
+                </a:tc>
+                <a:tc>
+                  <a:txBody>
+                    <a:bodyPr/>
+                    <a:lstStyle/>
+                    <a:p>
+                      <a:pPr marL="0" indent="0"/>
+                      <a:endParaRPr lang="ko-KR" altLang="en-US" sz="1800" kern="1200">
+                        <a:latin typeface="맑은 고딕" charset="0"/>
+                        <a:ea typeface="맑은 고딕" charset="0"/>
+                      </a:endParaRPr>
+                    </a:p>
+                  </a:txBody>
+                  <a:tcPr marL="0" marR="0" marT="0" marB="0" anchor="ctr">
+                    <a:lnL w="0" cap="flat" cmpd="sng" algn="ctr">
+                      <a:noFill/>
+                      <a:prstDash/>
+                      <a:round/>
+                      <a:headEnd type="none" w="med" len="med"/>
+                      <a:tailEnd type="none" w="med" len="med"/>
+                    </a:lnL>
+                    <a:lnR w="0" cap="flat" cmpd="sng" algn="ctr">
+                      <a:noFill/>
+                      <a:prstDash/>
+                      <a:round/>
+                      <a:headEnd type="none" w="med" len="med"/>
+                      <a:tailEnd type="none" w="med" len="med"/>
+                    </a:lnR>
+                    <a:lnT w="0" cap="flat" cmpd="sng" algn="ctr">
+                      <a:noFill/>
+                      <a:prstDash/>
+                      <a:round/>
+                      <a:headEnd type="none" w="med" len="med"/>
+                      <a:tailEnd type="none" w="med" len="med"/>
+                    </a:lnT>
+                    <a:lnB w="0" cap="flat" cmpd="sng" algn="ctr">
+                      <a:noFill/>
+                      <a:prstDash/>
+                      <a:round/>
+                      <a:headEnd type="none" w="med" len="med"/>
+                      <a:tailEnd type="none" w="med" len="med"/>
+                    </a:lnB>
+                  </a:tcPr>
+                </a:tc>
+                <a:tc>
+                  <a:txBody>
+                    <a:bodyPr/>
+                    <a:lstStyle/>
+                    <a:p>
+                      <a:pPr marL="0" indent="0"/>
+                      <a:endParaRPr lang="ko-KR" altLang="en-US" sz="1800" kern="1200">
+                        <a:latin typeface="맑은 고딕" charset="0"/>
+                        <a:ea typeface="맑은 고딕" charset="0"/>
+                      </a:endParaRPr>
+                    </a:p>
+                  </a:txBody>
+                  <a:tcPr marL="0" marR="0" marT="0" marB="0" anchor="ctr">
+                    <a:lnL w="0" cap="flat" cmpd="sng" algn="ctr">
+                      <a:noFill/>
+                      <a:prstDash/>
+                      <a:round/>
+                      <a:headEnd type="none" w="med" len="med"/>
+                      <a:tailEnd type="none" w="med" len="med"/>
+                    </a:lnL>
+                    <a:lnR w="0" cap="flat" cmpd="sng" algn="ctr">
+                      <a:noFill/>
+                      <a:prstDash/>
+                      <a:round/>
+                      <a:headEnd type="none" w="med" len="med"/>
+                      <a:tailEnd type="none" w="med" len="med"/>
+                    </a:lnR>
+                    <a:lnT w="0" cap="flat" cmpd="sng" algn="ctr">
+                      <a:noFill/>
+                      <a:prstDash/>
+                      <a:round/>
+                      <a:headEnd type="none" w="med" len="med"/>
+                      <a:tailEnd type="none" w="med" len="med"/>
+                    </a:lnT>
+                    <a:lnB w="0" cap="flat" cmpd="sng" algn="ctr">
+                      <a:noFill/>
+                      <a:prstDash/>
+                      <a:round/>
+                      <a:headEnd type="none" w="med" len="med"/>
+                      <a:tailEnd type="none" w="med" len="med"/>
+                    </a:lnB>
+                  </a:tcPr>
+                </a:tc>
+              </a:tr>
+              <a:tr h="276860">
+                <a:tc>
+                  <a:txBody>
+                    <a:bodyPr/>
+                    <a:lstStyle/>
+                    <a:p>
+                      <a:pPr marL="0" indent="0"/>
+                      <a:r>
+                        <a:rPr sz="1100" kern="1200">
+                          <a:solidFill>
+                            <a:srgbClr val="000000"/>
+                          </a:solidFill>
+                        </a:rPr>
+                        <a:t>STM32</a:t>
+                      </a:r>
+                      <a:endParaRPr lang="ko-KR" altLang="en-US" sz="1100" kern="1200">
+                        <a:solidFill>
+                          <a:srgbClr val="000000"/>
+                        </a:solidFill>
+                      </a:endParaRPr>
+                    </a:p>
+                  </a:txBody>
+                  <a:tcPr marL="0" marR="0" marT="0" marB="0" anchor="ctr">
+                    <a:lnL w="0" cap="flat" cmpd="sng" algn="ctr">
+                      <a:noFill/>
+                      <a:prstDash/>
+                      <a:round/>
+                      <a:headEnd type="none" w="med" len="med"/>
+                      <a:tailEnd type="none" w="med" len="med"/>
+                    </a:lnL>
+                    <a:lnR w="0" cap="flat" cmpd="sng" algn="ctr">
+                      <a:noFill/>
+                      <a:prstDash/>
+                      <a:round/>
+                      <a:headEnd type="none" w="med" len="med"/>
+                      <a:tailEnd type="none" w="med" len="med"/>
+                    </a:lnR>
+                    <a:lnT w="0" cap="flat" cmpd="sng" algn="ctr">
+                      <a:noFill/>
+                      <a:prstDash/>
+                      <a:round/>
+                      <a:headEnd type="none" w="med" len="med"/>
+                      <a:tailEnd type="none" w="med" len="med"/>
+                    </a:lnT>
+                    <a:lnB w="0" cap="flat" cmpd="sng" algn="ctr">
+                      <a:noFill/>
+                      <a:prstDash/>
+                      <a:round/>
+                      <a:headEnd type="none" w="med" len="med"/>
+                      <a:tailEnd type="none" w="med" len="med"/>
+                    </a:lnB>
+                  </a:tcPr>
+                </a:tc>
+                <a:tc>
+                  <a:txBody>
+                    <a:bodyPr/>
+                    <a:lstStyle/>
+                    <a:p>
+                      <a:pPr marL="0" indent="0"/>
+                      <a:endParaRPr lang="ko-KR" altLang="en-US" sz="1800" kern="1200">
+                        <a:latin typeface="맑은 고딕" charset="0"/>
+                        <a:ea typeface="맑은 고딕" charset="0"/>
+                      </a:endParaRPr>
+                    </a:p>
+                  </a:txBody>
+                  <a:tcPr marL="0" marR="0" marT="0" marB="0" anchor="ctr">
+                    <a:lnL w="0" cap="flat" cmpd="sng" algn="ctr">
+                      <a:noFill/>
+                      <a:prstDash/>
+                      <a:round/>
+                      <a:headEnd type="none" w="med" len="med"/>
+                      <a:tailEnd type="none" w="med" len="med"/>
+                    </a:lnL>
+                    <a:lnR w="0" cap="flat" cmpd="sng" algn="ctr">
+                      <a:noFill/>
+                      <a:prstDash/>
+                      <a:round/>
+                      <a:headEnd type="none" w="med" len="med"/>
+                      <a:tailEnd type="none" w="med" len="med"/>
+                    </a:lnR>
+                    <a:lnT w="0" cap="flat" cmpd="sng" algn="ctr">
+                      <a:noFill/>
+                      <a:prstDash/>
+                      <a:round/>
+                      <a:headEnd type="none" w="med" len="med"/>
+                      <a:tailEnd type="none" w="med" len="med"/>
+                    </a:lnT>
+                    <a:lnB w="0" cap="flat" cmpd="sng" algn="ctr">
+                      <a:noFill/>
+                      <a:prstDash/>
+                      <a:round/>
+                      <a:headEnd type="none" w="med" len="med"/>
+                      <a:tailEnd type="none" w="med" len="med"/>
+                    </a:lnB>
+                  </a:tcPr>
+                </a:tc>
+                <a:tc>
+                  <a:txBody>
+                    <a:bodyPr/>
+                    <a:lstStyle/>
+                    <a:p>
+                      <a:pPr marL="0" indent="0"/>
+                      <a:endParaRPr lang="ko-KR" altLang="en-US" sz="1800" kern="1200">
+                        <a:latin typeface="맑은 고딕" charset="0"/>
+                        <a:ea typeface="맑은 고딕" charset="0"/>
+                      </a:endParaRPr>
+                    </a:p>
+                  </a:txBody>
+                  <a:tcPr marL="0" marR="0" marT="0" marB="0" anchor="ctr">
+                    <a:lnL w="0" cap="flat" cmpd="sng" algn="ctr">
+                      <a:noFill/>
+                      <a:prstDash/>
+                      <a:round/>
+                      <a:headEnd type="none" w="med" len="med"/>
+                      <a:tailEnd type="none" w="med" len="med"/>
+                    </a:lnL>
+                    <a:lnR w="0" cap="flat" cmpd="sng" algn="ctr">
+                      <a:noFill/>
+                      <a:prstDash/>
+                      <a:round/>
+                      <a:headEnd type="none" w="med" len="med"/>
+                      <a:tailEnd type="none" w="med" len="med"/>
+                    </a:lnR>
+                    <a:lnT w="0" cap="flat" cmpd="sng" algn="ctr">
+                      <a:noFill/>
+                      <a:prstDash/>
+                      <a:round/>
+                      <a:headEnd type="none" w="med" len="med"/>
+                      <a:tailEnd type="none" w="med" len="med"/>
+                    </a:lnT>
+                    <a:lnB w="0" cap="flat" cmpd="sng" algn="ctr">
+                      <a:noFill/>
+                      <a:prstDash/>
+                      <a:round/>
+                      <a:headEnd type="none" w="med" len="med"/>
+                      <a:tailEnd type="none" w="med" len="med"/>
+                    </a:lnB>
+                  </a:tcPr>
+                </a:tc>
+                <a:tc>
+                  <a:txBody>
+                    <a:bodyPr/>
+                    <a:lstStyle/>
+                    <a:p>
+                      <a:pPr marL="0" indent="0"/>
+                      <a:endParaRPr lang="ko-KR" altLang="en-US" sz="1800" kern="1200">
+                        <a:latin typeface="맑은 고딕" charset="0"/>
+                        <a:ea typeface="맑은 고딕" charset="0"/>
+                      </a:endParaRPr>
+                    </a:p>
+                  </a:txBody>
+                  <a:tcPr marL="0" marR="0" marT="0" marB="0" anchor="ctr">
+                    <a:lnL w="0" cap="flat" cmpd="sng" algn="ctr">
+                      <a:noFill/>
+                      <a:prstDash/>
+                      <a:round/>
+                      <a:headEnd type="none" w="med" len="med"/>
+                      <a:tailEnd type="none" w="med" len="med"/>
+                    </a:lnL>
+                    <a:lnR w="0" cap="flat" cmpd="sng" algn="ctr">
+                      <a:noFill/>
+                      <a:prstDash/>
+                      <a:round/>
+                      <a:headEnd type="none" w="med" len="med"/>
+                      <a:tailEnd type="none" w="med" len="med"/>
+                    </a:lnR>
+                    <a:lnT w="0" cap="flat" cmpd="sng" algn="ctr">
+                      <a:noFill/>
+                      <a:prstDash/>
+                      <a:round/>
+                      <a:headEnd type="none" w="med" len="med"/>
+                      <a:tailEnd type="none" w="med" len="med"/>
+                    </a:lnT>
+                    <a:lnB w="0" cap="flat" cmpd="sng" algn="ctr">
+                      <a:noFill/>
+                      <a:prstDash/>
+                      <a:round/>
+                      <a:headEnd type="none" w="med" len="med"/>
+                      <a:tailEnd type="none" w="med" len="med"/>
+                    </a:lnB>
+                  </a:tcPr>
+                </a:tc>
+              </a:tr>
+              <a:tr h="174625">
+                <a:tc>
+                  <a:txBody>
+                    <a:bodyPr/>
+                    <a:lstStyle/>
+                    <a:p>
+                      <a:pPr marL="0" indent="0"/>
+                      <a:r>
+                        <a:rPr sz="1100" kern="1200">
+                          <a:solidFill>
+                            <a:srgbClr val="000000"/>
+                          </a:solidFill>
+                        </a:rPr>
+                        <a:t>인터페이스</a:t>
+                      </a:r>
+                      <a:endParaRPr lang="ko-KR" altLang="en-US" sz="1100" kern="1200">
+                        <a:solidFill>
+                          <a:srgbClr val="000000"/>
+                        </a:solidFill>
+                      </a:endParaRPr>
+                    </a:p>
+                  </a:txBody>
+                  <a:tcPr marL="0" marR="0" marT="0" marB="0" anchor="ctr">
+                    <a:lnL w="0" cap="flat" cmpd="sng" algn="ctr">
+                      <a:noFill/>
+                      <a:prstDash/>
+                      <a:round/>
+                      <a:headEnd type="none" w="med" len="med"/>
+                      <a:tailEnd type="none" w="med" len="med"/>
+                    </a:lnL>
+                    <a:lnR w="0" cap="flat" cmpd="sng" algn="ctr">
+                      <a:noFill/>
+                      <a:prstDash/>
+                      <a:round/>
+                      <a:headEnd type="none" w="med" len="med"/>
+                      <a:tailEnd type="none" w="med" len="med"/>
+                    </a:lnR>
+                    <a:lnT w="0" cap="flat" cmpd="sng" algn="ctr">
+                      <a:noFill/>
+                      <a:prstDash/>
+                      <a:round/>
+                      <a:headEnd type="none" w="med" len="med"/>
+                      <a:tailEnd type="none" w="med" len="med"/>
+                    </a:lnT>
+                    <a:lnB w="0" cap="flat" cmpd="sng" algn="ctr">
+                      <a:noFill/>
+                      <a:prstDash/>
+                      <a:round/>
+                      <a:headEnd type="none" w="med" len="med"/>
+                      <a:tailEnd type="none" w="med" len="med"/>
+                    </a:lnB>
+                  </a:tcPr>
+                </a:tc>
+                <a:tc>
+                  <a:txBody>
+                    <a:bodyPr/>
+                    <a:lstStyle/>
+                    <a:p>
+                      <a:pPr marL="0" indent="0"/>
+                      <a:r>
+                        <a:rPr sz="1100" kern="1200">
+                          <a:solidFill>
+                            <a:srgbClr val="000000"/>
+                          </a:solidFill>
+                        </a:rPr>
+                        <a:t>핀번호/포트명</a:t>
+                      </a:r>
+                      <a:endParaRPr lang="ko-KR" altLang="en-US" sz="1100" kern="1200">
+                        <a:solidFill>
+                          <a:srgbClr val="000000"/>
+                        </a:solidFill>
+                      </a:endParaRPr>
+                    </a:p>
+                  </a:txBody>
+                  <a:tcPr marL="0" marR="0" marT="0" marB="0" anchor="ctr">
+                    <a:lnL w="0" cap="flat" cmpd="sng" algn="ctr">
+                      <a:noFill/>
+                      <a:prstDash/>
+                      <a:round/>
+                      <a:headEnd type="none" w="med" len="med"/>
+                      <a:tailEnd type="none" w="med" len="med"/>
+                    </a:lnL>
+                    <a:lnR w="0" cap="flat" cmpd="sng" algn="ctr">
+                      <a:noFill/>
+                      <a:prstDash/>
+                      <a:round/>
+                      <a:headEnd type="none" w="med" len="med"/>
+                      <a:tailEnd type="none" w="med" len="med"/>
+                    </a:lnR>
+                    <a:lnT w="0" cap="flat" cmpd="sng" algn="ctr">
+                      <a:noFill/>
+                      <a:prstDash/>
+                      <a:round/>
+                      <a:headEnd type="none" w="med" len="med"/>
+                      <a:tailEnd type="none" w="med" len="med"/>
+                    </a:lnT>
+                    <a:lnB w="0" cap="flat" cmpd="sng" algn="ctr">
+                      <a:noFill/>
+                      <a:prstDash/>
+                      <a:round/>
+                      <a:headEnd type="none" w="med" len="med"/>
+                      <a:tailEnd type="none" w="med" len="med"/>
+                    </a:lnB>
+                  </a:tcPr>
+                </a:tc>
+                <a:tc>
+                  <a:txBody>
+                    <a:bodyPr/>
+                    <a:lstStyle/>
+                    <a:p>
+                      <a:pPr marL="0" indent="0"/>
+                      <a:r>
+                        <a:rPr sz="1100" kern="1200">
+                          <a:solidFill>
+                            <a:srgbClr val="000000"/>
+                          </a:solidFill>
+                        </a:rPr>
+                        <a:t>방향</a:t>
+                      </a:r>
+                      <a:endParaRPr lang="ko-KR" altLang="en-US" sz="1100" kern="1200">
+                        <a:solidFill>
+                          <a:srgbClr val="000000"/>
+                        </a:solidFill>
+                      </a:endParaRPr>
+                    </a:p>
+                  </a:txBody>
+                  <a:tcPr marL="0" marR="0" marT="0" marB="0" anchor="ctr">
+                    <a:lnL w="0" cap="flat" cmpd="sng" algn="ctr">
+                      <a:noFill/>
+                      <a:prstDash/>
+                      <a:round/>
+                      <a:headEnd type="none" w="med" len="med"/>
+                      <a:tailEnd type="none" w="med" len="med"/>
+                    </a:lnL>
+                    <a:lnR w="0" cap="flat" cmpd="sng" algn="ctr">
+                      <a:noFill/>
+                      <a:prstDash/>
+                      <a:round/>
+                      <a:headEnd type="none" w="med" len="med"/>
+                      <a:tailEnd type="none" w="med" len="med"/>
+                    </a:lnR>
+                    <a:lnT w="0" cap="flat" cmpd="sng" algn="ctr">
+                      <a:noFill/>
+                      <a:prstDash/>
+                      <a:round/>
+                      <a:headEnd type="none" w="med" len="med"/>
+                      <a:tailEnd type="none" w="med" len="med"/>
+                    </a:lnT>
+                    <a:lnB w="0" cap="flat" cmpd="sng" algn="ctr">
+                      <a:noFill/>
+                      <a:prstDash/>
+                      <a:round/>
+                      <a:headEnd type="none" w="med" len="med"/>
+                      <a:tailEnd type="none" w="med" len="med"/>
+                    </a:lnB>
+                  </a:tcPr>
+                </a:tc>
+                <a:tc>
+                  <a:txBody>
+                    <a:bodyPr/>
+                    <a:lstStyle/>
+                    <a:p>
+                      <a:pPr marL="0" indent="0"/>
+                      <a:r>
+                        <a:rPr sz="1100" kern="1200">
+                          <a:solidFill>
+                            <a:srgbClr val="000000"/>
+                          </a:solidFill>
+                        </a:rPr>
+                        <a:t>기능</a:t>
+                      </a:r>
+                      <a:endParaRPr lang="ko-KR" altLang="en-US" sz="1100" kern="1200">
+                        <a:solidFill>
+                          <a:srgbClr val="000000"/>
+                        </a:solidFill>
+                      </a:endParaRPr>
+                    </a:p>
+                  </a:txBody>
+                  <a:tcPr marL="0" marR="0" marT="0" marB="0" anchor="ctr">
+                    <a:lnL w="0" cap="flat" cmpd="sng" algn="ctr">
+                      <a:noFill/>
+                      <a:prstDash/>
+                      <a:round/>
+                      <a:headEnd type="none" w="med" len="med"/>
+                      <a:tailEnd type="none" w="med" len="med"/>
+                    </a:lnL>
+                    <a:lnR w="0" cap="flat" cmpd="sng" algn="ctr">
+                      <a:noFill/>
+                      <a:prstDash/>
+                      <a:round/>
+                      <a:headEnd type="none" w="med" len="med"/>
+                      <a:tailEnd type="none" w="med" len="med"/>
+                    </a:lnR>
+                    <a:lnT w="0" cap="flat" cmpd="sng" algn="ctr">
+                      <a:noFill/>
+                      <a:prstDash/>
+                      <a:round/>
+                      <a:headEnd type="none" w="med" len="med"/>
+                      <a:tailEnd type="none" w="med" len="med"/>
+                    </a:lnT>
+                    <a:lnB w="0" cap="flat" cmpd="sng" algn="ctr">
+                      <a:noFill/>
+                      <a:prstDash/>
+                      <a:round/>
+                      <a:headEnd type="none" w="med" len="med"/>
+                      <a:tailEnd type="none" w="med" len="med"/>
+                    </a:lnB>
+                  </a:tcPr>
+                </a:tc>
+              </a:tr>
+              <a:tr h="174625">
+                <a:tc>
+                  <a:txBody>
+                    <a:bodyPr/>
+                    <a:lstStyle/>
+                    <a:p>
+                      <a:pPr marL="0" indent="0"/>
+                      <a:r>
+                        <a:rPr sz="1100" kern="1200">
+                          <a:solidFill>
+                            <a:srgbClr val="000000"/>
+                          </a:solidFill>
+                        </a:rPr>
+                        <a:t>DHT11</a:t>
+                      </a:r>
+                      <a:endParaRPr lang="ko-KR" altLang="en-US" sz="1100" kern="1200">
+                        <a:solidFill>
+                          <a:srgbClr val="000000"/>
+                        </a:solidFill>
+                      </a:endParaRPr>
+                    </a:p>
+                  </a:txBody>
+                  <a:tcPr marL="0" marR="0" marT="0" marB="0" anchor="ctr">
+                    <a:lnL w="0" cap="flat" cmpd="sng" algn="ctr">
+                      <a:noFill/>
+                      <a:prstDash/>
+                      <a:round/>
+                      <a:headEnd type="none" w="med" len="med"/>
+                      <a:tailEnd type="none" w="med" len="med"/>
+                    </a:lnL>
+                    <a:lnR w="0" cap="flat" cmpd="sng" algn="ctr">
+                      <a:noFill/>
+                      <a:prstDash/>
+                      <a:round/>
+                      <a:headEnd type="none" w="med" len="med"/>
+                      <a:tailEnd type="none" w="med" len="med"/>
+                    </a:lnR>
+                    <a:lnT w="0" cap="flat" cmpd="sng" algn="ctr">
+                      <a:noFill/>
+                      <a:prstDash/>
+                      <a:round/>
+                      <a:headEnd type="none" w="med" len="med"/>
+                      <a:tailEnd type="none" w="med" len="med"/>
+                    </a:lnT>
+                    <a:lnB w="0" cap="flat" cmpd="sng" algn="ctr">
+                      <a:noFill/>
+                      <a:prstDash/>
+                      <a:round/>
+                      <a:headEnd type="none" w="med" len="med"/>
+                      <a:tailEnd type="none" w="med" len="med"/>
+                    </a:lnB>
+                  </a:tcPr>
+                </a:tc>
+                <a:tc>
+                  <a:txBody>
+                    <a:bodyPr/>
+                    <a:lstStyle/>
+                    <a:p>
+                      <a:pPr marL="0" indent="0"/>
+                      <a:r>
+                        <a:rPr sz="1100" kern="1200">
+                          <a:solidFill>
+                            <a:srgbClr val="000000"/>
+                          </a:solidFill>
+                        </a:rPr>
+                        <a:t>PC10</a:t>
+                      </a:r>
+                      <a:endParaRPr lang="ko-KR" altLang="en-US" sz="1100" kern="1200">
+                        <a:solidFill>
+                          <a:srgbClr val="000000"/>
+                        </a:solidFill>
+                      </a:endParaRPr>
+                    </a:p>
+                  </a:txBody>
+                  <a:tcPr marL="0" marR="0" marT="0" marB="0" anchor="ctr">
+                    <a:lnL w="0" cap="flat" cmpd="sng" algn="ctr">
+                      <a:noFill/>
+                      <a:prstDash/>
+                      <a:round/>
+                      <a:headEnd type="none" w="med" len="med"/>
+                      <a:tailEnd type="none" w="med" len="med"/>
+                    </a:lnL>
+                    <a:lnR w="0" cap="flat" cmpd="sng" algn="ctr">
+                      <a:noFill/>
+                      <a:prstDash/>
+                      <a:round/>
+                      <a:headEnd type="none" w="med" len="med"/>
+                      <a:tailEnd type="none" w="med" len="med"/>
+                    </a:lnR>
+                    <a:lnT w="0" cap="flat" cmpd="sng" algn="ctr">
+                      <a:noFill/>
+                      <a:prstDash/>
+                      <a:round/>
+                      <a:headEnd type="none" w="med" len="med"/>
+                      <a:tailEnd type="none" w="med" len="med"/>
+                    </a:lnT>
+                    <a:lnB w="0" cap="flat" cmpd="sng" algn="ctr">
+                      <a:noFill/>
+                      <a:prstDash/>
+                      <a:round/>
+                      <a:headEnd type="none" w="med" len="med"/>
+                      <a:tailEnd type="none" w="med" len="med"/>
+                    </a:lnB>
+                  </a:tcPr>
+                </a:tc>
+                <a:tc>
+                  <a:txBody>
+                    <a:bodyPr/>
+                    <a:lstStyle/>
+                    <a:p>
+                      <a:pPr marL="0" indent="0"/>
+                      <a:r>
+                        <a:rPr sz="1100" kern="1200">
+                          <a:solidFill>
+                            <a:srgbClr val="000000"/>
+                          </a:solidFill>
+                        </a:rPr>
+                        <a:t>Output</a:t>
+                      </a:r>
+                      <a:endParaRPr lang="ko-KR" altLang="en-US" sz="1100" kern="1200">
+                        <a:solidFill>
+                          <a:srgbClr val="000000"/>
+                        </a:solidFill>
+                      </a:endParaRPr>
+                    </a:p>
+                  </a:txBody>
+                  <a:tcPr marL="0" marR="0" marT="0" marB="0" anchor="ctr">
+                    <a:lnL w="0" cap="flat" cmpd="sng" algn="ctr">
+                      <a:noFill/>
+                      <a:prstDash/>
+                      <a:round/>
+                      <a:headEnd type="none" w="med" len="med"/>
+                      <a:tailEnd type="none" w="med" len="med"/>
+                    </a:lnL>
+                    <a:lnR w="0" cap="flat" cmpd="sng" algn="ctr">
+                      <a:noFill/>
+                      <a:prstDash/>
+                      <a:round/>
+                      <a:headEnd type="none" w="med" len="med"/>
+                      <a:tailEnd type="none" w="med" len="med"/>
+                    </a:lnR>
+                    <a:lnT w="0" cap="flat" cmpd="sng" algn="ctr">
+                      <a:noFill/>
+                      <a:prstDash/>
+                      <a:round/>
+                      <a:headEnd type="none" w="med" len="med"/>
+                      <a:tailEnd type="none" w="med" len="med"/>
+                    </a:lnT>
+                    <a:lnB w="0" cap="flat" cmpd="sng" algn="ctr">
+                      <a:noFill/>
+                      <a:prstDash/>
+                      <a:round/>
+                      <a:headEnd type="none" w="med" len="med"/>
+                      <a:tailEnd type="none" w="med" len="med"/>
+                    </a:lnB>
+                  </a:tcPr>
+                </a:tc>
+                <a:tc>
+                  <a:txBody>
+                    <a:bodyPr/>
+                    <a:lstStyle/>
+                    <a:p>
+                      <a:pPr marL="0" indent="0"/>
+                      <a:r>
+                        <a:rPr sz="1100" kern="1200">
+                          <a:solidFill>
+                            <a:srgbClr val="000000"/>
+                          </a:solidFill>
+                        </a:rPr>
+                        <a:t>온도, 습도 측정</a:t>
+                      </a:r>
+                      <a:endParaRPr lang="ko-KR" altLang="en-US" sz="1100" kern="1200">
+                        <a:solidFill>
+                          <a:srgbClr val="000000"/>
+                        </a:solidFill>
+                      </a:endParaRPr>
+                    </a:p>
+                  </a:txBody>
+                  <a:tcPr marL="0" marR="0" marT="0" marB="0" anchor="ctr">
+                    <a:lnL w="0" cap="flat" cmpd="sng" algn="ctr">
+                      <a:noFill/>
+                      <a:prstDash/>
+                      <a:round/>
+                      <a:headEnd type="none" w="med" len="med"/>
+                      <a:tailEnd type="none" w="med" len="med"/>
+                    </a:lnL>
+                    <a:lnR w="0" cap="flat" cmpd="sng" algn="ctr">
+                      <a:noFill/>
+                      <a:prstDash/>
+                      <a:round/>
+                      <a:headEnd type="none" w="med" len="med"/>
+                      <a:tailEnd type="none" w="med" len="med"/>
+                    </a:lnR>
+                    <a:lnT w="0" cap="flat" cmpd="sng" algn="ctr">
+                      <a:noFill/>
+                      <a:prstDash/>
+                      <a:round/>
+                      <a:headEnd type="none" w="med" len="med"/>
+                      <a:tailEnd type="none" w="med" len="med"/>
+                    </a:lnT>
+                    <a:lnB w="0" cap="flat" cmpd="sng" algn="ctr">
+                      <a:noFill/>
+                      <a:prstDash/>
+                      <a:round/>
+                      <a:headEnd type="none" w="med" len="med"/>
+                      <a:tailEnd type="none" w="med" len="med"/>
+                    </a:lnB>
+                  </a:tcPr>
+                </a:tc>
+              </a:tr>
+              <a:tr h="174625">
+                <a:tc>
+                  <a:txBody>
+                    <a:bodyPr/>
+                    <a:lstStyle/>
+                    <a:p>
+                      <a:pPr marL="0" indent="0"/>
+                      <a:r>
+                        <a:rPr sz="1100" kern="1200">
+                          <a:solidFill>
+                            <a:srgbClr val="000000"/>
+                          </a:solidFill>
+                        </a:rPr>
+                        <a:t>Servo motor1</a:t>
+                      </a:r>
+                      <a:endParaRPr lang="ko-KR" altLang="en-US" sz="1100" kern="1200">
+                        <a:solidFill>
+                          <a:srgbClr val="000000"/>
+                        </a:solidFill>
+                      </a:endParaRPr>
+                    </a:p>
+                  </a:txBody>
+                  <a:tcPr marL="0" marR="0" marT="0" marB="0" anchor="ctr">
+                    <a:lnL w="0" cap="flat" cmpd="sng" algn="ctr">
+                      <a:noFill/>
+                      <a:prstDash/>
+                      <a:round/>
+                      <a:headEnd type="none" w="med" len="med"/>
+                      <a:tailEnd type="none" w="med" len="med"/>
+                    </a:lnL>
+                    <a:lnR w="0" cap="flat" cmpd="sng" algn="ctr">
+                      <a:noFill/>
+                      <a:prstDash/>
+                      <a:round/>
+                      <a:headEnd type="none" w="med" len="med"/>
+                      <a:tailEnd type="none" w="med" len="med"/>
+                    </a:lnR>
+                    <a:lnT w="0" cap="flat" cmpd="sng" algn="ctr">
+                      <a:noFill/>
+                      <a:prstDash/>
+                      <a:round/>
+                      <a:headEnd type="none" w="med" len="med"/>
+                      <a:tailEnd type="none" w="med" len="med"/>
+                    </a:lnT>
+                    <a:lnB w="0" cap="flat" cmpd="sng" algn="ctr">
+                      <a:noFill/>
+                      <a:prstDash/>
+                      <a:round/>
+                      <a:headEnd type="none" w="med" len="med"/>
+                      <a:tailEnd type="none" w="med" len="med"/>
+                    </a:lnB>
+                  </a:tcPr>
+                </a:tc>
+                <a:tc>
+                  <a:txBody>
+                    <a:bodyPr/>
+                    <a:lstStyle/>
+                    <a:p>
+                      <a:pPr marL="0" indent="0"/>
+                      <a:r>
+                        <a:rPr sz="1100" kern="1200">
+                          <a:solidFill>
+                            <a:srgbClr val="000000"/>
+                          </a:solidFill>
+                        </a:rPr>
+                        <a:t>PB7</a:t>
+                      </a:r>
+                      <a:endParaRPr lang="ko-KR" altLang="en-US" sz="1100" kern="1200">
+                        <a:solidFill>
+                          <a:srgbClr val="000000"/>
+                        </a:solidFill>
+                      </a:endParaRPr>
+                    </a:p>
+                  </a:txBody>
+                  <a:tcPr marL="0" marR="0" marT="0" marB="0" anchor="ctr">
+                    <a:lnL w="0" cap="flat" cmpd="sng" algn="ctr">
+                      <a:noFill/>
+                      <a:prstDash/>
+                      <a:round/>
+                      <a:headEnd type="none" w="med" len="med"/>
+                      <a:tailEnd type="none" w="med" len="med"/>
+                    </a:lnL>
+                    <a:lnR w="0" cap="flat" cmpd="sng" algn="ctr">
+                      <a:noFill/>
+                      <a:prstDash/>
+                      <a:round/>
+                      <a:headEnd type="none" w="med" len="med"/>
+                      <a:tailEnd type="none" w="med" len="med"/>
+                    </a:lnR>
+                    <a:lnT w="0" cap="flat" cmpd="sng" algn="ctr">
+                      <a:noFill/>
+                      <a:prstDash/>
+                      <a:round/>
+                      <a:headEnd type="none" w="med" len="med"/>
+                      <a:tailEnd type="none" w="med" len="med"/>
+                    </a:lnT>
+                    <a:lnB w="0" cap="flat" cmpd="sng" algn="ctr">
+                      <a:noFill/>
+                      <a:prstDash/>
+                      <a:round/>
+                      <a:headEnd type="none" w="med" len="med"/>
+                      <a:tailEnd type="none" w="med" len="med"/>
+                    </a:lnB>
+                  </a:tcPr>
+                </a:tc>
+                <a:tc>
+                  <a:txBody>
+                    <a:bodyPr/>
+                    <a:lstStyle/>
+                    <a:p>
+                      <a:pPr marL="0" indent="0"/>
+                      <a:r>
+                        <a:rPr sz="1100" kern="1200">
+                          <a:solidFill>
+                            <a:srgbClr val="000000"/>
+                          </a:solidFill>
+                        </a:rPr>
+                        <a:t>Output</a:t>
+                      </a:r>
+                      <a:endParaRPr lang="ko-KR" altLang="en-US" sz="1100" kern="1200">
+                        <a:solidFill>
+                          <a:srgbClr val="000000"/>
+                        </a:solidFill>
+                      </a:endParaRPr>
+                    </a:p>
+                  </a:txBody>
+                  <a:tcPr marL="0" marR="0" marT="0" marB="0" anchor="ctr">
+                    <a:lnL w="0" cap="flat" cmpd="sng" algn="ctr">
+                      <a:noFill/>
+                      <a:prstDash/>
+                      <a:round/>
+                      <a:headEnd type="none" w="med" len="med"/>
+                      <a:tailEnd type="none" w="med" len="med"/>
+                    </a:lnL>
+                    <a:lnR w="0" cap="flat" cmpd="sng" algn="ctr">
+                      <a:noFill/>
+                      <a:prstDash/>
+                      <a:round/>
+                      <a:headEnd type="none" w="med" len="med"/>
+                      <a:tailEnd type="none" w="med" len="med"/>
+                    </a:lnR>
+                    <a:lnT w="0" cap="flat" cmpd="sng" algn="ctr">
+                      <a:noFill/>
+                      <a:prstDash/>
+                      <a:round/>
+                      <a:headEnd type="none" w="med" len="med"/>
+                      <a:tailEnd type="none" w="med" len="med"/>
+                    </a:lnT>
+                    <a:lnB w="0" cap="flat" cmpd="sng" algn="ctr">
+                      <a:noFill/>
+                      <a:prstDash/>
+                      <a:round/>
+                      <a:headEnd type="none" w="med" len="med"/>
+                      <a:tailEnd type="none" w="med" len="med"/>
+                    </a:lnB>
+                  </a:tcPr>
+                </a:tc>
+                <a:tc>
+                  <a:txBody>
+                    <a:bodyPr/>
+                    <a:lstStyle/>
+                    <a:p>
+                      <a:pPr marL="0" indent="0"/>
+                      <a:r>
+                        <a:rPr sz="1100" kern="1200">
+                          <a:solidFill>
+                            <a:srgbClr val="000000"/>
+                          </a:solidFill>
+                        </a:rPr>
+                        <a:t>케이지문 작동</a:t>
+                      </a:r>
+                      <a:endParaRPr lang="ko-KR" altLang="en-US" sz="1100" kern="1200">
+                        <a:solidFill>
+                          <a:srgbClr val="000000"/>
+                        </a:solidFill>
+                      </a:endParaRPr>
+                    </a:p>
+                  </a:txBody>
+                  <a:tcPr marL="0" marR="0" marT="0" marB="0" anchor="ctr">
+                    <a:lnL w="0" cap="flat" cmpd="sng" algn="ctr">
+                      <a:noFill/>
+                      <a:prstDash/>
+                      <a:round/>
+                      <a:headEnd type="none" w="med" len="med"/>
+                      <a:tailEnd type="none" w="med" len="med"/>
+                    </a:lnL>
+                    <a:lnR w="0" cap="flat" cmpd="sng" algn="ctr">
+                      <a:noFill/>
+                      <a:prstDash/>
+                      <a:round/>
+                      <a:headEnd type="none" w="med" len="med"/>
+                      <a:tailEnd type="none" w="med" len="med"/>
+                    </a:lnR>
+                    <a:lnT w="0" cap="flat" cmpd="sng" algn="ctr">
+                      <a:noFill/>
+                      <a:prstDash/>
+                      <a:round/>
+                      <a:headEnd type="none" w="med" len="med"/>
+                      <a:tailEnd type="none" w="med" len="med"/>
+                    </a:lnT>
+                    <a:lnB w="0" cap="flat" cmpd="sng" algn="ctr">
+                      <a:noFill/>
+                      <a:prstDash/>
+                      <a:round/>
+                      <a:headEnd type="none" w="med" len="med"/>
+                      <a:tailEnd type="none" w="med" len="med"/>
+                    </a:lnB>
+                  </a:tcPr>
+                </a:tc>
+              </a:tr>
+              <a:tr h="174625">
+                <a:tc>
+                  <a:txBody>
+                    <a:bodyPr/>
+                    <a:lstStyle/>
+                    <a:p>
+                      <a:pPr marL="0" indent="0"/>
+                      <a:r>
+                        <a:rPr sz="1100" kern="1200">
+                          <a:solidFill>
+                            <a:srgbClr val="000000"/>
+                          </a:solidFill>
+                        </a:rPr>
+                        <a:t>Servo motor2</a:t>
+                      </a:r>
+                      <a:endParaRPr lang="ko-KR" altLang="en-US" sz="1100" kern="1200">
+                        <a:solidFill>
+                          <a:srgbClr val="000000"/>
+                        </a:solidFill>
+                      </a:endParaRPr>
+                    </a:p>
+                  </a:txBody>
+                  <a:tcPr marL="0" marR="0" marT="0" marB="0" anchor="ctr">
+                    <a:lnL w="0" cap="flat" cmpd="sng" algn="ctr">
+                      <a:noFill/>
+                      <a:prstDash/>
+                      <a:round/>
+                      <a:headEnd type="none" w="med" len="med"/>
+                      <a:tailEnd type="none" w="med" len="med"/>
+                    </a:lnL>
+                    <a:lnR w="0" cap="flat" cmpd="sng" algn="ctr">
+                      <a:noFill/>
+                      <a:prstDash/>
+                      <a:round/>
+                      <a:headEnd type="none" w="med" len="med"/>
+                      <a:tailEnd type="none" w="med" len="med"/>
+                    </a:lnR>
+                    <a:lnT w="0" cap="flat" cmpd="sng" algn="ctr">
+                      <a:noFill/>
+                      <a:prstDash/>
+                      <a:round/>
+                      <a:headEnd type="none" w="med" len="med"/>
+                      <a:tailEnd type="none" w="med" len="med"/>
+                    </a:lnT>
+                    <a:lnB w="0" cap="flat" cmpd="sng" algn="ctr">
+                      <a:noFill/>
+                      <a:prstDash/>
+                      <a:round/>
+                      <a:headEnd type="none" w="med" len="med"/>
+                      <a:tailEnd type="none" w="med" len="med"/>
+                    </a:lnB>
+                  </a:tcPr>
+                </a:tc>
+                <a:tc>
+                  <a:txBody>
+                    <a:bodyPr/>
+                    <a:lstStyle/>
+                    <a:p>
+                      <a:pPr marL="0" indent="0"/>
+                      <a:r>
+                        <a:rPr sz="1100" kern="1200">
+                          <a:solidFill>
+                            <a:srgbClr val="000000"/>
+                          </a:solidFill>
+                        </a:rPr>
+                        <a:t>PB6</a:t>
+                      </a:r>
+                      <a:endParaRPr lang="ko-KR" altLang="en-US" sz="1100" kern="1200">
+                        <a:solidFill>
+                          <a:srgbClr val="000000"/>
+                        </a:solidFill>
+                      </a:endParaRPr>
+                    </a:p>
+                  </a:txBody>
+                  <a:tcPr marL="0" marR="0" marT="0" marB="0" anchor="ctr">
+                    <a:lnL w="0" cap="flat" cmpd="sng" algn="ctr">
+                      <a:noFill/>
+                      <a:prstDash/>
+                      <a:round/>
+                      <a:headEnd type="none" w="med" len="med"/>
+                      <a:tailEnd type="none" w="med" len="med"/>
+                    </a:lnL>
+                    <a:lnR w="0" cap="flat" cmpd="sng" algn="ctr">
+                      <a:noFill/>
+                      <a:prstDash/>
+                      <a:round/>
+                      <a:headEnd type="none" w="med" len="med"/>
+                      <a:tailEnd type="none" w="med" len="med"/>
+                    </a:lnR>
+                    <a:lnT w="0" cap="flat" cmpd="sng" algn="ctr">
+                      <a:noFill/>
+                      <a:prstDash/>
+                      <a:round/>
+                      <a:headEnd type="none" w="med" len="med"/>
+                      <a:tailEnd type="none" w="med" len="med"/>
+                    </a:lnT>
+                    <a:lnB w="0" cap="flat" cmpd="sng" algn="ctr">
+                      <a:noFill/>
+                      <a:prstDash/>
+                      <a:round/>
+                      <a:headEnd type="none" w="med" len="med"/>
+                      <a:tailEnd type="none" w="med" len="med"/>
+                    </a:lnB>
+                  </a:tcPr>
+                </a:tc>
+                <a:tc>
+                  <a:txBody>
+                    <a:bodyPr/>
+                    <a:lstStyle/>
+                    <a:p>
+                      <a:pPr marL="0" indent="0"/>
+                      <a:r>
+                        <a:rPr sz="1100" kern="1200">
+                          <a:solidFill>
+                            <a:srgbClr val="000000"/>
+                          </a:solidFill>
+                        </a:rPr>
+                        <a:t>Output</a:t>
+                      </a:r>
+                      <a:endParaRPr lang="ko-KR" altLang="en-US" sz="1100" kern="1200">
+                        <a:solidFill>
+                          <a:srgbClr val="000000"/>
+                        </a:solidFill>
+                      </a:endParaRPr>
+                    </a:p>
+                  </a:txBody>
+                  <a:tcPr marL="0" marR="0" marT="0" marB="0" anchor="ctr">
+                    <a:lnL w="0" cap="flat" cmpd="sng" algn="ctr">
+                      <a:noFill/>
+                      <a:prstDash/>
+                      <a:round/>
+                      <a:headEnd type="none" w="med" len="med"/>
+                      <a:tailEnd type="none" w="med" len="med"/>
+                    </a:lnL>
+                    <a:lnR w="0" cap="flat" cmpd="sng" algn="ctr">
+                      <a:noFill/>
+                      <a:prstDash/>
+                      <a:round/>
+                      <a:headEnd type="none" w="med" len="med"/>
+                      <a:tailEnd type="none" w="med" len="med"/>
+                    </a:lnR>
+                    <a:lnT w="0" cap="flat" cmpd="sng" algn="ctr">
+                      <a:noFill/>
+                      <a:prstDash/>
+                      <a:round/>
+                      <a:headEnd type="none" w="med" len="med"/>
+                      <a:tailEnd type="none" w="med" len="med"/>
+                    </a:lnT>
+                    <a:lnB w="0" cap="flat" cmpd="sng" algn="ctr">
+                      <a:noFill/>
+                      <a:prstDash/>
+                      <a:round/>
+                      <a:headEnd type="none" w="med" len="med"/>
+                      <a:tailEnd type="none" w="med" len="med"/>
+                    </a:lnB>
+                  </a:tcPr>
+                </a:tc>
+                <a:tc>
+                  <a:txBody>
+                    <a:bodyPr/>
+                    <a:lstStyle/>
+                    <a:p>
+                      <a:pPr marL="0" indent="0"/>
+                      <a:r>
+                        <a:rPr sz="1100" kern="1200">
+                          <a:solidFill>
+                            <a:srgbClr val="000000"/>
+                          </a:solidFill>
+                        </a:rPr>
+                        <a:t>케이지 창문 작동</a:t>
+                      </a:r>
+                      <a:endParaRPr lang="ko-KR" altLang="en-US" sz="1100" kern="1200">
+                        <a:solidFill>
+                          <a:srgbClr val="000000"/>
+                        </a:solidFill>
+                      </a:endParaRPr>
+                    </a:p>
+                  </a:txBody>
+                  <a:tcPr marL="0" marR="0" marT="0" marB="0" anchor="ctr">
+                    <a:lnL w="0" cap="flat" cmpd="sng" algn="ctr">
+                      <a:noFill/>
+                      <a:prstDash/>
+                      <a:round/>
+                      <a:headEnd type="none" w="med" len="med"/>
+                      <a:tailEnd type="none" w="med" len="med"/>
+                    </a:lnL>
+                    <a:lnR w="0" cap="flat" cmpd="sng" algn="ctr">
+                      <a:noFill/>
+                      <a:prstDash/>
+                      <a:round/>
+                      <a:headEnd type="none" w="med" len="med"/>
+                      <a:tailEnd type="none" w="med" len="med"/>
+                    </a:lnR>
+                    <a:lnT w="0" cap="flat" cmpd="sng" algn="ctr">
+                      <a:noFill/>
+                      <a:prstDash/>
+                      <a:round/>
+                      <a:headEnd type="none" w="med" len="med"/>
+                      <a:tailEnd type="none" w="med" len="med"/>
+                    </a:lnT>
+                    <a:lnB w="0" cap="flat" cmpd="sng" algn="ctr">
+                      <a:noFill/>
+                      <a:prstDash/>
+                      <a:round/>
+                      <a:headEnd type="none" w="med" len="med"/>
+                      <a:tailEnd type="none" w="med" len="med"/>
+                    </a:lnB>
+                  </a:tcPr>
+                </a:tc>
+              </a:tr>
+              <a:tr h="174625">
+                <a:tc>
+                  <a:txBody>
+                    <a:bodyPr/>
+                    <a:lstStyle/>
+                    <a:p>
+                      <a:pPr marL="0" indent="0"/>
+                      <a:r>
+                        <a:rPr sz="1100" kern="1200">
+                          <a:solidFill>
+                            <a:srgbClr val="000000"/>
+                          </a:solidFill>
+                        </a:rPr>
+                        <a:t>ESP RX</a:t>
+                      </a:r>
+                      <a:endParaRPr lang="ko-KR" altLang="en-US" sz="1100" kern="1200">
+                        <a:solidFill>
+                          <a:srgbClr val="000000"/>
+                        </a:solidFill>
+                      </a:endParaRPr>
+                    </a:p>
+                  </a:txBody>
+                  <a:tcPr marL="0" marR="0" marT="0" marB="0" anchor="ctr">
+                    <a:lnL w="0" cap="flat" cmpd="sng" algn="ctr">
+                      <a:noFill/>
+                      <a:prstDash/>
+                      <a:round/>
+                      <a:headEnd type="none" w="med" len="med"/>
+                      <a:tailEnd type="none" w="med" len="med"/>
+                    </a:lnL>
+                    <a:lnR w="0" cap="flat" cmpd="sng" algn="ctr">
+                      <a:noFill/>
+                      <a:prstDash/>
+                      <a:round/>
+                      <a:headEnd type="none" w="med" len="med"/>
+                      <a:tailEnd type="none" w="med" len="med"/>
+                    </a:lnR>
+                    <a:lnT w="0" cap="flat" cmpd="sng" algn="ctr">
+                      <a:noFill/>
+                      <a:prstDash/>
+                      <a:round/>
+                      <a:headEnd type="none" w="med" len="med"/>
+                      <a:tailEnd type="none" w="med" len="med"/>
+                    </a:lnT>
+                    <a:lnB w="0" cap="flat" cmpd="sng" algn="ctr">
+                      <a:noFill/>
+                      <a:prstDash/>
+                      <a:round/>
+                      <a:headEnd type="none" w="med" len="med"/>
+                      <a:tailEnd type="none" w="med" len="med"/>
+                    </a:lnB>
+                  </a:tcPr>
+                </a:tc>
+                <a:tc>
+                  <a:txBody>
+                    <a:bodyPr/>
+                    <a:lstStyle/>
+                    <a:p>
+                      <a:pPr marL="0" indent="0"/>
+                      <a:r>
+                        <a:rPr sz="1100" kern="1200">
+                          <a:solidFill>
+                            <a:srgbClr val="000000"/>
+                          </a:solidFill>
+                        </a:rPr>
+                        <a:t>PC7</a:t>
+                      </a:r>
+                      <a:endParaRPr lang="ko-KR" altLang="en-US" sz="1100" kern="1200">
+                        <a:solidFill>
+                          <a:srgbClr val="000000"/>
+                        </a:solidFill>
+                      </a:endParaRPr>
+                    </a:p>
+                  </a:txBody>
+                  <a:tcPr marL="0" marR="0" marT="0" marB="0" anchor="ctr">
+                    <a:lnL w="0" cap="flat" cmpd="sng" algn="ctr">
+                      <a:noFill/>
+                      <a:prstDash/>
+                      <a:round/>
+                      <a:headEnd type="none" w="med" len="med"/>
+                      <a:tailEnd type="none" w="med" len="med"/>
+                    </a:lnL>
+                    <a:lnR w="0" cap="flat" cmpd="sng" algn="ctr">
+                      <a:noFill/>
+                      <a:prstDash/>
+                      <a:round/>
+                      <a:headEnd type="none" w="med" len="med"/>
+                      <a:tailEnd type="none" w="med" len="med"/>
+                    </a:lnR>
+                    <a:lnT w="0" cap="flat" cmpd="sng" algn="ctr">
+                      <a:noFill/>
+                      <a:prstDash/>
+                      <a:round/>
+                      <a:headEnd type="none" w="med" len="med"/>
+                      <a:tailEnd type="none" w="med" len="med"/>
+                    </a:lnT>
+                    <a:lnB w="0" cap="flat" cmpd="sng" algn="ctr">
+                      <a:noFill/>
+                      <a:prstDash/>
+                      <a:round/>
+                      <a:headEnd type="none" w="med" len="med"/>
+                      <a:tailEnd type="none" w="med" len="med"/>
+                    </a:lnB>
+                  </a:tcPr>
+                </a:tc>
+                <a:tc>
+                  <a:txBody>
+                    <a:bodyPr/>
+                    <a:lstStyle/>
+                    <a:p>
+                      <a:pPr marL="0" indent="0"/>
+                      <a:r>
+                        <a:rPr sz="1100" kern="1200">
+                          <a:solidFill>
+                            <a:srgbClr val="000000"/>
+                          </a:solidFill>
+                        </a:rPr>
+                        <a:t>Input</a:t>
+                      </a:r>
+                      <a:endParaRPr lang="ko-KR" altLang="en-US" sz="1100" kern="1200">
+                        <a:solidFill>
+                          <a:srgbClr val="000000"/>
+                        </a:solidFill>
+                      </a:endParaRPr>
+                    </a:p>
+                  </a:txBody>
+                  <a:tcPr marL="0" marR="0" marT="0" marB="0" anchor="ctr">
+                    <a:lnL w="0" cap="flat" cmpd="sng" algn="ctr">
+                      <a:noFill/>
+                      <a:prstDash/>
+                      <a:round/>
+                      <a:headEnd type="none" w="med" len="med"/>
+                      <a:tailEnd type="none" w="med" len="med"/>
+                    </a:lnL>
+                    <a:lnR w="0" cap="flat" cmpd="sng" algn="ctr">
+                      <a:noFill/>
+                      <a:prstDash/>
+                      <a:round/>
+                      <a:headEnd type="none" w="med" len="med"/>
+                      <a:tailEnd type="none" w="med" len="med"/>
+                    </a:lnR>
+                    <a:lnT w="0" cap="flat" cmpd="sng" algn="ctr">
+                      <a:noFill/>
+                      <a:prstDash/>
+                      <a:round/>
+                      <a:headEnd type="none" w="med" len="med"/>
+                      <a:tailEnd type="none" w="med" len="med"/>
+                    </a:lnT>
+                    <a:lnB w="0" cap="flat" cmpd="sng" algn="ctr">
+                      <a:noFill/>
+                      <a:prstDash/>
+                      <a:round/>
+                      <a:headEnd type="none" w="med" len="med"/>
+                      <a:tailEnd type="none" w="med" len="med"/>
+                    </a:lnB>
+                  </a:tcPr>
+                </a:tc>
+                <a:tc>
+                  <a:txBody>
+                    <a:bodyPr/>
+                    <a:lstStyle/>
+                    <a:p>
+                      <a:pPr marL="0" indent="0"/>
+                      <a:r>
+                        <a:rPr sz="1100" kern="1200">
+                          <a:solidFill>
+                            <a:srgbClr val="000000"/>
+                          </a:solidFill>
+                        </a:rPr>
+                        <a:t>WiFi 수신</a:t>
+                      </a:r>
+                      <a:endParaRPr lang="ko-KR" altLang="en-US" sz="1100" kern="1200">
+                        <a:solidFill>
+                          <a:srgbClr val="000000"/>
+                        </a:solidFill>
+                      </a:endParaRPr>
+                    </a:p>
+                  </a:txBody>
+                  <a:tcPr marL="0" marR="0" marT="0" marB="0" anchor="ctr">
+                    <a:lnL w="0" cap="flat" cmpd="sng" algn="ctr">
+                      <a:noFill/>
+                      <a:prstDash/>
+                      <a:round/>
+                      <a:headEnd type="none" w="med" len="med"/>
+                      <a:tailEnd type="none" w="med" len="med"/>
+                    </a:lnL>
+                    <a:lnR w="0" cap="flat" cmpd="sng" algn="ctr">
+                      <a:noFill/>
+                      <a:prstDash/>
+                      <a:round/>
+                      <a:headEnd type="none" w="med" len="med"/>
+                      <a:tailEnd type="none" w="med" len="med"/>
+                    </a:lnR>
+                    <a:lnT w="0" cap="flat" cmpd="sng" algn="ctr">
+                      <a:noFill/>
+                      <a:prstDash/>
+                      <a:round/>
+                      <a:headEnd type="none" w="med" len="med"/>
+                      <a:tailEnd type="none" w="med" len="med"/>
+                    </a:lnT>
+                    <a:lnB w="0" cap="flat" cmpd="sng" algn="ctr">
+                      <a:noFill/>
+                      <a:prstDash/>
+                      <a:round/>
+                      <a:headEnd type="none" w="med" len="med"/>
+                      <a:tailEnd type="none" w="med" len="med"/>
+                    </a:lnB>
+                  </a:tcPr>
+                </a:tc>
+              </a:tr>
+              <a:tr h="174625">
+                <a:tc>
+                  <a:txBody>
+                    <a:bodyPr/>
+                    <a:lstStyle/>
+                    <a:p>
+                      <a:pPr marL="0" indent="0"/>
+                      <a:r>
+                        <a:rPr sz="1100" kern="1200">
+                          <a:solidFill>
+                            <a:srgbClr val="000000"/>
+                          </a:solidFill>
+                        </a:rPr>
+                        <a:t>ESP TX</a:t>
+                      </a:r>
+                      <a:endParaRPr lang="ko-KR" altLang="en-US" sz="1100" kern="1200">
+                        <a:solidFill>
+                          <a:srgbClr val="000000"/>
+                        </a:solidFill>
+                      </a:endParaRPr>
+                    </a:p>
+                  </a:txBody>
+                  <a:tcPr marL="0" marR="0" marT="0" marB="0" anchor="ctr">
+                    <a:lnL w="0" cap="flat" cmpd="sng" algn="ctr">
+                      <a:noFill/>
+                      <a:prstDash/>
+                      <a:round/>
+                      <a:headEnd type="none" w="med" len="med"/>
+                      <a:tailEnd type="none" w="med" len="med"/>
+                    </a:lnL>
+                    <a:lnR w="0" cap="flat" cmpd="sng" algn="ctr">
+                      <a:noFill/>
+                      <a:prstDash/>
+                      <a:round/>
+                      <a:headEnd type="none" w="med" len="med"/>
+                      <a:tailEnd type="none" w="med" len="med"/>
+                    </a:lnR>
+                    <a:lnT w="0" cap="flat" cmpd="sng" algn="ctr">
+                      <a:noFill/>
+                      <a:prstDash/>
+                      <a:round/>
+                      <a:headEnd type="none" w="med" len="med"/>
+                      <a:tailEnd type="none" w="med" len="med"/>
+                    </a:lnT>
+                    <a:lnB w="0" cap="flat" cmpd="sng" algn="ctr">
+                      <a:noFill/>
+                      <a:prstDash/>
+                      <a:round/>
+                      <a:headEnd type="none" w="med" len="med"/>
+                      <a:tailEnd type="none" w="med" len="med"/>
+                    </a:lnB>
+                  </a:tcPr>
+                </a:tc>
+                <a:tc>
+                  <a:txBody>
+                    <a:bodyPr/>
+                    <a:lstStyle/>
+                    <a:p>
+                      <a:pPr marL="0" indent="0"/>
+                      <a:r>
+                        <a:rPr sz="1100" kern="1200">
+                          <a:solidFill>
+                            <a:srgbClr val="000000"/>
+                          </a:solidFill>
+                        </a:rPr>
+                        <a:t>PC6</a:t>
+                      </a:r>
+                      <a:endParaRPr lang="ko-KR" altLang="en-US" sz="1100" kern="1200">
+                        <a:solidFill>
+                          <a:srgbClr val="000000"/>
+                        </a:solidFill>
+                      </a:endParaRPr>
+                    </a:p>
+                  </a:txBody>
+                  <a:tcPr marL="0" marR="0" marT="0" marB="0" anchor="ctr">
+                    <a:lnL w="0" cap="flat" cmpd="sng" algn="ctr">
+                      <a:noFill/>
+                      <a:prstDash/>
+                      <a:round/>
+                      <a:headEnd type="none" w="med" len="med"/>
+                      <a:tailEnd type="none" w="med" len="med"/>
+                    </a:lnL>
+                    <a:lnR w="0" cap="flat" cmpd="sng" algn="ctr">
+                      <a:noFill/>
+                      <a:prstDash/>
+                      <a:round/>
+                      <a:headEnd type="none" w="med" len="med"/>
+                      <a:tailEnd type="none" w="med" len="med"/>
+                    </a:lnR>
+                    <a:lnT w="0" cap="flat" cmpd="sng" algn="ctr">
+                      <a:noFill/>
+                      <a:prstDash/>
+                      <a:round/>
+                      <a:headEnd type="none" w="med" len="med"/>
+                      <a:tailEnd type="none" w="med" len="med"/>
+                    </a:lnT>
+                    <a:lnB w="0" cap="flat" cmpd="sng" algn="ctr">
+                      <a:noFill/>
+                      <a:prstDash/>
+                      <a:round/>
+                      <a:headEnd type="none" w="med" len="med"/>
+                      <a:tailEnd type="none" w="med" len="med"/>
+                    </a:lnB>
+                  </a:tcPr>
+                </a:tc>
+                <a:tc>
+                  <a:txBody>
+                    <a:bodyPr/>
+                    <a:lstStyle/>
+                    <a:p>
+                      <a:pPr marL="0" indent="0"/>
+                      <a:r>
+                        <a:rPr sz="1100" kern="1200">
+                          <a:solidFill>
+                            <a:srgbClr val="000000"/>
+                          </a:solidFill>
+                        </a:rPr>
+                        <a:t>Output</a:t>
+                      </a:r>
+                      <a:endParaRPr lang="ko-KR" altLang="en-US" sz="1100" kern="1200">
+                        <a:solidFill>
+                          <a:srgbClr val="000000"/>
+                        </a:solidFill>
+                      </a:endParaRPr>
+                    </a:p>
+                  </a:txBody>
+                  <a:tcPr marL="0" marR="0" marT="0" marB="0" anchor="ctr">
+                    <a:lnL w="0" cap="flat" cmpd="sng" algn="ctr">
+                      <a:noFill/>
+                      <a:prstDash/>
+                      <a:round/>
+                      <a:headEnd type="none" w="med" len="med"/>
+                      <a:tailEnd type="none" w="med" len="med"/>
+                    </a:lnL>
+                    <a:lnR w="0" cap="flat" cmpd="sng" algn="ctr">
+                      <a:noFill/>
+                      <a:prstDash/>
+                      <a:round/>
+                      <a:headEnd type="none" w="med" len="med"/>
+                      <a:tailEnd type="none" w="med" len="med"/>
+                    </a:lnR>
+                    <a:lnT w="0" cap="flat" cmpd="sng" algn="ctr">
+                      <a:noFill/>
+                      <a:prstDash/>
+                      <a:round/>
+                      <a:headEnd type="none" w="med" len="med"/>
+                      <a:tailEnd type="none" w="med" len="med"/>
+                    </a:lnT>
+                    <a:lnB w="0" cap="flat" cmpd="sng" algn="ctr">
+                      <a:noFill/>
+                      <a:prstDash/>
+                      <a:round/>
+                      <a:headEnd type="none" w="med" len="med"/>
+                      <a:tailEnd type="none" w="med" len="med"/>
+                    </a:lnB>
+                  </a:tcPr>
+                </a:tc>
+                <a:tc>
+                  <a:txBody>
+                    <a:bodyPr/>
+                    <a:lstStyle/>
+                    <a:p>
+                      <a:pPr marL="0" indent="0"/>
+                      <a:r>
+                        <a:rPr sz="1100" kern="1200">
+                          <a:solidFill>
+                            <a:srgbClr val="000000"/>
+                          </a:solidFill>
+                        </a:rPr>
+                        <a:t>WiFi 송신</a:t>
+                      </a:r>
+                      <a:endParaRPr lang="ko-KR" altLang="en-US" sz="1100" kern="1200">
+                        <a:solidFill>
+                          <a:srgbClr val="000000"/>
+                        </a:solidFill>
+                      </a:endParaRPr>
+                    </a:p>
+                  </a:txBody>
+                  <a:tcPr marL="0" marR="0" marT="0" marB="0" anchor="ctr">
+                    <a:lnL w="0" cap="flat" cmpd="sng" algn="ctr">
+                      <a:noFill/>
+                      <a:prstDash/>
+                      <a:round/>
+                      <a:headEnd type="none" w="med" len="med"/>
+                      <a:tailEnd type="none" w="med" len="med"/>
+                    </a:lnL>
+                    <a:lnR w="0" cap="flat" cmpd="sng" algn="ctr">
+                      <a:noFill/>
+                      <a:prstDash/>
+                      <a:round/>
+                      <a:headEnd type="none" w="med" len="med"/>
+                      <a:tailEnd type="none" w="med" len="med"/>
+                    </a:lnR>
+                    <a:lnT w="0" cap="flat" cmpd="sng" algn="ctr">
+                      <a:noFill/>
+                      <a:prstDash/>
+                      <a:round/>
+                      <a:headEnd type="none" w="med" len="med"/>
+                      <a:tailEnd type="none" w="med" len="med"/>
+                    </a:lnT>
+                    <a:lnB w="0" cap="flat" cmpd="sng" algn="ctr">
+                      <a:noFill/>
+                      <a:prstDash/>
+                      <a:round/>
+                      <a:headEnd type="none" w="med" len="med"/>
+                      <a:tailEnd type="none" w="med" len="med"/>
+                    </a:lnB>
+                  </a:tcPr>
+                </a:tc>
+              </a:tr>
+              <a:tr h="174625">
+                <a:tc>
+                  <a:txBody>
+                    <a:bodyPr/>
+                    <a:lstStyle/>
+                    <a:p>
+                      <a:pPr marL="0" indent="0"/>
+                      <a:r>
+                        <a:rPr sz="1100" kern="1200">
+                          <a:solidFill>
+                            <a:srgbClr val="000000"/>
+                          </a:solidFill>
+                        </a:rPr>
+                        <a:t>3*LED Red</a:t>
+                      </a:r>
+                      <a:endParaRPr lang="ko-KR" altLang="en-US" sz="1100" kern="1200">
+                        <a:solidFill>
+                          <a:srgbClr val="000000"/>
+                        </a:solidFill>
+                      </a:endParaRPr>
+                    </a:p>
+                  </a:txBody>
+                  <a:tcPr marL="0" marR="0" marT="0" marB="0" anchor="ctr">
+                    <a:lnL w="0" cap="flat" cmpd="sng" algn="ctr">
+                      <a:noFill/>
+                      <a:prstDash/>
+                      <a:round/>
+                      <a:headEnd type="none" w="med" len="med"/>
+                      <a:tailEnd type="none" w="med" len="med"/>
+                    </a:lnL>
+                    <a:lnR w="0" cap="flat" cmpd="sng" algn="ctr">
+                      <a:noFill/>
+                      <a:prstDash/>
+                      <a:round/>
+                      <a:headEnd type="none" w="med" len="med"/>
+                      <a:tailEnd type="none" w="med" len="med"/>
+                    </a:lnR>
+                    <a:lnT w="0" cap="flat" cmpd="sng" algn="ctr">
+                      <a:noFill/>
+                      <a:prstDash/>
+                      <a:round/>
+                      <a:headEnd type="none" w="med" len="med"/>
+                      <a:tailEnd type="none" w="med" len="med"/>
+                    </a:lnT>
+                    <a:lnB w="0" cap="flat" cmpd="sng" algn="ctr">
+                      <a:noFill/>
+                      <a:prstDash/>
+                      <a:round/>
+                      <a:headEnd type="none" w="med" len="med"/>
+                      <a:tailEnd type="none" w="med" len="med"/>
+                    </a:lnB>
+                  </a:tcPr>
+                </a:tc>
+                <a:tc>
+                  <a:txBody>
+                    <a:bodyPr/>
+                    <a:lstStyle/>
+                    <a:p>
+                      <a:pPr marL="0" indent="0"/>
+                      <a:r>
+                        <a:rPr sz="1100" kern="1200">
+                          <a:solidFill>
+                            <a:srgbClr val="000000"/>
+                          </a:solidFill>
+                        </a:rPr>
+                        <a:t>PA6</a:t>
+                      </a:r>
+                      <a:endParaRPr lang="ko-KR" altLang="en-US" sz="1100" kern="1200">
+                        <a:solidFill>
+                          <a:srgbClr val="000000"/>
+                        </a:solidFill>
+                      </a:endParaRPr>
+                    </a:p>
+                  </a:txBody>
+                  <a:tcPr marL="0" marR="0" marT="0" marB="0" anchor="ctr">
+                    <a:lnL w="0" cap="flat" cmpd="sng" algn="ctr">
+                      <a:noFill/>
+                      <a:prstDash/>
+                      <a:round/>
+                      <a:headEnd type="none" w="med" len="med"/>
+                      <a:tailEnd type="none" w="med" len="med"/>
+                    </a:lnL>
+                    <a:lnR w="0" cap="flat" cmpd="sng" algn="ctr">
+                      <a:noFill/>
+                      <a:prstDash/>
+                      <a:round/>
+                      <a:headEnd type="none" w="med" len="med"/>
+                      <a:tailEnd type="none" w="med" len="med"/>
+                    </a:lnR>
+                    <a:lnT w="0" cap="flat" cmpd="sng" algn="ctr">
+                      <a:noFill/>
+                      <a:prstDash/>
+                      <a:round/>
+                      <a:headEnd type="none" w="med" len="med"/>
+                      <a:tailEnd type="none" w="med" len="med"/>
+                    </a:lnT>
+                    <a:lnB w="0" cap="flat" cmpd="sng" algn="ctr">
+                      <a:noFill/>
+                      <a:prstDash/>
+                      <a:round/>
+                      <a:headEnd type="none" w="med" len="med"/>
+                      <a:tailEnd type="none" w="med" len="med"/>
+                    </a:lnB>
+                  </a:tcPr>
+                </a:tc>
+                <a:tc>
+                  <a:txBody>
+                    <a:bodyPr/>
+                    <a:lstStyle/>
+                    <a:p>
+                      <a:pPr marL="0" indent="0"/>
+                      <a:r>
+                        <a:rPr sz="1100" kern="1200">
+                          <a:solidFill>
+                            <a:srgbClr val="000000"/>
+                          </a:solidFill>
+                        </a:rPr>
+                        <a:t>Output</a:t>
+                      </a:r>
+                      <a:endParaRPr lang="ko-KR" altLang="en-US" sz="1100" kern="1200">
+                        <a:solidFill>
+                          <a:srgbClr val="000000"/>
+                        </a:solidFill>
+                      </a:endParaRPr>
+                    </a:p>
+                  </a:txBody>
+                  <a:tcPr marL="0" marR="0" marT="0" marB="0" anchor="ctr">
+                    <a:lnL w="0" cap="flat" cmpd="sng" algn="ctr">
+                      <a:noFill/>
+                      <a:prstDash/>
+                      <a:round/>
+                      <a:headEnd type="none" w="med" len="med"/>
+                      <a:tailEnd type="none" w="med" len="med"/>
+                    </a:lnL>
+                    <a:lnR w="0" cap="flat" cmpd="sng" algn="ctr">
+                      <a:noFill/>
+                      <a:prstDash/>
+                      <a:round/>
+                      <a:headEnd type="none" w="med" len="med"/>
+                      <a:tailEnd type="none" w="med" len="med"/>
+                    </a:lnR>
+                    <a:lnT w="0" cap="flat" cmpd="sng" algn="ctr">
+                      <a:noFill/>
+                      <a:prstDash/>
+                      <a:round/>
+                      <a:headEnd type="none" w="med" len="med"/>
+                      <a:tailEnd type="none" w="med" len="med"/>
+                    </a:lnT>
+                    <a:lnB w="0" cap="flat" cmpd="sng" algn="ctr">
+                      <a:noFill/>
+                      <a:prstDash/>
+                      <a:round/>
+                      <a:headEnd type="none" w="med" len="med"/>
+                      <a:tailEnd type="none" w="med" len="med"/>
+                    </a:lnB>
+                  </a:tcPr>
+                </a:tc>
+                <a:tc>
+                  <a:txBody>
+                    <a:bodyPr/>
+                    <a:lstStyle/>
+                    <a:p>
+                      <a:pPr marL="0" indent="0"/>
+                      <a:r>
+                        <a:rPr sz="1100" kern="1200">
+                          <a:solidFill>
+                            <a:srgbClr val="000000"/>
+                          </a:solidFill>
+                        </a:rPr>
+                        <a:t>3색LED점등</a:t>
+                      </a:r>
+                      <a:endParaRPr lang="ko-KR" altLang="en-US" sz="1100" kern="1200">
+                        <a:solidFill>
+                          <a:srgbClr val="000000"/>
+                        </a:solidFill>
+                      </a:endParaRPr>
+                    </a:p>
+                  </a:txBody>
+                  <a:tcPr marL="0" marR="0" marT="0" marB="0" anchor="ctr">
+                    <a:lnL w="0" cap="flat" cmpd="sng" algn="ctr">
+                      <a:noFill/>
+                      <a:prstDash/>
+                      <a:round/>
+                      <a:headEnd type="none" w="med" len="med"/>
+                      <a:tailEnd type="none" w="med" len="med"/>
+                    </a:lnL>
+                    <a:lnR w="0" cap="flat" cmpd="sng" algn="ctr">
+                      <a:noFill/>
+                      <a:prstDash/>
+                      <a:round/>
+                      <a:headEnd type="none" w="med" len="med"/>
+                      <a:tailEnd type="none" w="med" len="med"/>
+                    </a:lnR>
+                    <a:lnT w="0" cap="flat" cmpd="sng" algn="ctr">
+                      <a:noFill/>
+                      <a:prstDash/>
+                      <a:round/>
+                      <a:headEnd type="none" w="med" len="med"/>
+                      <a:tailEnd type="none" w="med" len="med"/>
+                    </a:lnT>
+                    <a:lnB w="0" cap="flat" cmpd="sng" algn="ctr">
+                      <a:noFill/>
+                      <a:prstDash/>
+                      <a:round/>
+                      <a:headEnd type="none" w="med" len="med"/>
+                      <a:tailEnd type="none" w="med" len="med"/>
+                    </a:lnB>
+                  </a:tcPr>
+                </a:tc>
+              </a:tr>
+              <a:tr h="174625">
+                <a:tc>
+                  <a:txBody>
+                    <a:bodyPr/>
+                    <a:lstStyle/>
+                    <a:p>
+                      <a:pPr marL="0" indent="0"/>
+                      <a:r>
+                        <a:rPr sz="1100" kern="1200">
+                          <a:solidFill>
+                            <a:srgbClr val="000000"/>
+                          </a:solidFill>
+                        </a:rPr>
+                        <a:t>3*LED Green</a:t>
+                      </a:r>
+                      <a:endParaRPr lang="ko-KR" altLang="en-US" sz="1100" kern="1200">
+                        <a:solidFill>
+                          <a:srgbClr val="000000"/>
+                        </a:solidFill>
+                      </a:endParaRPr>
+                    </a:p>
+                  </a:txBody>
+                  <a:tcPr marL="0" marR="0" marT="0" marB="0" anchor="ctr">
+                    <a:lnL w="0" cap="flat" cmpd="sng" algn="ctr">
+                      <a:noFill/>
+                      <a:prstDash/>
+                      <a:round/>
+                      <a:headEnd type="none" w="med" len="med"/>
+                      <a:tailEnd type="none" w="med" len="med"/>
+                    </a:lnL>
+                    <a:lnR w="0" cap="flat" cmpd="sng" algn="ctr">
+                      <a:noFill/>
+                      <a:prstDash/>
+                      <a:round/>
+                      <a:headEnd type="none" w="med" len="med"/>
+                      <a:tailEnd type="none" w="med" len="med"/>
+                    </a:lnR>
+                    <a:lnT w="0" cap="flat" cmpd="sng" algn="ctr">
+                      <a:noFill/>
+                      <a:prstDash/>
+                      <a:round/>
+                      <a:headEnd type="none" w="med" len="med"/>
+                      <a:tailEnd type="none" w="med" len="med"/>
+                    </a:lnT>
+                    <a:lnB w="0" cap="flat" cmpd="sng" algn="ctr">
+                      <a:noFill/>
+                      <a:prstDash/>
+                      <a:round/>
+                      <a:headEnd type="none" w="med" len="med"/>
+                      <a:tailEnd type="none" w="med" len="med"/>
+                    </a:lnB>
+                  </a:tcPr>
+                </a:tc>
+                <a:tc>
+                  <a:txBody>
+                    <a:bodyPr/>
+                    <a:lstStyle/>
+                    <a:p>
+                      <a:pPr marL="0" indent="0"/>
+                      <a:r>
+                        <a:rPr sz="1100" kern="1200">
+                          <a:solidFill>
+                            <a:srgbClr val="000000"/>
+                          </a:solidFill>
+                        </a:rPr>
+                        <a:t>PA7</a:t>
+                      </a:r>
+                      <a:endParaRPr lang="ko-KR" altLang="en-US" sz="1100" kern="1200">
+                        <a:solidFill>
+                          <a:srgbClr val="000000"/>
+                        </a:solidFill>
+                      </a:endParaRPr>
+                    </a:p>
+                  </a:txBody>
+                  <a:tcPr marL="0" marR="0" marT="0" marB="0" anchor="ctr">
+                    <a:lnL w="0" cap="flat" cmpd="sng" algn="ctr">
+                      <a:noFill/>
+                      <a:prstDash/>
+                      <a:round/>
+                      <a:headEnd type="none" w="med" len="med"/>
+                      <a:tailEnd type="none" w="med" len="med"/>
+                    </a:lnL>
+                    <a:lnR w="0" cap="flat" cmpd="sng" algn="ctr">
+                      <a:noFill/>
+                      <a:prstDash/>
+                      <a:round/>
+                      <a:headEnd type="none" w="med" len="med"/>
+                      <a:tailEnd type="none" w="med" len="med"/>
+                    </a:lnR>
+                    <a:lnT w="0" cap="flat" cmpd="sng" algn="ctr">
+                      <a:noFill/>
+                      <a:prstDash/>
+                      <a:round/>
+                      <a:headEnd type="none" w="med" len="med"/>
+                      <a:tailEnd type="none" w="med" len="med"/>
+                    </a:lnT>
+                    <a:lnB w="0" cap="flat" cmpd="sng" algn="ctr">
+                      <a:noFill/>
+                      <a:prstDash/>
+                      <a:round/>
+                      <a:headEnd type="none" w="med" len="med"/>
+                      <a:tailEnd type="none" w="med" len="med"/>
+                    </a:lnB>
+                  </a:tcPr>
+                </a:tc>
+                <a:tc>
+                  <a:txBody>
+                    <a:bodyPr/>
+                    <a:lstStyle/>
+                    <a:p>
+                      <a:pPr marL="0" indent="0"/>
+                      <a:r>
+                        <a:rPr sz="1100" kern="1200">
+                          <a:solidFill>
+                            <a:srgbClr val="000000"/>
+                          </a:solidFill>
+                        </a:rPr>
+                        <a:t>Output</a:t>
+                      </a:r>
+                      <a:endParaRPr lang="ko-KR" altLang="en-US" sz="1100" kern="1200">
+                        <a:solidFill>
+                          <a:srgbClr val="000000"/>
+                        </a:solidFill>
+                      </a:endParaRPr>
+                    </a:p>
+                  </a:txBody>
+                  <a:tcPr marL="0" marR="0" marT="0" marB="0" anchor="ctr">
+                    <a:lnL w="0" cap="flat" cmpd="sng" algn="ctr">
+                      <a:noFill/>
+                      <a:prstDash/>
+                      <a:round/>
+                      <a:headEnd type="none" w="med" len="med"/>
+                      <a:tailEnd type="none" w="med" len="med"/>
+                    </a:lnL>
+                    <a:lnR w="0" cap="flat" cmpd="sng" algn="ctr">
+                      <a:noFill/>
+                      <a:prstDash/>
+                      <a:round/>
+                      <a:headEnd type="none" w="med" len="med"/>
+                      <a:tailEnd type="none" w="med" len="med"/>
+                    </a:lnR>
+                    <a:lnT w="0" cap="flat" cmpd="sng" algn="ctr">
+                      <a:noFill/>
+                      <a:prstDash/>
+                      <a:round/>
+                      <a:headEnd type="none" w="med" len="med"/>
+                      <a:tailEnd type="none" w="med" len="med"/>
+                    </a:lnT>
+                    <a:lnB w="0" cap="flat" cmpd="sng" algn="ctr">
+                      <a:noFill/>
+                      <a:prstDash/>
+                      <a:round/>
+                      <a:headEnd type="none" w="med" len="med"/>
+                      <a:tailEnd type="none" w="med" len="med"/>
+                    </a:lnB>
+                  </a:tcPr>
+                </a:tc>
+                <a:tc>
+                  <a:txBody>
+                    <a:bodyPr/>
+                    <a:lstStyle/>
+                    <a:p>
+                      <a:pPr marL="0" indent="0"/>
+                      <a:r>
+                        <a:rPr sz="1100" kern="1200">
+                          <a:solidFill>
+                            <a:srgbClr val="000000"/>
+                          </a:solidFill>
+                        </a:rPr>
+                        <a:t>3색LED점등</a:t>
+                      </a:r>
+                      <a:endParaRPr lang="ko-KR" altLang="en-US" sz="1100" kern="1200">
+                        <a:solidFill>
+                          <a:srgbClr val="000000"/>
+                        </a:solidFill>
+                      </a:endParaRPr>
+                    </a:p>
+                  </a:txBody>
+                  <a:tcPr marL="0" marR="0" marT="0" marB="0" anchor="ctr">
+                    <a:lnL w="0" cap="flat" cmpd="sng" algn="ctr">
+                      <a:noFill/>
+                      <a:prstDash/>
+                      <a:round/>
+                      <a:headEnd type="none" w="med" len="med"/>
+                      <a:tailEnd type="none" w="med" len="med"/>
+                    </a:lnL>
+                    <a:lnR w="0" cap="flat" cmpd="sng" algn="ctr">
+                      <a:noFill/>
+                      <a:prstDash/>
+                      <a:round/>
+                      <a:headEnd type="none" w="med" len="med"/>
+                      <a:tailEnd type="none" w="med" len="med"/>
+                    </a:lnR>
+                    <a:lnT w="0" cap="flat" cmpd="sng" algn="ctr">
+                      <a:noFill/>
+                      <a:prstDash/>
+                      <a:round/>
+                      <a:headEnd type="none" w="med" len="med"/>
+                      <a:tailEnd type="none" w="med" len="med"/>
+                    </a:lnT>
+                    <a:lnB w="0" cap="flat" cmpd="sng" algn="ctr">
+                      <a:noFill/>
+                      <a:prstDash/>
+                      <a:round/>
+                      <a:headEnd type="none" w="med" len="med"/>
+                      <a:tailEnd type="none" w="med" len="med"/>
+                    </a:lnB>
+                  </a:tcPr>
+                </a:tc>
+              </a:tr>
+              <a:tr h="174625">
+                <a:tc>
+                  <a:txBody>
+                    <a:bodyPr/>
+                    <a:lstStyle/>
+                    <a:p>
+                      <a:pPr marL="0" indent="0"/>
+                      <a:r>
+                        <a:rPr sz="1100" kern="1200">
+                          <a:solidFill>
+                            <a:srgbClr val="000000"/>
+                          </a:solidFill>
+                        </a:rPr>
+                        <a:t>3*LED Blue</a:t>
+                      </a:r>
+                      <a:endParaRPr lang="ko-KR" altLang="en-US" sz="1100" kern="1200">
+                        <a:solidFill>
+                          <a:srgbClr val="000000"/>
+                        </a:solidFill>
+                      </a:endParaRPr>
+                    </a:p>
+                  </a:txBody>
+                  <a:tcPr marL="0" marR="0" marT="0" marB="0" anchor="ctr">
+                    <a:lnL w="0" cap="flat" cmpd="sng" algn="ctr">
+                      <a:noFill/>
+                      <a:prstDash/>
+                      <a:round/>
+                      <a:headEnd type="none" w="med" len="med"/>
+                      <a:tailEnd type="none" w="med" len="med"/>
+                    </a:lnL>
+                    <a:lnR w="0" cap="flat" cmpd="sng" algn="ctr">
+                      <a:noFill/>
+                      <a:prstDash/>
+                      <a:round/>
+                      <a:headEnd type="none" w="med" len="med"/>
+                      <a:tailEnd type="none" w="med" len="med"/>
+                    </a:lnR>
+                    <a:lnT w="0" cap="flat" cmpd="sng" algn="ctr">
+                      <a:noFill/>
+                      <a:prstDash/>
+                      <a:round/>
+                      <a:headEnd type="none" w="med" len="med"/>
+                      <a:tailEnd type="none" w="med" len="med"/>
+                    </a:lnT>
+                    <a:lnB w="0" cap="flat" cmpd="sng" algn="ctr">
+                      <a:noFill/>
+                      <a:prstDash/>
+                      <a:round/>
+                      <a:headEnd type="none" w="med" len="med"/>
+                      <a:tailEnd type="none" w="med" len="med"/>
+                    </a:lnB>
+                  </a:tcPr>
+                </a:tc>
+                <a:tc>
+                  <a:txBody>
+                    <a:bodyPr/>
+                    <a:lstStyle/>
+                    <a:p>
+                      <a:pPr marL="0" indent="0"/>
+                      <a:r>
+                        <a:rPr sz="1100" kern="1200">
+                          <a:solidFill>
+                            <a:srgbClr val="000000"/>
+                          </a:solidFill>
+                        </a:rPr>
+                        <a:t>PB0</a:t>
+                      </a:r>
+                      <a:endParaRPr lang="ko-KR" altLang="en-US" sz="1100" kern="1200">
+                        <a:solidFill>
+                          <a:srgbClr val="000000"/>
+                        </a:solidFill>
+                      </a:endParaRPr>
+                    </a:p>
+                  </a:txBody>
+                  <a:tcPr marL="0" marR="0" marT="0" marB="0" anchor="ctr">
+                    <a:lnL w="0" cap="flat" cmpd="sng" algn="ctr">
+                      <a:noFill/>
+                      <a:prstDash/>
+                      <a:round/>
+                      <a:headEnd type="none" w="med" len="med"/>
+                      <a:tailEnd type="none" w="med" len="med"/>
+                    </a:lnL>
+                    <a:lnR w="0" cap="flat" cmpd="sng" algn="ctr">
+                      <a:noFill/>
+                      <a:prstDash/>
+                      <a:round/>
+                      <a:headEnd type="none" w="med" len="med"/>
+                      <a:tailEnd type="none" w="med" len="med"/>
+                    </a:lnR>
+                    <a:lnT w="0" cap="flat" cmpd="sng" algn="ctr">
+                      <a:noFill/>
+                      <a:prstDash/>
+                      <a:round/>
+                      <a:headEnd type="none" w="med" len="med"/>
+                      <a:tailEnd type="none" w="med" len="med"/>
+                    </a:lnT>
+                    <a:lnB w="0" cap="flat" cmpd="sng" algn="ctr">
+                      <a:noFill/>
+                      <a:prstDash/>
+                      <a:round/>
+                      <a:headEnd type="none" w="med" len="med"/>
+                      <a:tailEnd type="none" w="med" len="med"/>
+                    </a:lnB>
+                  </a:tcPr>
+                </a:tc>
+                <a:tc>
+                  <a:txBody>
+                    <a:bodyPr/>
+                    <a:lstStyle/>
+                    <a:p>
+                      <a:pPr marL="0" indent="0"/>
+                      <a:r>
+                        <a:rPr sz="1100" kern="1200">
+                          <a:solidFill>
+                            <a:srgbClr val="000000"/>
+                          </a:solidFill>
+                        </a:rPr>
+                        <a:t>Output</a:t>
+                      </a:r>
+                      <a:endParaRPr lang="ko-KR" altLang="en-US" sz="1100" kern="1200">
+                        <a:solidFill>
+                          <a:srgbClr val="000000"/>
+                        </a:solidFill>
+                      </a:endParaRPr>
+                    </a:p>
+                  </a:txBody>
+                  <a:tcPr marL="0" marR="0" marT="0" marB="0" anchor="ctr">
+                    <a:lnL w="0" cap="flat" cmpd="sng" algn="ctr">
+                      <a:noFill/>
+                      <a:prstDash/>
+                      <a:round/>
+                      <a:headEnd type="none" w="med" len="med"/>
+                      <a:tailEnd type="none" w="med" len="med"/>
+                    </a:lnL>
+                    <a:lnR w="0" cap="flat" cmpd="sng" algn="ctr">
+                      <a:noFill/>
+                      <a:prstDash/>
+                      <a:round/>
+                      <a:headEnd type="none" w="med" len="med"/>
+                      <a:tailEnd type="none" w="med" len="med"/>
+                    </a:lnR>
+                    <a:lnT w="0" cap="flat" cmpd="sng" algn="ctr">
+                      <a:noFill/>
+                      <a:prstDash/>
+                      <a:round/>
+                      <a:headEnd type="none" w="med" len="med"/>
+                      <a:tailEnd type="none" w="med" len="med"/>
+                    </a:lnT>
+                    <a:lnB w="0" cap="flat" cmpd="sng" algn="ctr">
+                      <a:noFill/>
+                      <a:prstDash/>
+                      <a:round/>
+                      <a:headEnd type="none" w="med" len="med"/>
+                      <a:tailEnd type="none" w="med" len="med"/>
+                    </a:lnB>
+                  </a:tcPr>
+                </a:tc>
+                <a:tc>
+                  <a:txBody>
+                    <a:bodyPr/>
+                    <a:lstStyle/>
+                    <a:p>
+                      <a:pPr marL="0" indent="0"/>
+                      <a:r>
+                        <a:rPr sz="1100" kern="1200">
+                          <a:solidFill>
+                            <a:srgbClr val="000000"/>
+                          </a:solidFill>
+                        </a:rPr>
+                        <a:t>3색LED점등</a:t>
+                      </a:r>
+                      <a:endParaRPr lang="ko-KR" altLang="en-US" sz="1100" kern="1200">
+                        <a:solidFill>
+                          <a:srgbClr val="000000"/>
+                        </a:solidFill>
+                      </a:endParaRPr>
+                    </a:p>
+                  </a:txBody>
+                  <a:tcPr marL="0" marR="0" marT="0" marB="0" anchor="ctr">
+                    <a:lnL w="0" cap="flat" cmpd="sng" algn="ctr">
+                      <a:noFill/>
+                      <a:prstDash/>
+                      <a:round/>
+                      <a:headEnd type="none" w="med" len="med"/>
+                      <a:tailEnd type="none" w="med" len="med"/>
+                    </a:lnL>
+                    <a:lnR w="0" cap="flat" cmpd="sng" algn="ctr">
+                      <a:noFill/>
+                      <a:prstDash/>
+                      <a:round/>
+                      <a:headEnd type="none" w="med" len="med"/>
+                      <a:tailEnd type="none" w="med" len="med"/>
+                    </a:lnR>
+                    <a:lnT w="0" cap="flat" cmpd="sng" algn="ctr">
+                      <a:noFill/>
+                      <a:prstDash/>
+                      <a:round/>
+                      <a:headEnd type="none" w="med" len="med"/>
+                      <a:tailEnd type="none" w="med" len="med"/>
+                    </a:lnT>
+                    <a:lnB w="0" cap="flat" cmpd="sng" algn="ctr">
+                      <a:noFill/>
+                      <a:prstDash/>
+                      <a:round/>
+                      <a:headEnd type="none" w="med" len="med"/>
+                      <a:tailEnd type="none" w="med" len="med"/>
+                    </a:lnB>
+                  </a:tcPr>
+                </a:tc>
+              </a:tr>
+              <a:tr h="174625">
+                <a:tc>
+                  <a:txBody>
+                    <a:bodyPr/>
+                    <a:lstStyle/>
+                    <a:p>
+                      <a:pPr marL="0" indent="0"/>
+                      <a:r>
+                        <a:rPr sz="1100" kern="1200">
+                          <a:solidFill>
+                            <a:srgbClr val="000000"/>
+                          </a:solidFill>
+                        </a:rPr>
+                        <a:t>Dc motor</a:t>
+                      </a:r>
+                      <a:endParaRPr lang="ko-KR" altLang="en-US" sz="1100" kern="1200">
+                        <a:solidFill>
+                          <a:srgbClr val="000000"/>
+                        </a:solidFill>
+                      </a:endParaRPr>
+                    </a:p>
+                  </a:txBody>
+                  <a:tcPr marL="0" marR="0" marT="0" marB="0" anchor="ctr">
+                    <a:lnL w="0" cap="flat" cmpd="sng" algn="ctr">
+                      <a:noFill/>
+                      <a:prstDash/>
+                      <a:round/>
+                      <a:headEnd type="none" w="med" len="med"/>
+                      <a:tailEnd type="none" w="med" len="med"/>
+                    </a:lnL>
+                    <a:lnR w="0" cap="flat" cmpd="sng" algn="ctr">
+                      <a:noFill/>
+                      <a:prstDash/>
+                      <a:round/>
+                      <a:headEnd type="none" w="med" len="med"/>
+                      <a:tailEnd type="none" w="med" len="med"/>
+                    </a:lnR>
+                    <a:lnT w="0" cap="flat" cmpd="sng" algn="ctr">
+                      <a:noFill/>
+                      <a:prstDash/>
+                      <a:round/>
+                      <a:headEnd type="none" w="med" len="med"/>
+                      <a:tailEnd type="none" w="med" len="med"/>
+                    </a:lnT>
+                    <a:lnB w="0" cap="flat" cmpd="sng" algn="ctr">
+                      <a:noFill/>
+                      <a:prstDash/>
+                      <a:round/>
+                      <a:headEnd type="none" w="med" len="med"/>
+                      <a:tailEnd type="none" w="med" len="med"/>
+                    </a:lnB>
+                  </a:tcPr>
+                </a:tc>
+                <a:tc>
+                  <a:txBody>
+                    <a:bodyPr/>
+                    <a:lstStyle/>
+                    <a:p>
+                      <a:pPr marL="0" indent="0"/>
+                      <a:r>
+                        <a:rPr sz="1100" kern="1200">
+                          <a:solidFill>
+                            <a:srgbClr val="000000"/>
+                          </a:solidFill>
+                        </a:rPr>
+                        <a:t>PA10</a:t>
+                      </a:r>
+                      <a:endParaRPr lang="ko-KR" altLang="en-US" sz="1100" kern="1200">
+                        <a:solidFill>
+                          <a:srgbClr val="000000"/>
+                        </a:solidFill>
+                      </a:endParaRPr>
+                    </a:p>
+                  </a:txBody>
+                  <a:tcPr marL="0" marR="0" marT="0" marB="0" anchor="ctr">
+                    <a:lnL w="0" cap="flat" cmpd="sng" algn="ctr">
+                      <a:noFill/>
+                      <a:prstDash/>
+                      <a:round/>
+                      <a:headEnd type="none" w="med" len="med"/>
+                      <a:tailEnd type="none" w="med" len="med"/>
+                    </a:lnL>
+                    <a:lnR w="0" cap="flat" cmpd="sng" algn="ctr">
+                      <a:noFill/>
+                      <a:prstDash/>
+                      <a:round/>
+                      <a:headEnd type="none" w="med" len="med"/>
+                      <a:tailEnd type="none" w="med" len="med"/>
+                    </a:lnR>
+                    <a:lnT w="0" cap="flat" cmpd="sng" algn="ctr">
+                      <a:noFill/>
+                      <a:prstDash/>
+                      <a:round/>
+                      <a:headEnd type="none" w="med" len="med"/>
+                      <a:tailEnd type="none" w="med" len="med"/>
+                    </a:lnT>
+                    <a:lnB w="0" cap="flat" cmpd="sng" algn="ctr">
+                      <a:noFill/>
+                      <a:prstDash/>
+                      <a:round/>
+                      <a:headEnd type="none" w="med" len="med"/>
+                      <a:tailEnd type="none" w="med" len="med"/>
+                    </a:lnB>
+                  </a:tcPr>
+                </a:tc>
+                <a:tc>
+                  <a:txBody>
+                    <a:bodyPr/>
+                    <a:lstStyle/>
+                    <a:p>
+                      <a:pPr marL="0" indent="0"/>
+                      <a:r>
+                        <a:rPr sz="1100" kern="1200">
+                          <a:solidFill>
+                            <a:srgbClr val="000000"/>
+                          </a:solidFill>
+                        </a:rPr>
+                        <a:t>Output</a:t>
+                      </a:r>
+                      <a:endParaRPr lang="ko-KR" altLang="en-US" sz="1100" kern="1200">
+                        <a:solidFill>
+                          <a:srgbClr val="000000"/>
+                        </a:solidFill>
+                      </a:endParaRPr>
+                    </a:p>
+                  </a:txBody>
+                  <a:tcPr marL="0" marR="0" marT="0" marB="0" anchor="ctr">
+                    <a:lnL w="0" cap="flat" cmpd="sng" algn="ctr">
+                      <a:noFill/>
+                      <a:prstDash/>
+                      <a:round/>
+                      <a:headEnd type="none" w="med" len="med"/>
+                      <a:tailEnd type="none" w="med" len="med"/>
+                    </a:lnL>
+                    <a:lnR w="0" cap="flat" cmpd="sng" algn="ctr">
+                      <a:noFill/>
+                      <a:prstDash/>
+                      <a:round/>
+                      <a:headEnd type="none" w="med" len="med"/>
+                      <a:tailEnd type="none" w="med" len="med"/>
+                    </a:lnR>
+                    <a:lnT w="0" cap="flat" cmpd="sng" algn="ctr">
+                      <a:noFill/>
+                      <a:prstDash/>
+                      <a:round/>
+                      <a:headEnd type="none" w="med" len="med"/>
+                      <a:tailEnd type="none" w="med" len="med"/>
+                    </a:lnT>
+                    <a:lnB w="0" cap="flat" cmpd="sng" algn="ctr">
+                      <a:noFill/>
+                      <a:prstDash/>
+                      <a:round/>
+                      <a:headEnd type="none" w="med" len="med"/>
+                      <a:tailEnd type="none" w="med" len="med"/>
+                    </a:lnB>
+                  </a:tcPr>
+                </a:tc>
+                <a:tc>
+                  <a:txBody>
+                    <a:bodyPr/>
+                    <a:lstStyle/>
+                    <a:p>
+                      <a:pPr marL="0" indent="0"/>
+                      <a:r>
+                        <a:rPr sz="1100" kern="1200">
+                          <a:solidFill>
+                            <a:srgbClr val="000000"/>
+                          </a:solidFill>
+                        </a:rPr>
+                        <a:t>선풍기 작동</a:t>
+                      </a:r>
+                      <a:endParaRPr lang="ko-KR" altLang="en-US" sz="1100" kern="1200">
+                        <a:solidFill>
+                          <a:srgbClr val="000000"/>
+                        </a:solidFill>
+                      </a:endParaRPr>
+                    </a:p>
+                  </a:txBody>
+                  <a:tcPr marL="0" marR="0" marT="0" marB="0" anchor="ctr">
+                    <a:lnL w="0" cap="flat" cmpd="sng" algn="ctr">
+                      <a:noFill/>
+                      <a:prstDash/>
+                      <a:round/>
+                      <a:headEnd type="none" w="med" len="med"/>
+                      <a:tailEnd type="none" w="med" len="med"/>
+                    </a:lnL>
+                    <a:lnR w="0" cap="flat" cmpd="sng" algn="ctr">
+                      <a:noFill/>
+                      <a:prstDash/>
+                      <a:round/>
+                      <a:headEnd type="none" w="med" len="med"/>
+                      <a:tailEnd type="none" w="med" len="med"/>
+                    </a:lnR>
+                    <a:lnT w="0" cap="flat" cmpd="sng" algn="ctr">
+                      <a:noFill/>
+                      <a:prstDash/>
+                      <a:round/>
+                      <a:headEnd type="none" w="med" len="med"/>
+                      <a:tailEnd type="none" w="med" len="med"/>
+                    </a:lnT>
+                    <a:lnB w="0" cap="flat" cmpd="sng" algn="ctr">
+                      <a:noFill/>
+                      <a:prstDash/>
+                      <a:round/>
+                      <a:headEnd type="none" w="med" len="med"/>
+                      <a:tailEnd type="none" w="med" len="med"/>
+                    </a:lnB>
+                  </a:tcPr>
+                </a:tc>
+              </a:tr>
+              <a:tr h="174625">
+                <a:tc>
+                  <a:txBody>
+                    <a:bodyPr/>
+                    <a:lstStyle/>
+                    <a:p>
+                      <a:pPr marL="0" indent="0"/>
+                      <a:r>
+                        <a:rPr sz="1100" kern="1200">
+                          <a:solidFill>
+                            <a:srgbClr val="000000"/>
+                          </a:solidFill>
+                        </a:rPr>
+                        <a:t>CDS</a:t>
+                      </a:r>
+                      <a:endParaRPr lang="ko-KR" altLang="en-US" sz="1100" kern="1200">
+                        <a:solidFill>
+                          <a:srgbClr val="000000"/>
+                        </a:solidFill>
+                      </a:endParaRPr>
+                    </a:p>
+                  </a:txBody>
+                  <a:tcPr marL="0" marR="0" marT="0" marB="0" anchor="ctr">
+                    <a:lnL w="0" cap="flat" cmpd="sng" algn="ctr">
+                      <a:noFill/>
+                      <a:prstDash/>
+                      <a:round/>
+                      <a:headEnd type="none" w="med" len="med"/>
+                      <a:tailEnd type="none" w="med" len="med"/>
+                    </a:lnL>
+                    <a:lnR w="0" cap="flat" cmpd="sng" algn="ctr">
+                      <a:noFill/>
+                      <a:prstDash/>
+                      <a:round/>
+                      <a:headEnd type="none" w="med" len="med"/>
+                      <a:tailEnd type="none" w="med" len="med"/>
+                    </a:lnR>
+                    <a:lnT w="0" cap="flat" cmpd="sng" algn="ctr">
+                      <a:noFill/>
+                      <a:prstDash/>
+                      <a:round/>
+                      <a:headEnd type="none" w="med" len="med"/>
+                      <a:tailEnd type="none" w="med" len="med"/>
+                    </a:lnT>
+                    <a:lnB w="0" cap="flat" cmpd="sng" algn="ctr">
+                      <a:noFill/>
+                      <a:prstDash/>
+                      <a:round/>
+                      <a:headEnd type="none" w="med" len="med"/>
+                      <a:tailEnd type="none" w="med" len="med"/>
+                    </a:lnB>
+                  </a:tcPr>
+                </a:tc>
+                <a:tc>
+                  <a:txBody>
+                    <a:bodyPr/>
+                    <a:lstStyle/>
+                    <a:p>
+                      <a:pPr marL="0" indent="0"/>
+                      <a:r>
+                        <a:rPr sz="1100" kern="1200">
+                          <a:solidFill>
+                            <a:srgbClr val="000000"/>
+                          </a:solidFill>
+                        </a:rPr>
+                        <a:t>PA0</a:t>
+                      </a:r>
+                      <a:endParaRPr lang="ko-KR" altLang="en-US" sz="1100" kern="1200">
+                        <a:solidFill>
+                          <a:srgbClr val="000000"/>
+                        </a:solidFill>
+                      </a:endParaRPr>
+                    </a:p>
+                  </a:txBody>
+                  <a:tcPr marL="0" marR="0" marT="0" marB="0" anchor="ctr">
+                    <a:lnL w="0" cap="flat" cmpd="sng" algn="ctr">
+                      <a:noFill/>
+                      <a:prstDash/>
+                      <a:round/>
+                      <a:headEnd type="none" w="med" len="med"/>
+                      <a:tailEnd type="none" w="med" len="med"/>
+                    </a:lnL>
+                    <a:lnR w="0" cap="flat" cmpd="sng" algn="ctr">
+                      <a:noFill/>
+                      <a:prstDash/>
+                      <a:round/>
+                      <a:headEnd type="none" w="med" len="med"/>
+                      <a:tailEnd type="none" w="med" len="med"/>
+                    </a:lnR>
+                    <a:lnT w="0" cap="flat" cmpd="sng" algn="ctr">
+                      <a:noFill/>
+                      <a:prstDash/>
+                      <a:round/>
+                      <a:headEnd type="none" w="med" len="med"/>
+                      <a:tailEnd type="none" w="med" len="med"/>
+                    </a:lnT>
+                    <a:lnB w="0" cap="flat" cmpd="sng" algn="ctr">
+                      <a:noFill/>
+                      <a:prstDash/>
+                      <a:round/>
+                      <a:headEnd type="none" w="med" len="med"/>
+                      <a:tailEnd type="none" w="med" len="med"/>
+                    </a:lnB>
+                  </a:tcPr>
+                </a:tc>
+                <a:tc>
+                  <a:txBody>
+                    <a:bodyPr/>
+                    <a:lstStyle/>
+                    <a:p>
+                      <a:pPr marL="0" indent="0"/>
+                      <a:r>
+                        <a:rPr sz="1100" kern="1200">
+                          <a:solidFill>
+                            <a:srgbClr val="000000"/>
+                          </a:solidFill>
+                        </a:rPr>
+                        <a:t>Output</a:t>
+                      </a:r>
+                      <a:endParaRPr lang="ko-KR" altLang="en-US" sz="1100" kern="1200">
+                        <a:solidFill>
+                          <a:srgbClr val="000000"/>
+                        </a:solidFill>
+                      </a:endParaRPr>
+                    </a:p>
+                  </a:txBody>
+                  <a:tcPr marL="0" marR="0" marT="0" marB="0" anchor="ctr">
+                    <a:lnL w="0" cap="flat" cmpd="sng" algn="ctr">
+                      <a:noFill/>
+                      <a:prstDash/>
+                      <a:round/>
+                      <a:headEnd type="none" w="med" len="med"/>
+                      <a:tailEnd type="none" w="med" len="med"/>
+                    </a:lnL>
+                    <a:lnR w="0" cap="flat" cmpd="sng" algn="ctr">
+                      <a:noFill/>
+                      <a:prstDash/>
+                      <a:round/>
+                      <a:headEnd type="none" w="med" len="med"/>
+                      <a:tailEnd type="none" w="med" len="med"/>
+                    </a:lnR>
+                    <a:lnT w="0" cap="flat" cmpd="sng" algn="ctr">
+                      <a:noFill/>
+                      <a:prstDash/>
+                      <a:round/>
+                      <a:headEnd type="none" w="med" len="med"/>
+                      <a:tailEnd type="none" w="med" len="med"/>
+                    </a:lnT>
+                    <a:lnB w="0" cap="flat" cmpd="sng" algn="ctr">
+                      <a:noFill/>
+                      <a:prstDash/>
+                      <a:round/>
+                      <a:headEnd type="none" w="med" len="med"/>
+                      <a:tailEnd type="none" w="med" len="med"/>
+                    </a:lnB>
+                  </a:tcPr>
+                </a:tc>
+                <a:tc>
+                  <a:txBody>
+                    <a:bodyPr/>
+                    <a:lstStyle/>
+                    <a:p>
+                      <a:pPr marL="0" indent="0"/>
+                      <a:r>
+                        <a:rPr sz="1100" kern="1200">
+                          <a:solidFill>
+                            <a:srgbClr val="000000"/>
+                          </a:solidFill>
+                        </a:rPr>
+                        <a:t>조도 측정</a:t>
+                      </a:r>
+                      <a:endParaRPr lang="ko-KR" altLang="en-US" sz="1100" kern="1200">
+                        <a:solidFill>
+                          <a:srgbClr val="000000"/>
+                        </a:solidFill>
+                      </a:endParaRPr>
+                    </a:p>
+                  </a:txBody>
+                  <a:tcPr marL="0" marR="0" marT="0" marB="0" anchor="ctr">
+                    <a:lnL w="0" cap="flat" cmpd="sng" algn="ctr">
+                      <a:noFill/>
+                      <a:prstDash/>
+                      <a:round/>
+                      <a:headEnd type="none" w="med" len="med"/>
+                      <a:tailEnd type="none" w="med" len="med"/>
+                    </a:lnL>
+                    <a:lnR w="0" cap="flat" cmpd="sng" algn="ctr">
+                      <a:noFill/>
+                      <a:prstDash/>
+                      <a:round/>
+                      <a:headEnd type="none" w="med" len="med"/>
+                      <a:tailEnd type="none" w="med" len="med"/>
+                    </a:lnR>
+                    <a:lnT w="0" cap="flat" cmpd="sng" algn="ctr">
+                      <a:noFill/>
+                      <a:prstDash/>
+                      <a:round/>
+                      <a:headEnd type="none" w="med" len="med"/>
+                      <a:tailEnd type="none" w="med" len="med"/>
+                    </a:lnT>
+                    <a:lnB w="0" cap="flat" cmpd="sng" algn="ctr">
+                      <a:noFill/>
+                      <a:prstDash/>
+                      <a:round/>
+                      <a:headEnd type="none" w="med" len="med"/>
+                      <a:tailEnd type="none" w="med" len="med"/>
+                    </a:lnB>
+                  </a:tcPr>
+                </a:tc>
+              </a:tr>
+              <a:tr h="276860">
+                <a:tc>
+                  <a:txBody>
+                    <a:bodyPr/>
+                    <a:lstStyle/>
+                    <a:p>
+                      <a:pPr marL="0" indent="0"/>
+                      <a:endParaRPr lang="ko-KR" altLang="en-US" sz="1800" kern="1200">
+                        <a:latin typeface="맑은 고딕" charset="0"/>
+                        <a:ea typeface="맑은 고딕" charset="0"/>
+                      </a:endParaRPr>
+                    </a:p>
+                  </a:txBody>
+                  <a:tcPr marL="0" marR="0" marT="0" marB="0" anchor="ctr">
+                    <a:lnL w="0" cap="flat" cmpd="sng" algn="ctr">
+                      <a:noFill/>
+                      <a:prstDash/>
+                      <a:round/>
+                      <a:headEnd type="none" w="med" len="med"/>
+                      <a:tailEnd type="none" w="med" len="med"/>
+                    </a:lnL>
+                    <a:lnR w="0" cap="flat" cmpd="sng" algn="ctr">
+                      <a:noFill/>
+                      <a:prstDash/>
+                      <a:round/>
+                      <a:headEnd type="none" w="med" len="med"/>
+                      <a:tailEnd type="none" w="med" len="med"/>
+                    </a:lnR>
+                    <a:lnT w="0" cap="flat" cmpd="sng" algn="ctr">
+                      <a:noFill/>
+                      <a:prstDash/>
+                      <a:round/>
+                      <a:headEnd type="none" w="med" len="med"/>
+                      <a:tailEnd type="none" w="med" len="med"/>
+                    </a:lnT>
+                    <a:lnB w="0" cap="flat" cmpd="sng" algn="ctr">
+                      <a:noFill/>
+                      <a:prstDash/>
+                      <a:round/>
+                      <a:headEnd type="none" w="med" len="med"/>
+                      <a:tailEnd type="none" w="med" len="med"/>
+                    </a:lnB>
+                  </a:tcPr>
+                </a:tc>
+                <a:tc>
+                  <a:txBody>
+                    <a:bodyPr/>
+                    <a:lstStyle/>
+                    <a:p>
+                      <a:pPr marL="0" indent="0"/>
+                      <a:endParaRPr lang="ko-KR" altLang="en-US" sz="1800" kern="1200">
+                        <a:latin typeface="맑은 고딕" charset="0"/>
+                        <a:ea typeface="맑은 고딕" charset="0"/>
+                      </a:endParaRPr>
+                    </a:p>
+                  </a:txBody>
+                  <a:tcPr marL="0" marR="0" marT="0" marB="0" anchor="ctr">
+                    <a:lnL w="0" cap="flat" cmpd="sng" algn="ctr">
+                      <a:noFill/>
+                      <a:prstDash/>
+                      <a:round/>
+                      <a:headEnd type="none" w="med" len="med"/>
+                      <a:tailEnd type="none" w="med" len="med"/>
+                    </a:lnL>
+                    <a:lnR w="0" cap="flat" cmpd="sng" algn="ctr">
+                      <a:noFill/>
+                      <a:prstDash/>
+                      <a:round/>
+                      <a:headEnd type="none" w="med" len="med"/>
+                      <a:tailEnd type="none" w="med" len="med"/>
+                    </a:lnR>
+                    <a:lnT w="0" cap="flat" cmpd="sng" algn="ctr">
+                      <a:noFill/>
+                      <a:prstDash/>
+                      <a:round/>
+                      <a:headEnd type="none" w="med" len="med"/>
+                      <a:tailEnd type="none" w="med" len="med"/>
+                    </a:lnT>
+                    <a:lnB w="0" cap="flat" cmpd="sng" algn="ctr">
+                      <a:noFill/>
+                      <a:prstDash/>
+                      <a:round/>
+                      <a:headEnd type="none" w="med" len="med"/>
+                      <a:tailEnd type="none" w="med" len="med"/>
+                    </a:lnB>
+                  </a:tcPr>
+                </a:tc>
+                <a:tc>
+                  <a:txBody>
+                    <a:bodyPr/>
+                    <a:lstStyle/>
+                    <a:p>
+                      <a:pPr marL="0" indent="0"/>
+                      <a:endParaRPr lang="ko-KR" altLang="en-US" sz="1800" kern="1200">
+                        <a:latin typeface="맑은 고딕" charset="0"/>
+                        <a:ea typeface="맑은 고딕" charset="0"/>
+                      </a:endParaRPr>
+                    </a:p>
+                  </a:txBody>
+                  <a:tcPr marL="0" marR="0" marT="0" marB="0" anchor="ctr">
+                    <a:lnL w="0" cap="flat" cmpd="sng" algn="ctr">
+                      <a:noFill/>
+                      <a:prstDash/>
+                      <a:round/>
+                      <a:headEnd type="none" w="med" len="med"/>
+                      <a:tailEnd type="none" w="med" len="med"/>
+                    </a:lnL>
+                    <a:lnR w="0" cap="flat" cmpd="sng" algn="ctr">
+                      <a:noFill/>
+                      <a:prstDash/>
+                      <a:round/>
+                      <a:headEnd type="none" w="med" len="med"/>
+                      <a:tailEnd type="none" w="med" len="med"/>
+                    </a:lnR>
+                    <a:lnT w="0" cap="flat" cmpd="sng" algn="ctr">
+                      <a:noFill/>
+                      <a:prstDash/>
+                      <a:round/>
+                      <a:headEnd type="none" w="med" len="med"/>
+                      <a:tailEnd type="none" w="med" len="med"/>
+                    </a:lnT>
+                    <a:lnB w="0" cap="flat" cmpd="sng" algn="ctr">
+                      <a:noFill/>
+                      <a:prstDash/>
+                      <a:round/>
+                      <a:headEnd type="none" w="med" len="med"/>
+                      <a:tailEnd type="none" w="med" len="med"/>
+                    </a:lnB>
+                  </a:tcPr>
+                </a:tc>
+                <a:tc>
+                  <a:txBody>
+                    <a:bodyPr/>
+                    <a:lstStyle/>
+                    <a:p>
+                      <a:pPr marL="0" indent="0"/>
+                      <a:endParaRPr lang="ko-KR" altLang="en-US" sz="1800" kern="1200">
+                        <a:latin typeface="맑은 고딕" charset="0"/>
+                        <a:ea typeface="맑은 고딕" charset="0"/>
+                      </a:endParaRPr>
+                    </a:p>
+                  </a:txBody>
+                  <a:tcPr marL="0" marR="0" marT="0" marB="0" anchor="ctr">
+                    <a:lnL w="0" cap="flat" cmpd="sng" algn="ctr">
+                      <a:noFill/>
+                      <a:prstDash/>
+                      <a:round/>
+                      <a:headEnd type="none" w="med" len="med"/>
+                      <a:tailEnd type="none" w="med" len="med"/>
+                    </a:lnL>
+                    <a:lnR w="0" cap="flat" cmpd="sng" algn="ctr">
+                      <a:noFill/>
+                      <a:prstDash/>
+                      <a:round/>
+                      <a:headEnd type="none" w="med" len="med"/>
+                      <a:tailEnd type="none" w="med" len="med"/>
+                    </a:lnR>
+                    <a:lnT w="0" cap="flat" cmpd="sng" algn="ctr">
+                      <a:noFill/>
+                      <a:prstDash/>
+                      <a:round/>
+                      <a:headEnd type="none" w="med" len="med"/>
+                      <a:tailEnd type="none" w="med" len="med"/>
+                    </a:lnT>
+                    <a:lnB w="0" cap="flat" cmpd="sng" algn="ctr">
+                      <a:noFill/>
+                      <a:prstDash/>
+                      <a:round/>
+                      <a:headEnd type="none" w="med" len="med"/>
+                      <a:tailEnd type="none" w="med" len="med"/>
+                    </a:lnB>
+                  </a:tcPr>
+                </a:tc>
+              </a:tr>
+            </a:tbl>
+          </a:graphicData>
+        </a:graphic>
+      </p:graphicFrame>
+      <p:pic>
+        <p:nvPicPr>
+          <p:cNvPr id="3" name="그림 14" descr="C:/Users/INTEL 30/AppData/Roaming/PolarisOffice/ETemp/8552_17104296/fImage841631038467.png"/>
+          <p:cNvPicPr>
+            <a:picLocks noChangeAspect="1"/>
+          </p:cNvPicPr>
+          <p:nvPr/>
+        </p:nvPicPr>
+        <p:blipFill rotWithShape="1">
+          <a:blip r:embed="rId2" cstate="print">
+            <a:extLst>
+              <a:ext uri="{28A0092B-C50C-407E-A947-70E740481C1C}">
+                <a14:useLocalDpi xmlns:a14="http://schemas.microsoft.com/office/drawing/2010/main" val="0"/>
+              </a:ext>
+            </a:extLst>
+          </a:blip>
+          <a:stretch>
+            <a:fillRect/>
+          </a:stretch>
+        </p:blipFill>
+        <p:spPr>
+          <a:xfrm rot="0">
+            <a:off x="6092190" y="3783330"/>
+            <a:ext cx="4524375" cy="2552700"/>
+          </a:xfrm>
+          <a:prstGeom prst="rect"/>
+          <a:noFill/>
+        </p:spPr>
+      </p:pic>
+      <p:sp>
+        <p:nvSpPr>
+          <p:cNvPr id="4" name="텍스트 상자 15"/>
+          <p:cNvSpPr txBox="1">
+            <a:spLocks/>
+          </p:cNvSpPr>
+          <p:nvPr/>
+        </p:nvSpPr>
+        <p:spPr>
+          <a:xfrm rot="0">
+            <a:off x="3810000" y="2286000"/>
+            <a:ext cx="4572635" cy="277495"/>
+          </a:xfrm>
+          <a:prstGeom prst="rect"/>
+          <a:noFill/>
+        </p:spPr>
+        <p:txBody>
+          <a:bodyPr wrap="square" lIns="0" tIns="0" rIns="0" bIns="0" vert="horz" anchor="t">
+            <a:spAutoFit/>
+          </a:bodyPr>
+          <a:lstStyle/>
+          <a:p>
+            <a:pPr marL="0" indent="0" algn="l" hangingPunct="1"/>
+            <a:r>
+              <a:rPr/>
+              <a:t> </a:t>
+            </a:r>
+            <a:endParaRPr lang="ko-KR" altLang="en-US" sz="1800">
+              <a:latin typeface="맑은 고딕" charset="0"/>
+              <a:ea typeface="맑은 고딕" charset="0"/>
+            </a:endParaRPr>
+          </a:p>
+        </p:txBody>
+      </p:sp>
+      <p:pic>
+        <p:nvPicPr>
+          <p:cNvPr id="5" name="그림 16" descr="C:/Users/INTEL 30/AppData/Roaming/PolarisOffice/ETemp/8552_17104296/fImage390771066334.png"/>
+          <p:cNvPicPr>
+            <a:picLocks noChangeAspect="1"/>
+          </p:cNvPicPr>
+          <p:nvPr/>
+        </p:nvPicPr>
+        <p:blipFill rotWithShape="1">
+          <a:blip r:embed="rId3" cstate="print">
+            <a:extLst>
+              <a:ext uri="{28A0092B-C50C-407E-A947-70E740481C1C}">
+                <a14:useLocalDpi xmlns:a14="http://schemas.microsoft.com/office/drawing/2010/main" val="0"/>
+              </a:ext>
+            </a:extLst>
+          </a:blip>
+          <a:stretch>
+            <a:fillRect/>
+          </a:stretch>
+        </p:blipFill>
+        <p:spPr>
+          <a:xfrm rot="0">
+            <a:off x="6572250" y="525145"/>
+            <a:ext cx="3181350" cy="2905125"/>
+          </a:xfrm>
+          <a:prstGeom prst="rect"/>
+          <a:noFill/>
+        </p:spPr>
+      </p:pic>
+    </p:spTree>
+  </p:cSld>
+  <p:clrMapOvr>
+    <a:masterClrMapping/>
+  </p:clrMapOvr>
+  <mc:AlternateContent xmlns:mc="http://schemas.openxmlformats.org/markup-compatibility/2006">
+    <mc:Choice xmlns:p14="http://schemas.microsoft.com/office/powerpoint/2010/main" Requires="p14">
+      <p:transition spd="slow" p14:dur="2000"/>
+    </mc:Choice>
+    <mc:Fallback>
+      <p:transition spd="slow"/>
+    </mc:Fallback>
+  </mc:AlternateContent>
 </p:sld>
 </file>
 
